--- a/Singapore Tourism Board Analysis.pptx
+++ b/Singapore Tourism Board Analysis.pptx
@@ -4041,10 +4041,10 @@
           <a:lstStyle/>
           <a:p>
             <a:r>
-              <a:rPr lang="en-US"/>
-              <a:t>=== Results === Chi-square: 245.5 p-value: 0.0000 Degrees of freedom: 27 Cramer's V: 0.153</a:t>
-            </a:r>
-            <a:endParaRPr lang="en-SG"/>
+              <a:rPr lang="en-US" dirty="0"/>
+              <a:t>=== Results === Chi-square: 245.5 p-value: 0.0000 Degrees of freedom: 27 Cramer's V: 0.153 </a:t>
+            </a:r>
+            <a:endParaRPr lang="en-SG" dirty="0"/>
           </a:p>
         </p:txBody>
       </p:sp>

--- a/Singapore Tourism Board Analysis.pptx
+++ b/Singapore Tourism Board Analysis.pptx
@@ -5,7 +5,7 @@
     <p:sldMasterId id="2147483648" r:id="rId1"/>
   </p:sldMasterIdLst>
   <p:notesMasterIdLst>
-    <p:notesMasterId r:id="rId18"/>
+    <p:notesMasterId r:id="rId34"/>
   </p:notesMasterIdLst>
   <p:sldIdLst>
     <p:sldId id="256" r:id="rId2"/>
@@ -13,17 +13,33 @@
     <p:sldId id="259" r:id="rId4"/>
     <p:sldId id="258" r:id="rId5"/>
     <p:sldId id="260" r:id="rId6"/>
-    <p:sldId id="262" r:id="rId7"/>
-    <p:sldId id="263" r:id="rId8"/>
-    <p:sldId id="264" r:id="rId9"/>
-    <p:sldId id="265" r:id="rId10"/>
-    <p:sldId id="266" r:id="rId11"/>
-    <p:sldId id="267" r:id="rId12"/>
-    <p:sldId id="268" r:id="rId13"/>
-    <p:sldId id="269" r:id="rId14"/>
+    <p:sldId id="261" r:id="rId7"/>
+    <p:sldId id="274" r:id="rId8"/>
+    <p:sldId id="275" r:id="rId9"/>
+    <p:sldId id="279" r:id="rId10"/>
+    <p:sldId id="262" r:id="rId11"/>
+    <p:sldId id="263" r:id="rId12"/>
+    <p:sldId id="264" r:id="rId13"/>
+    <p:sldId id="267" r:id="rId14"/>
     <p:sldId id="270" r:id="rId15"/>
     <p:sldId id="271" r:id="rId16"/>
-    <p:sldId id="261" r:id="rId17"/>
+    <p:sldId id="284" r:id="rId17"/>
+    <p:sldId id="285" r:id="rId18"/>
+    <p:sldId id="291" r:id="rId19"/>
+    <p:sldId id="289" r:id="rId20"/>
+    <p:sldId id="292" r:id="rId21"/>
+    <p:sldId id="293" r:id="rId22"/>
+    <p:sldId id="290" r:id="rId23"/>
+    <p:sldId id="265" r:id="rId24"/>
+    <p:sldId id="266" r:id="rId25"/>
+    <p:sldId id="268" r:id="rId26"/>
+    <p:sldId id="269" r:id="rId27"/>
+    <p:sldId id="281" r:id="rId28"/>
+    <p:sldId id="280" r:id="rId29"/>
+    <p:sldId id="283" r:id="rId30"/>
+    <p:sldId id="286" r:id="rId31"/>
+    <p:sldId id="287" r:id="rId32"/>
+    <p:sldId id="288" r:id="rId33"/>
   </p:sldIdLst>
   <p:sldSz cx="12192000" cy="6858000"/>
   <p:notesSz cx="6858000" cy="9144000"/>
@@ -122,6 +138,11 @@
       </a:defRPr>
     </a:lvl9pPr>
   </p:defaultTextStyle>
+  <p:extLst>
+    <p:ext uri="{EFAFB233-063F-42B5-8137-9DF3F51BA10A}">
+      <p15:sldGuideLst xmlns:p15="http://schemas.microsoft.com/office/powerpoint/2012/main"/>
+    </p:ext>
+  </p:extLst>
 </p:presentation>
 </file>
 
@@ -998,10 +1019,9 @@
         <a:lstStyle/>
         <a:p>
           <a:r>
-            <a:rPr lang="en-US" dirty="0"/>
-            <a:t>Selecting predictors and models</a:t>
+            <a:rPr lang="en-SG" dirty="0"/>
+            <a:t>Use of clustering</a:t>
           </a:r>
-          <a:endParaRPr lang="en-SG" dirty="0"/>
         </a:p>
       </dgm:t>
     </dgm:pt>
@@ -1036,7 +1056,7 @@
         <a:p>
           <a:r>
             <a:rPr lang="en-US" dirty="0"/>
-            <a:t>Analyze different predictive models</a:t>
+            <a:t>Analyze</a:t>
           </a:r>
           <a:endParaRPr lang="en-SG" dirty="0"/>
         </a:p>
@@ -1486,10 +1506,9 @@
             <a:buNone/>
           </a:pPr>
           <a:r>
-            <a:rPr lang="en-US" sz="1700" kern="1200" dirty="0"/>
-            <a:t>Selecting predictors and models</a:t>
+            <a:rPr lang="en-SG" sz="1700" kern="1200" dirty="0"/>
+            <a:t>Use of clustering</a:t>
           </a:r>
-          <a:endParaRPr lang="en-SG" sz="1700" kern="1200" dirty="0"/>
         </a:p>
       </dsp:txBody>
       <dsp:txXfrm>
@@ -1566,7 +1585,7 @@
           </a:pPr>
           <a:r>
             <a:rPr lang="en-US" sz="1700" kern="1200" dirty="0"/>
-            <a:t>Analyze different predictive models</a:t>
+            <a:t>Analyze</a:t>
           </a:r>
           <a:endParaRPr lang="en-SG" sz="1700" kern="1200" dirty="0"/>
         </a:p>
@@ -2979,7 +2998,7 @@
           <a:p>
             <a:fld id="{2F79F1D4-6A61-40E5-B7E8-06A368FC7B8F}" type="datetimeFigureOut">
               <a:rPr lang="en-SG" smtClean="0"/>
-              <a:t>30/7/2025</a:t>
+              <a:t>31/7/2025</a:t>
             </a:fld>
             <a:endParaRPr lang="en-SG"/>
           </a:p>
@@ -3390,6 +3409,180 @@
 </p:notes>
 </file>
 
+<file path=ppt/notesSlides/notesSlide10.xml><?xml version="1.0" encoding="utf-8"?>
+<p:notes xmlns:a="http://schemas.openxmlformats.org/drawingml/2006/main" xmlns:r="http://schemas.openxmlformats.org/officeDocument/2006/relationships" xmlns:p="http://schemas.openxmlformats.org/presentationml/2006/main">
+  <p:cSld>
+    <p:spTree>
+      <p:nvGrpSpPr>
+        <p:cNvPr id="1" name="">
+          <a:extLst>
+            <a:ext uri="{FF2B5EF4-FFF2-40B4-BE49-F238E27FC236}">
+              <a16:creationId xmlns:a16="http://schemas.microsoft.com/office/drawing/2014/main" id="{5F27991A-F7EF-B4B1-8B6E-703EA09B0A63}"/>
+            </a:ext>
+          </a:extLst>
+        </p:cNvPr>
+        <p:cNvGrpSpPr/>
+        <p:nvPr/>
+      </p:nvGrpSpPr>
+      <p:grpSpPr>
+        <a:xfrm>
+          <a:off x="0" y="0"/>
+          <a:ext cx="0" cy="0"/>
+          <a:chOff x="0" y="0"/>
+          <a:chExt cx="0" cy="0"/>
+        </a:xfrm>
+      </p:grpSpPr>
+      <p:sp>
+        <p:nvSpPr>
+          <p:cNvPr id="2" name="Slide Image Placeholder 1">
+            <a:extLst>
+              <a:ext uri="{FF2B5EF4-FFF2-40B4-BE49-F238E27FC236}">
+                <a16:creationId xmlns:a16="http://schemas.microsoft.com/office/drawing/2014/main" id="{55B315D9-56CA-6B81-98DD-3BDA7C7EAED6}"/>
+              </a:ext>
+            </a:extLst>
+          </p:cNvPr>
+          <p:cNvSpPr>
+            <a:spLocks noGrp="1" noRot="1" noChangeAspect="1"/>
+          </p:cNvSpPr>
+          <p:nvPr>
+            <p:ph type="sldImg"/>
+          </p:nvPr>
+        </p:nvSpPr>
+        <p:spPr/>
+      </p:sp>
+      <p:sp>
+        <p:nvSpPr>
+          <p:cNvPr id="3" name="Notes Placeholder 2">
+            <a:extLst>
+              <a:ext uri="{FF2B5EF4-FFF2-40B4-BE49-F238E27FC236}">
+                <a16:creationId xmlns:a16="http://schemas.microsoft.com/office/drawing/2014/main" id="{EB6973C1-A794-6ABF-1619-FD8B002F3670}"/>
+              </a:ext>
+            </a:extLst>
+          </p:cNvPr>
+          <p:cNvSpPr>
+            <a:spLocks noGrp="1"/>
+          </p:cNvSpPr>
+          <p:nvPr>
+            <p:ph type="body" idx="1"/>
+          </p:nvPr>
+        </p:nvSpPr>
+        <p:spPr/>
+        <p:txBody>
+          <a:bodyPr/>
+          <a:lstStyle/>
+          <a:p>
+            <a:r>
+              <a:rPr lang="en-US" dirty="0"/>
+              <a:t>One recommendation is to run </a:t>
+            </a:r>
+            <a:r>
+              <a:rPr lang="en-US" b="1" dirty="0"/>
+              <a:t>seasonal, geo-targeted influencer campaigns</a:t>
+            </a:r>
+            <a:r>
+              <a:rPr lang="en-US" dirty="0"/>
+              <a:t>, especially for high-value markets like </a:t>
+            </a:r>
+            <a:r>
+              <a:rPr lang="en-US" b="1" dirty="0"/>
+              <a:t>China</a:t>
+            </a:r>
+            <a:r>
+              <a:rPr lang="en-US" dirty="0"/>
+              <a:t>. For example, China typically sees a surge in outbound tourists during </a:t>
+            </a:r>
+            <a:r>
+              <a:rPr lang="en-US" b="1" dirty="0"/>
+              <a:t>July and August</a:t>
+            </a:r>
+            <a:r>
+              <a:rPr lang="en-US" dirty="0"/>
+              <a:t>. To tap into this window, we propose deploying </a:t>
+            </a:r>
+            <a:r>
+              <a:rPr lang="en-US" b="1" dirty="0"/>
+              <a:t>targeted advertisements on platforms such as Weibo and Douyin</a:t>
+            </a:r>
+            <a:r>
+              <a:rPr lang="en-US" dirty="0"/>
+              <a:t>, timed about 4–6 weeks in advance to catch the planning phase.</a:t>
+            </a:r>
+          </a:p>
+          <a:p>
+            <a:r>
+              <a:rPr lang="en-US" dirty="0"/>
+              <a:t>We can amplify this with collaborations with </a:t>
+            </a:r>
+            <a:r>
+              <a:rPr lang="en-US" b="1" dirty="0"/>
+              <a:t>well-known Chinese influencers</a:t>
+            </a:r>
+            <a:r>
+              <a:rPr lang="en-US" dirty="0"/>
+              <a:t> who already have high credibility and reach within their travel or lifestyle communities. These influencers can highlight curated Singapore experiences – such as luxury shopping, unique dining, and family attractions – through culturally relevant content.</a:t>
+            </a:r>
+          </a:p>
+          <a:p>
+            <a:r>
+              <a:rPr lang="en-US" dirty="0"/>
+              <a:t>The key is </a:t>
+            </a:r>
+            <a:r>
+              <a:rPr lang="en-US" b="1" dirty="0"/>
+              <a:t>localization</a:t>
+            </a:r>
+            <a:r>
+              <a:rPr lang="en-US" dirty="0"/>
+              <a:t>: adapting the message, tone, and visuals to resonate with Chinese values and expectations.</a:t>
+            </a:r>
+          </a:p>
+          <a:p>
+            <a:endParaRPr lang="en-SG" dirty="0"/>
+          </a:p>
+        </p:txBody>
+      </p:sp>
+      <p:sp>
+        <p:nvSpPr>
+          <p:cNvPr id="4" name="Slide Number Placeholder 3">
+            <a:extLst>
+              <a:ext uri="{FF2B5EF4-FFF2-40B4-BE49-F238E27FC236}">
+                <a16:creationId xmlns:a16="http://schemas.microsoft.com/office/drawing/2014/main" id="{C9681F1E-A488-E9D5-0FEE-CCF8F35BDD0E}"/>
+              </a:ext>
+            </a:extLst>
+          </p:cNvPr>
+          <p:cNvSpPr>
+            <a:spLocks noGrp="1"/>
+          </p:cNvSpPr>
+          <p:nvPr>
+            <p:ph type="sldNum" sz="quarter" idx="5"/>
+          </p:nvPr>
+        </p:nvSpPr>
+        <p:spPr/>
+        <p:txBody>
+          <a:bodyPr/>
+          <a:lstStyle/>
+          <a:p>
+            <a:fld id="{F5C9F1E5-F96A-49D6-AF66-350A43C84F64}" type="slidenum">
+              <a:rPr lang="en-SG" smtClean="0"/>
+              <a:t>21</a:t>
+            </a:fld>
+            <a:endParaRPr lang="en-SG"/>
+          </a:p>
+        </p:txBody>
+      </p:sp>
+    </p:spTree>
+    <p:extLst>
+      <p:ext uri="{BB962C8B-B14F-4D97-AF65-F5344CB8AC3E}">
+        <p14:creationId xmlns:p14="http://schemas.microsoft.com/office/powerpoint/2010/main" val="690986239"/>
+      </p:ext>
+    </p:extLst>
+  </p:cSld>
+  <p:clrMapOvr>
+    <a:masterClrMapping/>
+  </p:clrMapOvr>
+</p:notes>
+</file>
+
 <file path=ppt/notesSlides/notesSlide2.xml><?xml version="1.0" encoding="utf-8"?>
 <p:notes xmlns:a="http://schemas.openxmlformats.org/drawingml/2006/main" xmlns:r="http://schemas.openxmlformats.org/officeDocument/2006/relationships" xmlns:p="http://schemas.openxmlformats.org/presentationml/2006/main">
   <p:cSld>
@@ -3881,81 +4074,6 @@
             </a:r>
           </a:p>
           <a:p>
-            <a:pPr lvl="0"/>
-            <a:r>
-              <a:rPr lang="en-SG" sz="1200" kern="1200" dirty="0">
-                <a:solidFill>
-                  <a:schemeClr val="tx1"/>
-                </a:solidFill>
-                <a:effectLst/>
-                <a:latin typeface="+mn-lt"/>
-                <a:ea typeface="+mn-ea"/>
-                <a:cs typeface="+mn-cs"/>
-              </a:rPr>
-              <a:t>Please explain the choice of metric you used</a:t>
-            </a:r>
-          </a:p>
-          <a:p>
-            <a:pPr lvl="0"/>
-            <a:r>
-              <a:rPr lang="en-SG" sz="1200" kern="1200" dirty="0">
-                <a:solidFill>
-                  <a:schemeClr val="tx1"/>
-                </a:solidFill>
-                <a:effectLst/>
-                <a:latin typeface="+mn-lt"/>
-                <a:ea typeface="+mn-ea"/>
-                <a:cs typeface="+mn-cs"/>
-              </a:rPr>
-              <a:t>What are the key assumptions you have taken to identify the different segments?</a:t>
-            </a:r>
-          </a:p>
-          <a:p>
-            <a:pPr lvl="0"/>
-            <a:r>
-              <a:rPr lang="en-SG" sz="1200" kern="1200" dirty="0">
-                <a:solidFill>
-                  <a:schemeClr val="tx1"/>
-                </a:solidFill>
-                <a:effectLst/>
-                <a:latin typeface="+mn-lt"/>
-                <a:ea typeface="+mn-ea"/>
-                <a:cs typeface="+mn-cs"/>
-              </a:rPr>
-              <a:t>What were the other approaches you considered? Please explain the reason for the technique / approach used as well as the pros and cons.</a:t>
-            </a:r>
-          </a:p>
-          <a:p>
-            <a:pPr lvl="0"/>
-            <a:r>
-              <a:rPr lang="en-SG" sz="1200" kern="1200" dirty="0">
-                <a:solidFill>
-                  <a:schemeClr val="tx1"/>
-                </a:solidFill>
-                <a:effectLst/>
-                <a:latin typeface="+mn-lt"/>
-                <a:ea typeface="+mn-ea"/>
-                <a:cs typeface="+mn-cs"/>
-              </a:rPr>
-              <a:t>Why is your analytical approach performing well / not well?</a:t>
-            </a:r>
-          </a:p>
-          <a:p>
-            <a:pPr lvl="0"/>
-            <a:r>
-              <a:rPr lang="en-SG" sz="1200" kern="1200" dirty="0">
-                <a:solidFill>
-                  <a:schemeClr val="tx1"/>
-                </a:solidFill>
-                <a:effectLst/>
-                <a:latin typeface="+mn-lt"/>
-                <a:ea typeface="+mn-ea"/>
-                <a:cs typeface="+mn-cs"/>
-              </a:rPr>
-              <a:t>Was any feature engineering required? If yes, what were they. If no, why?</a:t>
-            </a:r>
-          </a:p>
-          <a:p>
             <a:endParaRPr lang="en-SG" dirty="0"/>
           </a:p>
         </p:txBody>
@@ -4040,6 +4158,406 @@
           <a:bodyPr/>
           <a:lstStyle/>
           <a:p>
+            <a:pPr marL="0" marR="0" lvl="0" indent="0" algn="l" defTabSz="914400" rtl="0" eaLnBrk="1" fontAlgn="auto" latinLnBrk="0" hangingPunct="1">
+              <a:lnSpc>
+                <a:spcPct val="100000"/>
+              </a:lnSpc>
+              <a:spcBef>
+                <a:spcPts val="0"/>
+              </a:spcBef>
+              <a:spcAft>
+                <a:spcPts val="0"/>
+              </a:spcAft>
+              <a:buClrTx/>
+              <a:buSzTx/>
+              <a:buFontTx/>
+              <a:buNone/>
+              <a:tabLst/>
+              <a:defRPr/>
+            </a:pPr>
+            <a:r>
+              <a:rPr lang="en-US" sz="1200" kern="1200" dirty="0">
+                <a:solidFill>
+                  <a:schemeClr val="tx1"/>
+                </a:solidFill>
+                <a:effectLst/>
+                <a:latin typeface="+mn-lt"/>
+                <a:ea typeface="+mn-ea"/>
+                <a:cs typeface="+mn-cs"/>
+              </a:rPr>
+              <a:t>Tourist spending patterns can be segmented meaningfully based on their shopping behavior. </a:t>
+            </a:r>
+            <a:r>
+              <a:rPr lang="en-US" dirty="0"/>
+              <a:t>The use of </a:t>
+            </a:r>
+            <a:r>
+              <a:rPr lang="en-US" dirty="0" err="1"/>
+              <a:t>kmeans</a:t>
+            </a:r>
+            <a:r>
+              <a:rPr lang="en-US" dirty="0"/>
+              <a:t> and </a:t>
+            </a:r>
+            <a:r>
+              <a:rPr lang="en-US" dirty="0" err="1"/>
+              <a:t>kprototype</a:t>
+            </a:r>
+            <a:r>
+              <a:rPr lang="en-US" dirty="0"/>
+              <a:t> helped identify distinct spending groups. </a:t>
+            </a:r>
+          </a:p>
+          <a:p>
+            <a:pPr marL="0" marR="0" lvl="0" indent="0" algn="l" defTabSz="914400" rtl="0" eaLnBrk="1" fontAlgn="auto" latinLnBrk="0" hangingPunct="1">
+              <a:lnSpc>
+                <a:spcPct val="100000"/>
+              </a:lnSpc>
+              <a:spcBef>
+                <a:spcPts val="0"/>
+              </a:spcBef>
+              <a:spcAft>
+                <a:spcPts val="0"/>
+              </a:spcAft>
+              <a:buClrTx/>
+              <a:buSzTx/>
+              <a:buFontTx/>
+              <a:buNone/>
+              <a:tabLst/>
+              <a:defRPr/>
+            </a:pPr>
+            <a:endParaRPr lang="en-SG" sz="1200" kern="1200" dirty="0">
+              <a:solidFill>
+                <a:schemeClr val="tx1"/>
+              </a:solidFill>
+              <a:effectLst/>
+              <a:latin typeface="+mn-lt"/>
+              <a:ea typeface="+mn-ea"/>
+              <a:cs typeface="+mn-cs"/>
+            </a:endParaRPr>
+          </a:p>
+          <a:p>
+            <a:pPr marL="0" marR="0" lvl="0" indent="0" algn="l" defTabSz="914400" rtl="0" eaLnBrk="1" fontAlgn="auto" latinLnBrk="0" hangingPunct="1">
+              <a:lnSpc>
+                <a:spcPct val="100000"/>
+              </a:lnSpc>
+              <a:spcBef>
+                <a:spcPts val="0"/>
+              </a:spcBef>
+              <a:spcAft>
+                <a:spcPts val="0"/>
+              </a:spcAft>
+              <a:buClrTx/>
+              <a:buSzTx/>
+              <a:buFontTx/>
+              <a:buNone/>
+              <a:tabLst/>
+              <a:defRPr/>
+            </a:pPr>
+            <a:r>
+              <a:rPr lang="en-SG" sz="1200" kern="1200" dirty="0">
+                <a:solidFill>
+                  <a:schemeClr val="tx1"/>
+                </a:solidFill>
+                <a:effectLst/>
+                <a:latin typeface="+mn-lt"/>
+                <a:ea typeface="+mn-ea"/>
+                <a:cs typeface="+mn-cs"/>
+              </a:rPr>
+              <a:t>Why is your analytical approach performing well / not well? </a:t>
+            </a:r>
+          </a:p>
+          <a:p>
+            <a:pPr marL="0" marR="0" lvl="0" indent="0" algn="l" defTabSz="914400" rtl="0" eaLnBrk="1" fontAlgn="auto" latinLnBrk="0" hangingPunct="1">
+              <a:lnSpc>
+                <a:spcPct val="100000"/>
+              </a:lnSpc>
+              <a:spcBef>
+                <a:spcPts val="0"/>
+              </a:spcBef>
+              <a:spcAft>
+                <a:spcPts val="0"/>
+              </a:spcAft>
+              <a:buClrTx/>
+              <a:buSzTx/>
+              <a:buFontTx/>
+              <a:buNone/>
+              <a:tabLst/>
+              <a:defRPr/>
+            </a:pPr>
+            <a:r>
+              <a:rPr lang="en-SG" sz="1200" kern="1200" dirty="0">
+                <a:solidFill>
+                  <a:schemeClr val="tx1"/>
+                </a:solidFill>
+                <a:effectLst/>
+                <a:latin typeface="+mn-lt"/>
+                <a:ea typeface="+mn-ea"/>
+                <a:cs typeface="+mn-cs"/>
+              </a:rPr>
+              <a:t>It is noted that quite a number of spenders were considered as outliers, </a:t>
+            </a:r>
+            <a:r>
+              <a:rPr lang="en-US" dirty="0"/>
+              <a:t>big spender can </a:t>
+            </a:r>
+            <a:r>
+              <a:rPr lang="en-US" b="1" dirty="0"/>
+              <a:t>pull the cluster center away</a:t>
+            </a:r>
+            <a:r>
+              <a:rPr lang="en-US" dirty="0"/>
+              <a:t>, making the average misleading. </a:t>
+            </a:r>
+            <a:r>
+              <a:rPr lang="en-US" dirty="0" err="1"/>
+              <a:t>KMeans</a:t>
+            </a:r>
+            <a:r>
+              <a:rPr lang="en-US" dirty="0"/>
+              <a:t> and </a:t>
+            </a:r>
+            <a:r>
+              <a:rPr lang="en-US" dirty="0" err="1"/>
+              <a:t>kprototype</a:t>
+            </a:r>
+            <a:r>
+              <a:rPr lang="en-US" dirty="0"/>
+              <a:t> works by finding averages (centroids) of different groups.</a:t>
+            </a:r>
+            <a:endParaRPr lang="en-SG" sz="1200" kern="1200" dirty="0">
+              <a:solidFill>
+                <a:schemeClr val="tx1"/>
+              </a:solidFill>
+              <a:effectLst/>
+              <a:latin typeface="+mn-lt"/>
+              <a:ea typeface="+mn-ea"/>
+              <a:cs typeface="+mn-cs"/>
+            </a:endParaRPr>
+          </a:p>
+          <a:p>
+            <a:r>
+              <a:rPr lang="en-US" dirty="0"/>
+              <a:t>Other clustering methods like Hierarchical and DBSCAN, but they were not well-suited for mixed data or large volumes. </a:t>
+            </a:r>
+          </a:p>
+          <a:p>
+            <a:r>
+              <a:rPr lang="en-US" dirty="0"/>
+              <a:t>My approach worked well in producing interpretable segments, as an initial understanding of the dataset it is sufficient to understand the data before doing any form of regression to further understand the data</a:t>
+            </a:r>
+          </a:p>
+          <a:p>
+            <a:endParaRPr lang="en-SG" dirty="0"/>
+          </a:p>
+          <a:p>
+            <a:endParaRPr lang="en-SG" dirty="0"/>
+          </a:p>
+        </p:txBody>
+      </p:sp>
+      <p:sp>
+        <p:nvSpPr>
+          <p:cNvPr id="4" name="Slide Number Placeholder 3"/>
+          <p:cNvSpPr>
+            <a:spLocks noGrp="1"/>
+          </p:cNvSpPr>
+          <p:nvPr>
+            <p:ph type="sldNum" sz="quarter" idx="5"/>
+          </p:nvPr>
+        </p:nvSpPr>
+        <p:spPr/>
+        <p:txBody>
+          <a:bodyPr/>
+          <a:lstStyle/>
+          <a:p>
+            <a:fld id="{F5C9F1E5-F96A-49D6-AF66-350A43C84F64}" type="slidenum">
+              <a:rPr lang="en-SG" smtClean="0"/>
+              <a:t>8</a:t>
+            </a:fld>
+            <a:endParaRPr lang="en-SG"/>
+          </a:p>
+        </p:txBody>
+      </p:sp>
+    </p:spTree>
+    <p:extLst>
+      <p:ext uri="{BB962C8B-B14F-4D97-AF65-F5344CB8AC3E}">
+        <p14:creationId xmlns:p14="http://schemas.microsoft.com/office/powerpoint/2010/main" val="3496518199"/>
+      </p:ext>
+    </p:extLst>
+  </p:cSld>
+  <p:clrMapOvr>
+    <a:masterClrMapping/>
+  </p:clrMapOvr>
+</p:notes>
+</file>
+
+<file path=ppt/notesSlides/notesSlide6.xml><?xml version="1.0" encoding="utf-8"?>
+<p:notes xmlns:a="http://schemas.openxmlformats.org/drawingml/2006/main" xmlns:r="http://schemas.openxmlformats.org/officeDocument/2006/relationships" xmlns:p="http://schemas.openxmlformats.org/presentationml/2006/main">
+  <p:cSld>
+    <p:spTree>
+      <p:nvGrpSpPr>
+        <p:cNvPr id="1" name=""/>
+        <p:cNvGrpSpPr/>
+        <p:nvPr/>
+      </p:nvGrpSpPr>
+      <p:grpSpPr>
+        <a:xfrm>
+          <a:off x="0" y="0"/>
+          <a:ext cx="0" cy="0"/>
+          <a:chOff x="0" y="0"/>
+          <a:chExt cx="0" cy="0"/>
+        </a:xfrm>
+      </p:grpSpPr>
+      <p:sp>
+        <p:nvSpPr>
+          <p:cNvPr id="2" name="Slide Image Placeholder 1"/>
+          <p:cNvSpPr>
+            <a:spLocks noGrp="1" noRot="1" noChangeAspect="1"/>
+          </p:cNvSpPr>
+          <p:nvPr>
+            <p:ph type="sldImg"/>
+          </p:nvPr>
+        </p:nvSpPr>
+        <p:spPr/>
+      </p:sp>
+      <p:sp>
+        <p:nvSpPr>
+          <p:cNvPr id="3" name="Notes Placeholder 2"/>
+          <p:cNvSpPr>
+            <a:spLocks noGrp="1"/>
+          </p:cNvSpPr>
+          <p:nvPr>
+            <p:ph type="body" idx="1"/>
+          </p:nvPr>
+        </p:nvSpPr>
+        <p:spPr/>
+        <p:txBody>
+          <a:bodyPr/>
+          <a:lstStyle/>
+          <a:p>
+            <a:r>
+              <a:rPr lang="en-US" dirty="0"/>
+              <a:t>I select a baseline model and a </a:t>
+            </a:r>
+            <a:r>
+              <a:rPr lang="en-US" dirty="0" err="1"/>
+              <a:t>Xgboost</a:t>
+            </a:r>
+            <a:r>
+              <a:rPr lang="en-US" dirty="0"/>
+              <a:t> model for analysis (the reason why I select </a:t>
+            </a:r>
+            <a:r>
+              <a:rPr lang="en-US" dirty="0" err="1"/>
+              <a:t>Xgboost</a:t>
+            </a:r>
+            <a:r>
+              <a:rPr lang="en-US" dirty="0"/>
+              <a:t> model is because it is better at handling imbalance classes)</a:t>
+            </a:r>
+          </a:p>
+          <a:p>
+            <a:endParaRPr lang="en-US" dirty="0"/>
+          </a:p>
+          <a:p>
+            <a:r>
+              <a:rPr lang="en-US" dirty="0"/>
+              <a:t>For e.g. in the factory.csv I used </a:t>
+            </a:r>
+            <a:r>
+              <a:rPr lang="en-US" dirty="0" err="1"/>
+              <a:t>Xgboost</a:t>
+            </a:r>
+            <a:r>
+              <a:rPr lang="en-US" dirty="0"/>
+              <a:t> to handle the imbalance classes</a:t>
+            </a:r>
+          </a:p>
+          <a:p>
+            <a:endParaRPr lang="en-SG" dirty="0"/>
+          </a:p>
+        </p:txBody>
+      </p:sp>
+      <p:sp>
+        <p:nvSpPr>
+          <p:cNvPr id="4" name="Slide Number Placeholder 3"/>
+          <p:cNvSpPr>
+            <a:spLocks noGrp="1"/>
+          </p:cNvSpPr>
+          <p:nvPr>
+            <p:ph type="sldNum" sz="quarter" idx="5"/>
+          </p:nvPr>
+        </p:nvSpPr>
+        <p:spPr/>
+        <p:txBody>
+          <a:bodyPr/>
+          <a:lstStyle/>
+          <a:p>
+            <a:fld id="{3B251C97-8571-4601-A1E7-26E4D256EF4A}" type="slidenum">
+              <a:rPr lang="en-SG" smtClean="0"/>
+              <a:t>9</a:t>
+            </a:fld>
+            <a:endParaRPr lang="en-SG"/>
+          </a:p>
+        </p:txBody>
+      </p:sp>
+    </p:spTree>
+    <p:extLst>
+      <p:ext uri="{BB962C8B-B14F-4D97-AF65-F5344CB8AC3E}">
+        <p14:creationId xmlns:p14="http://schemas.microsoft.com/office/powerpoint/2010/main" val="1730463335"/>
+      </p:ext>
+    </p:extLst>
+  </p:cSld>
+  <p:clrMapOvr>
+    <a:masterClrMapping/>
+  </p:clrMapOvr>
+</p:notes>
+</file>
+
+<file path=ppt/notesSlides/notesSlide7.xml><?xml version="1.0" encoding="utf-8"?>
+<p:notes xmlns:a="http://schemas.openxmlformats.org/drawingml/2006/main" xmlns:r="http://schemas.openxmlformats.org/officeDocument/2006/relationships" xmlns:p="http://schemas.openxmlformats.org/presentationml/2006/main">
+  <p:cSld>
+    <p:spTree>
+      <p:nvGrpSpPr>
+        <p:cNvPr id="1" name=""/>
+        <p:cNvGrpSpPr/>
+        <p:nvPr/>
+      </p:nvGrpSpPr>
+      <p:grpSpPr>
+        <a:xfrm>
+          <a:off x="0" y="0"/>
+          <a:ext cx="0" cy="0"/>
+          <a:chOff x="0" y="0"/>
+          <a:chExt cx="0" cy="0"/>
+        </a:xfrm>
+      </p:grpSpPr>
+      <p:sp>
+        <p:nvSpPr>
+          <p:cNvPr id="2" name="Slide Image Placeholder 1"/>
+          <p:cNvSpPr>
+            <a:spLocks noGrp="1" noRot="1" noChangeAspect="1"/>
+          </p:cNvSpPr>
+          <p:nvPr>
+            <p:ph type="sldImg"/>
+          </p:nvPr>
+        </p:nvSpPr>
+        <p:spPr/>
+      </p:sp>
+      <p:sp>
+        <p:nvSpPr>
+          <p:cNvPr id="3" name="Notes Placeholder 2"/>
+          <p:cNvSpPr>
+            <a:spLocks noGrp="1"/>
+          </p:cNvSpPr>
+          <p:nvPr>
+            <p:ph type="body" idx="1"/>
+          </p:nvPr>
+        </p:nvSpPr>
+        <p:spPr/>
+        <p:txBody>
+          <a:bodyPr/>
+          <a:lstStyle/>
+          <a:p>
             <a:r>
               <a:rPr lang="en-US" dirty="0"/>
               <a:t>=== Results === Chi-square: 245.5 p-value: 0.0000 Degrees of freedom: 27 Cramer's V: 0.153 </a:t>
@@ -4075,6 +4593,372 @@
     <p:extLst>
       <p:ext uri="{BB962C8B-B14F-4D97-AF65-F5344CB8AC3E}">
         <p14:creationId xmlns:p14="http://schemas.microsoft.com/office/powerpoint/2010/main" val="2817960340"/>
+      </p:ext>
+    </p:extLst>
+  </p:cSld>
+  <p:clrMapOvr>
+    <a:masterClrMapping/>
+  </p:clrMapOvr>
+</p:notes>
+</file>
+
+<file path=ppt/notesSlides/notesSlide8.xml><?xml version="1.0" encoding="utf-8"?>
+<p:notes xmlns:a="http://schemas.openxmlformats.org/drawingml/2006/main" xmlns:r="http://schemas.openxmlformats.org/officeDocument/2006/relationships" xmlns:p="http://schemas.openxmlformats.org/presentationml/2006/main">
+  <p:cSld>
+    <p:spTree>
+      <p:nvGrpSpPr>
+        <p:cNvPr id="1" name=""/>
+        <p:cNvGrpSpPr/>
+        <p:nvPr/>
+      </p:nvGrpSpPr>
+      <p:grpSpPr>
+        <a:xfrm>
+          <a:off x="0" y="0"/>
+          <a:ext cx="0" cy="0"/>
+          <a:chOff x="0" y="0"/>
+          <a:chExt cx="0" cy="0"/>
+        </a:xfrm>
+      </p:grpSpPr>
+      <p:sp>
+        <p:nvSpPr>
+          <p:cNvPr id="2" name="Slide Image Placeholder 1"/>
+          <p:cNvSpPr>
+            <a:spLocks noGrp="1" noRot="1" noChangeAspect="1"/>
+          </p:cNvSpPr>
+          <p:nvPr>
+            <p:ph type="sldImg"/>
+          </p:nvPr>
+        </p:nvSpPr>
+        <p:spPr/>
+      </p:sp>
+      <p:sp>
+        <p:nvSpPr>
+          <p:cNvPr id="3" name="Notes Placeholder 2"/>
+          <p:cNvSpPr>
+            <a:spLocks noGrp="1"/>
+          </p:cNvSpPr>
+          <p:nvPr>
+            <p:ph type="body" idx="1"/>
+          </p:nvPr>
+        </p:nvSpPr>
+        <p:spPr/>
+        <p:txBody>
+          <a:bodyPr/>
+          <a:lstStyle/>
+          <a:p>
+            <a:r>
+              <a:rPr lang="en-US" dirty="0"/>
+              <a:t>One area with significant potential to enhance tourist satisfaction and increase spending is </a:t>
+            </a:r>
+            <a:r>
+              <a:rPr lang="en-US" b="1" dirty="0"/>
+              <a:t>last-mile connectivity</a:t>
+            </a:r>
+            <a:r>
+              <a:rPr lang="en-US" dirty="0"/>
+              <a:t>—specifically, how easily visitors can travel from their accommodation to key shopping and lifestyle destinations.</a:t>
+            </a:r>
+          </a:p>
+          <a:p>
+            <a:r>
+              <a:rPr lang="en-US" dirty="0"/>
+              <a:t>Prominent hotels such as </a:t>
+            </a:r>
+            <a:r>
+              <a:rPr lang="en-US" b="1" dirty="0"/>
+              <a:t>Marina Bay Sands, Bencoolen, and Carlton Hotel</a:t>
+            </a:r>
+            <a:r>
+              <a:rPr lang="en-US" dirty="0"/>
+              <a:t> consistently attract high tourist traffic due to their central locations and brand appeal. These hotels are situated near major retail and entertainment zones, making it crucial to provide </a:t>
+            </a:r>
+            <a:r>
+              <a:rPr lang="en-US" b="1" dirty="0"/>
+              <a:t>seamless, intuitive transport links</a:t>
+            </a:r>
+            <a:r>
+              <a:rPr lang="en-US" dirty="0"/>
+              <a:t>, whether via well-connected pedestrian pathways, nearby MRT stations, or shuttle services.</a:t>
+            </a:r>
+          </a:p>
+          <a:p>
+            <a:r>
+              <a:rPr lang="en-US" dirty="0"/>
+              <a:t>In addition, we must proactively address a common pain point faced by international visitors: </a:t>
+            </a:r>
+            <a:r>
+              <a:rPr lang="en-US" b="1" dirty="0"/>
+              <a:t>language barriers</a:t>
+            </a:r>
+            <a:r>
+              <a:rPr lang="en-US" dirty="0"/>
+              <a:t>. Tourists often require assistance with navigation, directions, and recommendations. To meet this need, we recommend the deployment of </a:t>
+            </a:r>
+            <a:r>
+              <a:rPr lang="en-US" b="1" dirty="0"/>
+              <a:t>trained, multilingual guest support staff</a:t>
+            </a:r>
+            <a:r>
+              <a:rPr lang="en-US" dirty="0"/>
+              <a:t> at strategic points around high-traffic hotels and shopping areas. These frontline personnel will not only facilitate smoother wayfinding but also create a more welcoming and informed environment—encouraging longer stays and greater engagement with local businesses.</a:t>
+            </a:r>
+          </a:p>
+          <a:p>
+            <a:r>
+              <a:rPr lang="en-US" dirty="0"/>
+              <a:t>This initiative can be further enhanced through </a:t>
+            </a:r>
+            <a:r>
+              <a:rPr lang="en-US" b="1" dirty="0"/>
+              <a:t>digital concierge services</a:t>
+            </a:r>
+            <a:r>
+              <a:rPr lang="en-US" dirty="0"/>
+              <a:t>, clearly marked multilingual maps, and collaborative efforts between hotels, retailers, and local attractions. Together, these measures will increase both mobility and </a:t>
+            </a:r>
+            <a:r>
+              <a:rPr lang="en-US" b="1" dirty="0"/>
+              <a:t>visitor confidence</a:t>
+            </a:r>
+            <a:r>
+              <a:rPr lang="en-US" dirty="0"/>
+              <a:t> in navigating the city.</a:t>
+            </a:r>
+          </a:p>
+          <a:p>
+            <a:r>
+              <a:rPr lang="en-US" dirty="0"/>
+              <a:t>To further elevate the on-ground experience, we also propose strengthening Singapore’s </a:t>
+            </a:r>
+            <a:r>
+              <a:rPr lang="en-US" b="1" dirty="0"/>
+              <a:t>wayfinding and visitor support infrastructure</a:t>
+            </a:r>
+            <a:r>
+              <a:rPr lang="en-US" dirty="0"/>
+              <a:t>. This includes enhancing the usability of STB’s tourism website and mobile platforms by offering </a:t>
+            </a:r>
+            <a:r>
+              <a:rPr lang="en-US" b="1" dirty="0"/>
+              <a:t>clear, multilingual transport information and recommended itineraries</a:t>
+            </a:r>
+            <a:r>
+              <a:rPr lang="en-US" dirty="0"/>
+              <a:t>. At key tourist zones, the presence of </a:t>
+            </a:r>
+            <a:r>
+              <a:rPr lang="en-US" b="1" dirty="0"/>
+              <a:t>well-positioned ushers and visible multilingual signage</a:t>
+            </a:r>
+            <a:r>
+              <a:rPr lang="en-US" dirty="0"/>
+              <a:t> will reduce friction, streamline movement, and allow tourists to spend more time experiencing Singapore—rather than figuring out how to get around it.</a:t>
+            </a:r>
+          </a:p>
+          <a:p>
+            <a:endParaRPr lang="en-SG" dirty="0"/>
+          </a:p>
+        </p:txBody>
+      </p:sp>
+      <p:sp>
+        <p:nvSpPr>
+          <p:cNvPr id="4" name="Slide Number Placeholder 3"/>
+          <p:cNvSpPr>
+            <a:spLocks noGrp="1"/>
+          </p:cNvSpPr>
+          <p:nvPr>
+            <p:ph type="sldNum" sz="quarter" idx="5"/>
+          </p:nvPr>
+        </p:nvSpPr>
+        <p:spPr/>
+        <p:txBody>
+          <a:bodyPr/>
+          <a:lstStyle/>
+          <a:p>
+            <a:fld id="{F5C9F1E5-F96A-49D6-AF66-350A43C84F64}" type="slidenum">
+              <a:rPr lang="en-SG" smtClean="0"/>
+              <a:t>19</a:t>
+            </a:fld>
+            <a:endParaRPr lang="en-SG"/>
+          </a:p>
+        </p:txBody>
+      </p:sp>
+    </p:spTree>
+    <p:extLst>
+      <p:ext uri="{BB962C8B-B14F-4D97-AF65-F5344CB8AC3E}">
+        <p14:creationId xmlns:p14="http://schemas.microsoft.com/office/powerpoint/2010/main" val="2422122400"/>
+      </p:ext>
+    </p:extLst>
+  </p:cSld>
+  <p:clrMapOvr>
+    <a:masterClrMapping/>
+  </p:clrMapOvr>
+</p:notes>
+</file>
+
+<file path=ppt/notesSlides/notesSlide9.xml><?xml version="1.0" encoding="utf-8"?>
+<p:notes xmlns:a="http://schemas.openxmlformats.org/drawingml/2006/main" xmlns:r="http://schemas.openxmlformats.org/officeDocument/2006/relationships" xmlns:p="http://schemas.openxmlformats.org/presentationml/2006/main">
+  <p:cSld>
+    <p:spTree>
+      <p:nvGrpSpPr>
+        <p:cNvPr id="1" name="">
+          <a:extLst>
+            <a:ext uri="{FF2B5EF4-FFF2-40B4-BE49-F238E27FC236}">
+              <a16:creationId xmlns:a16="http://schemas.microsoft.com/office/drawing/2014/main" id="{503A1F3E-CAFB-A403-8072-4B9C8A6009EC}"/>
+            </a:ext>
+          </a:extLst>
+        </p:cNvPr>
+        <p:cNvGrpSpPr/>
+        <p:nvPr/>
+      </p:nvGrpSpPr>
+      <p:grpSpPr>
+        <a:xfrm>
+          <a:off x="0" y="0"/>
+          <a:ext cx="0" cy="0"/>
+          <a:chOff x="0" y="0"/>
+          <a:chExt cx="0" cy="0"/>
+        </a:xfrm>
+      </p:grpSpPr>
+      <p:sp>
+        <p:nvSpPr>
+          <p:cNvPr id="2" name="Slide Image Placeholder 1">
+            <a:extLst>
+              <a:ext uri="{FF2B5EF4-FFF2-40B4-BE49-F238E27FC236}">
+                <a16:creationId xmlns:a16="http://schemas.microsoft.com/office/drawing/2014/main" id="{162898C9-C350-B1E2-3EEF-927580CAC7FD}"/>
+              </a:ext>
+            </a:extLst>
+          </p:cNvPr>
+          <p:cNvSpPr>
+            <a:spLocks noGrp="1" noRot="1" noChangeAspect="1"/>
+          </p:cNvSpPr>
+          <p:nvPr>
+            <p:ph type="sldImg"/>
+          </p:nvPr>
+        </p:nvSpPr>
+        <p:spPr/>
+      </p:sp>
+      <p:sp>
+        <p:nvSpPr>
+          <p:cNvPr id="3" name="Notes Placeholder 2">
+            <a:extLst>
+              <a:ext uri="{FF2B5EF4-FFF2-40B4-BE49-F238E27FC236}">
+                <a16:creationId xmlns:a16="http://schemas.microsoft.com/office/drawing/2014/main" id="{CADBA544-063C-2D9F-F76B-0652FBA053BB}"/>
+              </a:ext>
+            </a:extLst>
+          </p:cNvPr>
+          <p:cNvSpPr>
+            <a:spLocks noGrp="1"/>
+          </p:cNvSpPr>
+          <p:nvPr>
+            <p:ph type="body" idx="1"/>
+          </p:nvPr>
+        </p:nvSpPr>
+        <p:spPr/>
+        <p:txBody>
+          <a:bodyPr/>
+          <a:lstStyle/>
+          <a:p>
+            <a:r>
+              <a:rPr lang="en-US" dirty="0"/>
+              <a:t>Our clustering analysis shows that </a:t>
+            </a:r>
+            <a:r>
+              <a:rPr lang="en-US" b="1" dirty="0"/>
+              <a:t>accommodation consistently represents the largest proportion of tourist spending</a:t>
+            </a:r>
+            <a:r>
+              <a:rPr lang="en-US" dirty="0"/>
+              <a:t>, regardless of segment, while </a:t>
+            </a:r>
+            <a:r>
+              <a:rPr lang="en-US" b="1" dirty="0"/>
+              <a:t>F&amp;B, transport, and shopping</a:t>
+            </a:r>
+            <a:r>
+              <a:rPr lang="en-US" dirty="0"/>
+              <a:t> also account for significant shares. This tells us that rather than reinventing the wheel, we should </a:t>
+            </a:r>
+            <a:r>
+              <a:rPr lang="en-US" b="1" dirty="0"/>
+              <a:t>fortify and enhance these core tourism pillars</a:t>
+            </a:r>
+            <a:r>
+              <a:rPr lang="en-US" dirty="0"/>
+              <a:t>.</a:t>
+            </a:r>
+          </a:p>
+          <a:p>
+            <a:r>
+              <a:rPr lang="en-US" dirty="0"/>
+              <a:t>To do this, we recommend launching a </a:t>
+            </a:r>
+            <a:r>
+              <a:rPr lang="en-US" b="1" dirty="0"/>
+              <a:t>‘48-Hour Singapore Experience’ package</a:t>
+            </a:r>
+            <a:r>
+              <a:rPr lang="en-US" dirty="0"/>
+              <a:t> – a curated itinerary that includes attraction access, dining vouchers, and shopping incentives. This is ideal for short-stay visitors, who we found have the highest per-day spend.</a:t>
+            </a:r>
+          </a:p>
+          <a:p>
+            <a:r>
+              <a:rPr lang="en-US" dirty="0"/>
+              <a:t>Next, we should collaborate with </a:t>
+            </a:r>
+            <a:r>
+              <a:rPr lang="en-US" b="1" dirty="0"/>
+              <a:t>travel platforms/agencies </a:t>
+            </a:r>
+            <a:r>
+              <a:rPr lang="en-US" dirty="0"/>
+              <a:t>in key markets to develop </a:t>
+            </a:r>
+            <a:r>
+              <a:rPr lang="en-US" b="1" dirty="0"/>
+              <a:t>bundled offers</a:t>
+            </a:r>
+            <a:r>
+              <a:rPr lang="en-US" dirty="0"/>
+              <a:t> – think flight + hotel + experience in one click. </a:t>
+            </a:r>
+            <a:endParaRPr lang="en-SG" dirty="0"/>
+          </a:p>
+        </p:txBody>
+      </p:sp>
+      <p:sp>
+        <p:nvSpPr>
+          <p:cNvPr id="4" name="Slide Number Placeholder 3">
+            <a:extLst>
+              <a:ext uri="{FF2B5EF4-FFF2-40B4-BE49-F238E27FC236}">
+                <a16:creationId xmlns:a16="http://schemas.microsoft.com/office/drawing/2014/main" id="{84D243F6-E594-8475-C764-416A897F69B0}"/>
+              </a:ext>
+            </a:extLst>
+          </p:cNvPr>
+          <p:cNvSpPr>
+            <a:spLocks noGrp="1"/>
+          </p:cNvSpPr>
+          <p:nvPr>
+            <p:ph type="sldNum" sz="quarter" idx="5"/>
+          </p:nvPr>
+        </p:nvSpPr>
+        <p:spPr/>
+        <p:txBody>
+          <a:bodyPr/>
+          <a:lstStyle/>
+          <a:p>
+            <a:fld id="{F5C9F1E5-F96A-49D6-AF66-350A43C84F64}" type="slidenum">
+              <a:rPr lang="en-SG" smtClean="0"/>
+              <a:t>20</a:t>
+            </a:fld>
+            <a:endParaRPr lang="en-SG"/>
+          </a:p>
+        </p:txBody>
+      </p:sp>
+    </p:spTree>
+    <p:extLst>
+      <p:ext uri="{BB962C8B-B14F-4D97-AF65-F5344CB8AC3E}">
+        <p14:creationId xmlns:p14="http://schemas.microsoft.com/office/powerpoint/2010/main" val="232677130"/>
       </p:ext>
     </p:extLst>
   </p:cSld>
@@ -4233,7 +5117,7 @@
           <a:p>
             <a:fld id="{7DFF1AF2-4E93-48F2-974E-15E9B6C6F141}" type="datetimeFigureOut">
               <a:rPr lang="en-SG" smtClean="0"/>
-              <a:t>30/7/2025</a:t>
+              <a:t>31/7/2025</a:t>
             </a:fld>
             <a:endParaRPr lang="en-SG"/>
           </a:p>
@@ -4433,7 +5317,7 @@
           <a:p>
             <a:fld id="{7DFF1AF2-4E93-48F2-974E-15E9B6C6F141}" type="datetimeFigureOut">
               <a:rPr lang="en-SG" smtClean="0"/>
-              <a:t>30/7/2025</a:t>
+              <a:t>31/7/2025</a:t>
             </a:fld>
             <a:endParaRPr lang="en-SG"/>
           </a:p>
@@ -4643,7 +5527,7 @@
           <a:p>
             <a:fld id="{7DFF1AF2-4E93-48F2-974E-15E9B6C6F141}" type="datetimeFigureOut">
               <a:rPr lang="en-SG" smtClean="0"/>
-              <a:t>30/7/2025</a:t>
+              <a:t>31/7/2025</a:t>
             </a:fld>
             <a:endParaRPr lang="en-SG"/>
           </a:p>
@@ -4843,7 +5727,7 @@
           <a:p>
             <a:fld id="{7DFF1AF2-4E93-48F2-974E-15E9B6C6F141}" type="datetimeFigureOut">
               <a:rPr lang="en-SG" smtClean="0"/>
-              <a:t>30/7/2025</a:t>
+              <a:t>31/7/2025</a:t>
             </a:fld>
             <a:endParaRPr lang="en-SG"/>
           </a:p>
@@ -5119,7 +6003,7 @@
           <a:p>
             <a:fld id="{7DFF1AF2-4E93-48F2-974E-15E9B6C6F141}" type="datetimeFigureOut">
               <a:rPr lang="en-SG" smtClean="0"/>
-              <a:t>30/7/2025</a:t>
+              <a:t>31/7/2025</a:t>
             </a:fld>
             <a:endParaRPr lang="en-SG"/>
           </a:p>
@@ -5387,7 +6271,7 @@
           <a:p>
             <a:fld id="{7DFF1AF2-4E93-48F2-974E-15E9B6C6F141}" type="datetimeFigureOut">
               <a:rPr lang="en-SG" smtClean="0"/>
-              <a:t>30/7/2025</a:t>
+              <a:t>31/7/2025</a:t>
             </a:fld>
             <a:endParaRPr lang="en-SG"/>
           </a:p>
@@ -5802,7 +6686,7 @@
           <a:p>
             <a:fld id="{7DFF1AF2-4E93-48F2-974E-15E9B6C6F141}" type="datetimeFigureOut">
               <a:rPr lang="en-SG" smtClean="0"/>
-              <a:t>30/7/2025</a:t>
+              <a:t>31/7/2025</a:t>
             </a:fld>
             <a:endParaRPr lang="en-SG"/>
           </a:p>
@@ -5944,7 +6828,7 @@
           <a:p>
             <a:fld id="{7DFF1AF2-4E93-48F2-974E-15E9B6C6F141}" type="datetimeFigureOut">
               <a:rPr lang="en-SG" smtClean="0"/>
-              <a:t>30/7/2025</a:t>
+              <a:t>31/7/2025</a:t>
             </a:fld>
             <a:endParaRPr lang="en-SG"/>
           </a:p>
@@ -6057,7 +6941,7 @@
           <a:p>
             <a:fld id="{7DFF1AF2-4E93-48F2-974E-15E9B6C6F141}" type="datetimeFigureOut">
               <a:rPr lang="en-SG" smtClean="0"/>
-              <a:t>30/7/2025</a:t>
+              <a:t>31/7/2025</a:t>
             </a:fld>
             <a:endParaRPr lang="en-SG"/>
           </a:p>
@@ -6370,7 +7254,7 @@
           <a:p>
             <a:fld id="{7DFF1AF2-4E93-48F2-974E-15E9B6C6F141}" type="datetimeFigureOut">
               <a:rPr lang="en-SG" smtClean="0"/>
-              <a:t>30/7/2025</a:t>
+              <a:t>31/7/2025</a:t>
             </a:fld>
             <a:endParaRPr lang="en-SG"/>
           </a:p>
@@ -6659,7 +7543,7 @@
           <a:p>
             <a:fld id="{7DFF1AF2-4E93-48F2-974E-15E9B6C6F141}" type="datetimeFigureOut">
               <a:rPr lang="en-SG" smtClean="0"/>
-              <a:t>30/7/2025</a:t>
+              <a:t>31/7/2025</a:t>
             </a:fld>
             <a:endParaRPr lang="en-SG"/>
           </a:p>
@@ -6902,7 +7786,7 @@
           <a:p>
             <a:fld id="{7DFF1AF2-4E93-48F2-974E-15E9B6C6F141}" type="datetimeFigureOut">
               <a:rPr lang="en-SG" smtClean="0"/>
-              <a:t>30/7/2025</a:t>
+              <a:t>31/7/2025</a:t>
             </a:fld>
             <a:endParaRPr lang="en-SG"/>
           </a:p>
@@ -7410,7 +8294,7 @@
           <p:cNvPr id="2" name="Title 1">
             <a:extLst>
               <a:ext uri="{FF2B5EF4-FFF2-40B4-BE49-F238E27FC236}">
-                <a16:creationId xmlns:a16="http://schemas.microsoft.com/office/drawing/2014/main" id="{F9429239-A469-6994-E4CA-65290914C3F1}"/>
+                <a16:creationId xmlns:a16="http://schemas.microsoft.com/office/drawing/2014/main" id="{7849B003-FDA7-C556-2489-26102B8854B8}"/>
               </a:ext>
             </a:extLst>
           </p:cNvPr>
@@ -7426,7 +8310,10 @@
           <a:bodyPr/>
           <a:lstStyle/>
           <a:p>
-            <a:endParaRPr lang="en-SG"/>
+            <a:r>
+              <a:rPr lang="en-SG" dirty="0"/>
+              <a:t>Non Technical – Number of tourist by date</a:t>
+            </a:r>
           </a:p>
         </p:txBody>
       </p:sp>
@@ -7435,7 +8322,7 @@
           <p:cNvPr id="5" name="Content Placeholder 4">
             <a:extLst>
               <a:ext uri="{FF2B5EF4-FFF2-40B4-BE49-F238E27FC236}">
-                <a16:creationId xmlns:a16="http://schemas.microsoft.com/office/drawing/2014/main" id="{075464B8-70AD-15FA-D281-90AE69DAA45A}"/>
+                <a16:creationId xmlns:a16="http://schemas.microsoft.com/office/drawing/2014/main" id="{AEEB55BF-6F96-B334-4BD3-ABA08973DAFE}"/>
               </a:ext>
             </a:extLst>
           </p:cNvPr>
@@ -7454,15 +8341,15 @@
         </p:blipFill>
         <p:spPr>
           <a:xfrm>
-            <a:off x="2472373" y="1825625"/>
-            <a:ext cx="7247254" cy="4351338"/>
+            <a:off x="1756508" y="1825625"/>
+            <a:ext cx="8678983" cy="4351338"/>
           </a:xfrm>
         </p:spPr>
       </p:pic>
     </p:spTree>
     <p:extLst>
       <p:ext uri="{BB962C8B-B14F-4D97-AF65-F5344CB8AC3E}">
-        <p14:creationId xmlns:p14="http://schemas.microsoft.com/office/powerpoint/2010/main" val="2276744474"/>
+        <p14:creationId xmlns:p14="http://schemas.microsoft.com/office/powerpoint/2010/main" val="1215024576"/>
       </p:ext>
     </p:extLst>
   </p:cSld>
@@ -7494,7 +8381,7 @@
           <p:cNvPr id="2" name="Title 1">
             <a:extLst>
               <a:ext uri="{FF2B5EF4-FFF2-40B4-BE49-F238E27FC236}">
-                <a16:creationId xmlns:a16="http://schemas.microsoft.com/office/drawing/2014/main" id="{15D052DD-055D-DCF5-5A2C-5D11F6A8C10C}"/>
+                <a16:creationId xmlns:a16="http://schemas.microsoft.com/office/drawing/2014/main" id="{77FF7C82-36AB-F14D-CF98-08772A6449F6}"/>
               </a:ext>
             </a:extLst>
           </p:cNvPr>
@@ -7510,7 +8397,10 @@
           <a:bodyPr/>
           <a:lstStyle/>
           <a:p>
-            <a:endParaRPr lang="en-SG"/>
+            <a:r>
+              <a:rPr lang="en-SG" dirty="0"/>
+              <a:t>Number of tourist’s residency by date</a:t>
+            </a:r>
           </a:p>
         </p:txBody>
       </p:sp>
@@ -7519,7 +8409,7 @@
           <p:cNvPr id="5" name="Content Placeholder 4">
             <a:extLst>
               <a:ext uri="{FF2B5EF4-FFF2-40B4-BE49-F238E27FC236}">
-                <a16:creationId xmlns:a16="http://schemas.microsoft.com/office/drawing/2014/main" id="{19B7E717-9658-23BC-6E92-B446FB4EE727}"/>
+                <a16:creationId xmlns:a16="http://schemas.microsoft.com/office/drawing/2014/main" id="{B5852216-4B1A-B7F5-70BB-C1E78FBF63B5}"/>
               </a:ext>
             </a:extLst>
           </p:cNvPr>
@@ -7538,15 +8428,15 @@
         </p:blipFill>
         <p:spPr>
           <a:xfrm>
-            <a:off x="2478783" y="1825625"/>
-            <a:ext cx="7234433" cy="4351338"/>
+            <a:off x="1684561" y="1825625"/>
+            <a:ext cx="8822878" cy="4351338"/>
           </a:xfrm>
         </p:spPr>
       </p:pic>
     </p:spTree>
     <p:extLst>
       <p:ext uri="{BB962C8B-B14F-4D97-AF65-F5344CB8AC3E}">
-        <p14:creationId xmlns:p14="http://schemas.microsoft.com/office/powerpoint/2010/main" val="3421566145"/>
+        <p14:creationId xmlns:p14="http://schemas.microsoft.com/office/powerpoint/2010/main" val="4002687840"/>
       </p:ext>
     </p:extLst>
   </p:cSld>
@@ -7578,7 +8468,7 @@
           <p:cNvPr id="2" name="Title 1">
             <a:extLst>
               <a:ext uri="{FF2B5EF4-FFF2-40B4-BE49-F238E27FC236}">
-                <a16:creationId xmlns:a16="http://schemas.microsoft.com/office/drawing/2014/main" id="{CD6A8AFB-BFF8-E028-0F53-FC836F746932}"/>
+                <a16:creationId xmlns:a16="http://schemas.microsoft.com/office/drawing/2014/main" id="{037048B0-C7F8-AC37-2C05-592209294717}"/>
               </a:ext>
             </a:extLst>
           </p:cNvPr>
@@ -7594,7 +8484,10 @@
           <a:bodyPr/>
           <a:lstStyle/>
           <a:p>
-            <a:endParaRPr lang="en-SG"/>
+            <a:r>
+              <a:rPr lang="en-SG" dirty="0"/>
+              <a:t>Spending behaviour by travel companion type</a:t>
+            </a:r>
           </a:p>
         </p:txBody>
       </p:sp>
@@ -7603,7 +8496,7 @@
           <p:cNvPr id="5" name="Content Placeholder 4">
             <a:extLst>
               <a:ext uri="{FF2B5EF4-FFF2-40B4-BE49-F238E27FC236}">
-                <a16:creationId xmlns:a16="http://schemas.microsoft.com/office/drawing/2014/main" id="{4939DF30-527D-D226-2A37-900BEEB5AC0F}"/>
+                <a16:creationId xmlns:a16="http://schemas.microsoft.com/office/drawing/2014/main" id="{56E5CC72-8DE6-37BA-8E35-0321019B9D0E}"/>
               </a:ext>
             </a:extLst>
           </p:cNvPr>
@@ -7622,15 +8515,15 @@
         </p:blipFill>
         <p:spPr>
           <a:xfrm>
-            <a:off x="2388298" y="1825625"/>
-            <a:ext cx="7415404" cy="4351338"/>
+            <a:off x="1748611" y="1825625"/>
+            <a:ext cx="8694778" cy="4351338"/>
           </a:xfrm>
         </p:spPr>
       </p:pic>
     </p:spTree>
     <p:extLst>
       <p:ext uri="{BB962C8B-B14F-4D97-AF65-F5344CB8AC3E}">
-        <p14:creationId xmlns:p14="http://schemas.microsoft.com/office/powerpoint/2010/main" val="794000852"/>
+        <p14:creationId xmlns:p14="http://schemas.microsoft.com/office/powerpoint/2010/main" val="3623854480"/>
       </p:ext>
     </p:extLst>
   </p:cSld>
@@ -7662,7 +8555,7 @@
           <p:cNvPr id="2" name="Title 1">
             <a:extLst>
               <a:ext uri="{FF2B5EF4-FFF2-40B4-BE49-F238E27FC236}">
-                <a16:creationId xmlns:a16="http://schemas.microsoft.com/office/drawing/2014/main" id="{2F0F9DD5-A1B6-1B65-8C73-396C2F7D7D32}"/>
+                <a16:creationId xmlns:a16="http://schemas.microsoft.com/office/drawing/2014/main" id="{15D052DD-055D-DCF5-5A2C-5D11F6A8C10C}"/>
               </a:ext>
             </a:extLst>
           </p:cNvPr>
@@ -7678,16 +8571,19 @@
           <a:bodyPr/>
           <a:lstStyle/>
           <a:p>
-            <a:endParaRPr lang="en-SG"/>
+            <a:r>
+              <a:rPr lang="en-SG" dirty="0"/>
+              <a:t>Boxplot –Daily Spending and Length of Stay</a:t>
+            </a:r>
           </a:p>
         </p:txBody>
       </p:sp>
       <p:pic>
         <p:nvPicPr>
-          <p:cNvPr id="5" name="Content Placeholder 4">
-            <a:extLst>
-              <a:ext uri="{FF2B5EF4-FFF2-40B4-BE49-F238E27FC236}">
-                <a16:creationId xmlns:a16="http://schemas.microsoft.com/office/drawing/2014/main" id="{4998EB24-1BBC-A210-9DA2-A5A87629F687}"/>
+          <p:cNvPr id="7" name="Content Placeholder 6">
+            <a:extLst>
+              <a:ext uri="{FF2B5EF4-FFF2-40B4-BE49-F238E27FC236}">
+                <a16:creationId xmlns:a16="http://schemas.microsoft.com/office/drawing/2014/main" id="{452FFBAC-5FFA-1E7B-854F-6C57B2AA59B6}"/>
               </a:ext>
             </a:extLst>
           </p:cNvPr>
@@ -7706,15 +8602,18 @@
         </p:blipFill>
         <p:spPr>
           <a:xfrm>
-            <a:off x="2465324" y="1825625"/>
-            <a:ext cx="7261352" cy="4351338"/>
+            <a:off x="2228581" y="1825625"/>
+            <a:ext cx="7734838" cy="4351338"/>
           </a:xfrm>
+          <a:prstGeom prst="rect">
+            <a:avLst/>
+          </a:prstGeom>
         </p:spPr>
       </p:pic>
     </p:spTree>
     <p:extLst>
       <p:ext uri="{BB962C8B-B14F-4D97-AF65-F5344CB8AC3E}">
-        <p14:creationId xmlns:p14="http://schemas.microsoft.com/office/powerpoint/2010/main" val="4266277455"/>
+        <p14:creationId xmlns:p14="http://schemas.microsoft.com/office/powerpoint/2010/main" val="3421566145"/>
       </p:ext>
     </p:extLst>
   </p:cSld>
@@ -7762,7 +8661,10 @@
           <a:bodyPr/>
           <a:lstStyle/>
           <a:p>
-            <a:endParaRPr lang="en-SG"/>
+            <a:r>
+              <a:rPr lang="en-SG" dirty="0"/>
+              <a:t>Understanding the relationship between travel companion and type of hotel stayed</a:t>
+            </a:r>
           </a:p>
         </p:txBody>
       </p:sp>
@@ -7846,7 +8748,10 @@
           <a:bodyPr/>
           <a:lstStyle/>
           <a:p>
-            <a:endParaRPr lang="en-SG"/>
+            <a:r>
+              <a:rPr lang="en-SG" dirty="0"/>
+              <a:t>Understanding the relationship between travel companion and type of hotel stayed</a:t>
+            </a:r>
           </a:p>
         </p:txBody>
       </p:sp>
@@ -7874,8 +8779,8 @@
         </p:blipFill>
         <p:spPr>
           <a:xfrm>
-            <a:off x="3004439" y="1825625"/>
-            <a:ext cx="6183121" cy="4351338"/>
+            <a:off x="2145323" y="1825625"/>
+            <a:ext cx="7924800" cy="5007782"/>
           </a:xfrm>
         </p:spPr>
       </p:pic>
@@ -7909,12 +8814,72 @@
           <a:chExt cx="0" cy="0"/>
         </a:xfrm>
       </p:grpSpPr>
+      <p:pic>
+        <p:nvPicPr>
+          <p:cNvPr id="7" name="Picture 6">
+            <a:extLst>
+              <a:ext uri="{FF2B5EF4-FFF2-40B4-BE49-F238E27FC236}">
+                <a16:creationId xmlns:a16="http://schemas.microsoft.com/office/drawing/2014/main" id="{708BA99F-A53C-E28F-F481-348B0DECA028}"/>
+              </a:ext>
+            </a:extLst>
+          </p:cNvPr>
+          <p:cNvPicPr>
+            <a:picLocks noChangeAspect="1"/>
+          </p:cNvPicPr>
+          <p:nvPr/>
+        </p:nvPicPr>
+        <p:blipFill>
+          <a:blip r:embed="rId2"/>
+          <a:stretch>
+            <a:fillRect/>
+          </a:stretch>
+        </p:blipFill>
+        <p:spPr>
+          <a:xfrm>
+            <a:off x="175386" y="537759"/>
+            <a:ext cx="11841227" cy="5782482"/>
+          </a:xfrm>
+          <a:prstGeom prst="rect">
+            <a:avLst/>
+          </a:prstGeom>
+        </p:spPr>
+      </p:pic>
+    </p:spTree>
+    <p:extLst>
+      <p:ext uri="{BB962C8B-B14F-4D97-AF65-F5344CB8AC3E}">
+        <p14:creationId xmlns:p14="http://schemas.microsoft.com/office/powerpoint/2010/main" val="1942576885"/>
+      </p:ext>
+    </p:extLst>
+  </p:cSld>
+  <p:clrMapOvr>
+    <a:masterClrMapping/>
+  </p:clrMapOvr>
+</p:sld>
+</file>
+
+<file path=ppt/slides/slide17.xml><?xml version="1.0" encoding="utf-8"?>
+<p:sld xmlns:a="http://schemas.openxmlformats.org/drawingml/2006/main" xmlns:r="http://schemas.openxmlformats.org/officeDocument/2006/relationships" xmlns:p="http://schemas.openxmlformats.org/presentationml/2006/main">
+  <p:cSld>
+    <p:spTree>
+      <p:nvGrpSpPr>
+        <p:cNvPr id="1" name=""/>
+        <p:cNvGrpSpPr/>
+        <p:nvPr/>
+      </p:nvGrpSpPr>
+      <p:grpSpPr>
+        <a:xfrm>
+          <a:off x="0" y="0"/>
+          <a:ext cx="0" cy="0"/>
+          <a:chOff x="0" y="0"/>
+          <a:chExt cx="0" cy="0"/>
+        </a:xfrm>
+      </p:grpSpPr>
       <p:sp>
         <p:nvSpPr>
           <p:cNvPr id="2" name="Title 1">
             <a:extLst>
               <a:ext uri="{FF2B5EF4-FFF2-40B4-BE49-F238E27FC236}">
-                <a16:creationId xmlns:a16="http://schemas.microsoft.com/office/drawing/2014/main" id="{5C8F536C-7748-34DD-6501-9D4B9F01DFDD}"/>
+                <a16:creationId xmlns:a16="http://schemas.microsoft.com/office/drawing/2014/main" id="{A419C124-A60C-FF82-F2FE-D7E659DC9944}"/>
               </a:ext>
             </a:extLst>
           </p:cNvPr>
@@ -7932,7 +8897,2575 @@
           <a:p>
             <a:r>
               <a:rPr lang="en-SG" dirty="0"/>
-              <a:t>Key issues with the dataset</a:t>
+              <a:t>Tourist profile</a:t>
+            </a:r>
+          </a:p>
+        </p:txBody>
+      </p:sp>
+      <p:graphicFrame>
+        <p:nvGraphicFramePr>
+          <p:cNvPr id="8" name="Content Placeholder 7">
+            <a:extLst>
+              <a:ext uri="{FF2B5EF4-FFF2-40B4-BE49-F238E27FC236}">
+                <a16:creationId xmlns:a16="http://schemas.microsoft.com/office/drawing/2014/main" id="{20476D7F-3CA9-A9BA-0F58-A8C0B8AAF5C3}"/>
+              </a:ext>
+            </a:extLst>
+          </p:cNvPr>
+          <p:cNvGraphicFramePr>
+            <a:graphicFrameLocks noGrp="1"/>
+          </p:cNvGraphicFramePr>
+          <p:nvPr>
+            <p:ph idx="1"/>
+            <p:extLst>
+              <p:ext uri="{D42A27DB-BD31-4B8C-83A1-F6EECF244321}">
+                <p14:modId xmlns:p14="http://schemas.microsoft.com/office/powerpoint/2010/main" val="209284254"/>
+              </p:ext>
+            </p:extLst>
+          </p:nvPr>
+        </p:nvGraphicFramePr>
+        <p:xfrm>
+          <a:off x="838200" y="1825625"/>
+          <a:ext cx="10515597" cy="4028440"/>
+        </p:xfrm>
+        <a:graphic>
+          <a:graphicData uri="http://schemas.openxmlformats.org/drawingml/2006/table">
+            <a:tbl>
+              <a:tblPr firstRow="1" bandRow="1">
+                <a:tableStyleId>{5C22544A-7EE6-4342-B048-85BDC9FD1C3A}</a:tableStyleId>
+              </a:tblPr>
+              <a:tblGrid>
+                <a:gridCol w="3505199">
+                  <a:extLst>
+                    <a:ext uri="{9D8B030D-6E8A-4147-A177-3AD203B41FA5}">
+                      <a16:colId xmlns:a16="http://schemas.microsoft.com/office/drawing/2014/main" val="415014466"/>
+                    </a:ext>
+                  </a:extLst>
+                </a:gridCol>
+                <a:gridCol w="3505199">
+                  <a:extLst>
+                    <a:ext uri="{9D8B030D-6E8A-4147-A177-3AD203B41FA5}">
+                      <a16:colId xmlns:a16="http://schemas.microsoft.com/office/drawing/2014/main" val="596902285"/>
+                    </a:ext>
+                  </a:extLst>
+                </a:gridCol>
+                <a:gridCol w="3505199">
+                  <a:extLst>
+                    <a:ext uri="{9D8B030D-6E8A-4147-A177-3AD203B41FA5}">
+                      <a16:colId xmlns:a16="http://schemas.microsoft.com/office/drawing/2014/main" val="4077729017"/>
+                    </a:ext>
+                  </a:extLst>
+                </a:gridCol>
+              </a:tblGrid>
+              <a:tr h="370840">
+                <a:tc>
+                  <a:txBody>
+                    <a:bodyPr/>
+                    <a:lstStyle/>
+                    <a:p>
+                      <a:endParaRPr lang="en-SG" dirty="0"/>
+                    </a:p>
+                  </a:txBody>
+                  <a:tcPr/>
+                </a:tc>
+                <a:tc>
+                  <a:txBody>
+                    <a:bodyPr/>
+                    <a:lstStyle/>
+                    <a:p>
+                      <a:r>
+                        <a:rPr lang="en-SG" dirty="0"/>
+                        <a:t>Cluster 0 (Low Spenders)</a:t>
+                      </a:r>
+                    </a:p>
+                  </a:txBody>
+                  <a:tcPr/>
+                </a:tc>
+                <a:tc>
+                  <a:txBody>
+                    <a:bodyPr/>
+                    <a:lstStyle/>
+                    <a:p>
+                      <a:r>
+                        <a:rPr lang="en-SG" dirty="0"/>
+                        <a:t>Cluster 1 (High Spenders)</a:t>
+                      </a:r>
+                    </a:p>
+                  </a:txBody>
+                  <a:tcPr/>
+                </a:tc>
+                <a:extLst>
+                  <a:ext uri="{0D108BD9-81ED-4DB2-BD59-A6C34878D82A}">
+                    <a16:rowId xmlns:a16="http://schemas.microsoft.com/office/drawing/2014/main" val="1040703024"/>
+                  </a:ext>
+                </a:extLst>
+              </a:tr>
+              <a:tr h="370840">
+                <a:tc>
+                  <a:txBody>
+                    <a:bodyPr/>
+                    <a:lstStyle/>
+                    <a:p>
+                      <a:r>
+                        <a:rPr lang="en-SG" dirty="0"/>
+                        <a:t>Trip Length</a:t>
+                      </a:r>
+                    </a:p>
+                  </a:txBody>
+                  <a:tcPr/>
+                </a:tc>
+                <a:tc>
+                  <a:txBody>
+                    <a:bodyPr/>
+                    <a:lstStyle/>
+                    <a:p>
+                      <a:r>
+                        <a:rPr lang="en-SG" dirty="0"/>
+                        <a:t>62% short stays</a:t>
+                      </a:r>
+                    </a:p>
+                    <a:p>
+                      <a:r>
+                        <a:rPr lang="en-SG" dirty="0"/>
+                        <a:t>35 medium stays</a:t>
+                      </a:r>
+                    </a:p>
+                  </a:txBody>
+                  <a:tcPr/>
+                </a:tc>
+                <a:tc>
+                  <a:txBody>
+                    <a:bodyPr/>
+                    <a:lstStyle/>
+                    <a:p>
+                      <a:r>
+                        <a:rPr lang="en-SG" dirty="0"/>
+                        <a:t>55% short stays</a:t>
+                      </a:r>
+                    </a:p>
+                    <a:p>
+                      <a:r>
+                        <a:rPr lang="en-SG" dirty="0"/>
+                        <a:t>41% medium stays</a:t>
+                      </a:r>
+                    </a:p>
+                  </a:txBody>
+                  <a:tcPr/>
+                </a:tc>
+                <a:extLst>
+                  <a:ext uri="{0D108BD9-81ED-4DB2-BD59-A6C34878D82A}">
+                    <a16:rowId xmlns:a16="http://schemas.microsoft.com/office/drawing/2014/main" val="2222970383"/>
+                  </a:ext>
+                </a:extLst>
+              </a:tr>
+              <a:tr h="370840">
+                <a:tc>
+                  <a:txBody>
+                    <a:bodyPr/>
+                    <a:lstStyle/>
+                    <a:p>
+                      <a:r>
+                        <a:rPr lang="en-SG" dirty="0"/>
+                        <a:t>Who They Travelled with</a:t>
+                      </a:r>
+                    </a:p>
+                  </a:txBody>
+                  <a:tcPr/>
+                </a:tc>
+                <a:tc>
+                  <a:txBody>
+                    <a:bodyPr/>
+                    <a:lstStyle/>
+                    <a:p>
+                      <a:r>
+                        <a:rPr lang="en-SG" dirty="0"/>
+                        <a:t>52% Came with family</a:t>
+                      </a:r>
+                    </a:p>
+                    <a:p>
+                      <a:r>
+                        <a:rPr lang="en-SG" dirty="0"/>
+                        <a:t>20% travelled Alone</a:t>
+                      </a:r>
+                    </a:p>
+                    <a:p>
+                      <a:r>
+                        <a:rPr lang="en-SG" dirty="0"/>
+                        <a:t>23% Did not mention</a:t>
+                      </a:r>
+                    </a:p>
+                  </a:txBody>
+                  <a:tcPr/>
+                </a:tc>
+                <a:tc>
+                  <a:txBody>
+                    <a:bodyPr/>
+                    <a:lstStyle/>
+                    <a:p>
+                      <a:r>
+                        <a:rPr lang="en-SG" dirty="0"/>
+                        <a:t>48% Came with family</a:t>
+                      </a:r>
+                    </a:p>
+                    <a:p>
+                      <a:r>
+                        <a:rPr lang="en-SG" dirty="0"/>
+                        <a:t>35% Alone</a:t>
+                      </a:r>
+                    </a:p>
+                    <a:p>
+                      <a:r>
+                        <a:rPr lang="en-SG" dirty="0"/>
+                        <a:t>13% Did not mention</a:t>
+                      </a:r>
+                    </a:p>
+                  </a:txBody>
+                  <a:tcPr/>
+                </a:tc>
+                <a:extLst>
+                  <a:ext uri="{0D108BD9-81ED-4DB2-BD59-A6C34878D82A}">
+                    <a16:rowId xmlns:a16="http://schemas.microsoft.com/office/drawing/2014/main" val="1442148283"/>
+                  </a:ext>
+                </a:extLst>
+              </a:tr>
+              <a:tr h="370840">
+                <a:tc>
+                  <a:txBody>
+                    <a:bodyPr/>
+                    <a:lstStyle/>
+                    <a:p>
+                      <a:r>
+                        <a:rPr lang="en-SG" dirty="0"/>
+                        <a:t>Main  Occupations</a:t>
+                      </a:r>
+                    </a:p>
+                  </a:txBody>
+                  <a:tcPr/>
+                </a:tc>
+                <a:tc>
+                  <a:txBody>
+                    <a:bodyPr/>
+                    <a:lstStyle/>
+                    <a:p>
+                      <a:r>
+                        <a:rPr lang="en-SG" dirty="0"/>
+                        <a:t>63% working professionals</a:t>
+                      </a:r>
+                    </a:p>
+                    <a:p>
+                      <a:r>
+                        <a:rPr lang="en-SG" dirty="0"/>
+                        <a:t>27% Non working professionals</a:t>
+                      </a:r>
+                    </a:p>
+                    <a:p>
+                      <a:r>
+                        <a:rPr lang="en-SG" dirty="0"/>
+                        <a:t>11% Business owners</a:t>
+                      </a:r>
+                    </a:p>
+                  </a:txBody>
+                  <a:tcPr/>
+                </a:tc>
+                <a:tc>
+                  <a:txBody>
+                    <a:bodyPr/>
+                    <a:lstStyle/>
+                    <a:p>
+                      <a:r>
+                        <a:rPr lang="en-SG" dirty="0"/>
+                        <a:t>67% working professionals</a:t>
+                      </a:r>
+                    </a:p>
+                    <a:p>
+                      <a:r>
+                        <a:rPr lang="en-SG" dirty="0"/>
+                        <a:t>17% Non working professionals</a:t>
+                      </a:r>
+                    </a:p>
+                    <a:p>
+                      <a:r>
+                        <a:rPr lang="en-SG" dirty="0"/>
+                        <a:t>16% Business owners</a:t>
+                      </a:r>
+                    </a:p>
+                  </a:txBody>
+                  <a:tcPr/>
+                </a:tc>
+                <a:extLst>
+                  <a:ext uri="{0D108BD9-81ED-4DB2-BD59-A6C34878D82A}">
+                    <a16:rowId xmlns:a16="http://schemas.microsoft.com/office/drawing/2014/main" val="3424510015"/>
+                  </a:ext>
+                </a:extLst>
+              </a:tr>
+              <a:tr h="370840">
+                <a:tc>
+                  <a:txBody>
+                    <a:bodyPr/>
+                    <a:lstStyle/>
+                    <a:p>
+                      <a:r>
+                        <a:rPr lang="en-SG" dirty="0"/>
+                        <a:t>Spending profile</a:t>
+                      </a:r>
+                    </a:p>
+                  </a:txBody>
+                  <a:tcPr/>
+                </a:tc>
+                <a:tc>
+                  <a:txBody>
+                    <a:bodyPr/>
+                    <a:lstStyle/>
+                    <a:p>
+                      <a:r>
+                        <a:rPr lang="en-SG" dirty="0"/>
+                        <a:t>Moderate across spending across all domains, with F&amp;B ranked first in terms of spending</a:t>
+                      </a:r>
+                    </a:p>
+                  </a:txBody>
+                  <a:tcPr/>
+                </a:tc>
+                <a:tc>
+                  <a:txBody>
+                    <a:bodyPr/>
+                    <a:lstStyle/>
+                    <a:p>
+                      <a:r>
+                        <a:rPr lang="en-SG" dirty="0"/>
+                        <a:t>3x times to spend more, tourist in this clusters spend majority of their expenses on fashion, F&amp;B, transport, wellness, and tech</a:t>
+                      </a:r>
+                    </a:p>
+                  </a:txBody>
+                  <a:tcPr/>
+                </a:tc>
+                <a:extLst>
+                  <a:ext uri="{0D108BD9-81ED-4DB2-BD59-A6C34878D82A}">
+                    <a16:rowId xmlns:a16="http://schemas.microsoft.com/office/drawing/2014/main" val="1589686083"/>
+                  </a:ext>
+                </a:extLst>
+              </a:tr>
+            </a:tbl>
+          </a:graphicData>
+        </a:graphic>
+      </p:graphicFrame>
+    </p:spTree>
+    <p:extLst>
+      <p:ext uri="{BB962C8B-B14F-4D97-AF65-F5344CB8AC3E}">
+        <p14:creationId xmlns:p14="http://schemas.microsoft.com/office/powerpoint/2010/main" val="3014700539"/>
+      </p:ext>
+    </p:extLst>
+  </p:cSld>
+  <p:clrMapOvr>
+    <a:masterClrMapping/>
+  </p:clrMapOvr>
+</p:sld>
+</file>
+
+<file path=ppt/slides/slide18.xml><?xml version="1.0" encoding="utf-8"?>
+<p:sld xmlns:a="http://schemas.openxmlformats.org/drawingml/2006/main" xmlns:r="http://schemas.openxmlformats.org/officeDocument/2006/relationships" xmlns:p="http://schemas.openxmlformats.org/presentationml/2006/main">
+  <p:cSld>
+    <p:spTree>
+      <p:nvGrpSpPr>
+        <p:cNvPr id="1" name=""/>
+        <p:cNvGrpSpPr/>
+        <p:nvPr/>
+      </p:nvGrpSpPr>
+      <p:grpSpPr>
+        <a:xfrm>
+          <a:off x="0" y="0"/>
+          <a:ext cx="0" cy="0"/>
+          <a:chOff x="0" y="0"/>
+          <a:chExt cx="0" cy="0"/>
+        </a:xfrm>
+      </p:grpSpPr>
+      <p:sp>
+        <p:nvSpPr>
+          <p:cNvPr id="2" name="Title 1">
+            <a:extLst>
+              <a:ext uri="{FF2B5EF4-FFF2-40B4-BE49-F238E27FC236}">
+                <a16:creationId xmlns:a16="http://schemas.microsoft.com/office/drawing/2014/main" id="{C88C67B2-0416-6ADA-0B31-4F9422FCB3C1}"/>
+              </a:ext>
+            </a:extLst>
+          </p:cNvPr>
+          <p:cNvSpPr>
+            <a:spLocks noGrp="1"/>
+          </p:cNvSpPr>
+          <p:nvPr>
+            <p:ph type="title"/>
+          </p:nvPr>
+        </p:nvSpPr>
+        <p:spPr/>
+        <p:txBody>
+          <a:bodyPr/>
+          <a:lstStyle/>
+          <a:p>
+            <a:r>
+              <a:rPr lang="en-SG" dirty="0"/>
+              <a:t>Tourist profile frequency by month</a:t>
+            </a:r>
+          </a:p>
+        </p:txBody>
+      </p:sp>
+      <p:pic>
+        <p:nvPicPr>
+          <p:cNvPr id="5" name="Content Placeholder 4">
+            <a:extLst>
+              <a:ext uri="{FF2B5EF4-FFF2-40B4-BE49-F238E27FC236}">
+                <a16:creationId xmlns:a16="http://schemas.microsoft.com/office/drawing/2014/main" id="{ED25EF5B-A93A-6359-C4AA-314F4093F37D}"/>
+              </a:ext>
+            </a:extLst>
+          </p:cNvPr>
+          <p:cNvPicPr>
+            <a:picLocks noGrp="1" noChangeAspect="1"/>
+          </p:cNvPicPr>
+          <p:nvPr>
+            <p:ph idx="1"/>
+          </p:nvPr>
+        </p:nvPicPr>
+        <p:blipFill>
+          <a:blip r:embed="rId2"/>
+          <a:stretch>
+            <a:fillRect/>
+          </a:stretch>
+        </p:blipFill>
+        <p:spPr>
+          <a:xfrm>
+            <a:off x="1676672" y="1825625"/>
+            <a:ext cx="8838655" cy="4351338"/>
+          </a:xfrm>
+          <a:prstGeom prst="rect">
+            <a:avLst/>
+          </a:prstGeom>
+        </p:spPr>
+      </p:pic>
+    </p:spTree>
+    <p:extLst>
+      <p:ext uri="{BB962C8B-B14F-4D97-AF65-F5344CB8AC3E}">
+        <p14:creationId xmlns:p14="http://schemas.microsoft.com/office/powerpoint/2010/main" val="2122019931"/>
+      </p:ext>
+    </p:extLst>
+  </p:cSld>
+  <p:clrMapOvr>
+    <a:masterClrMapping/>
+  </p:clrMapOvr>
+</p:sld>
+</file>
+
+<file path=ppt/slides/slide19.xml><?xml version="1.0" encoding="utf-8"?>
+<p:sld xmlns:a="http://schemas.openxmlformats.org/drawingml/2006/main" xmlns:r="http://schemas.openxmlformats.org/officeDocument/2006/relationships" xmlns:p="http://schemas.openxmlformats.org/presentationml/2006/main">
+  <p:cSld>
+    <p:spTree>
+      <p:nvGrpSpPr>
+        <p:cNvPr id="1" name=""/>
+        <p:cNvGrpSpPr/>
+        <p:nvPr/>
+      </p:nvGrpSpPr>
+      <p:grpSpPr>
+        <a:xfrm>
+          <a:off x="0" y="0"/>
+          <a:ext cx="0" cy="0"/>
+          <a:chOff x="0" y="0"/>
+          <a:chExt cx="0" cy="0"/>
+        </a:xfrm>
+      </p:grpSpPr>
+      <p:sp>
+        <p:nvSpPr>
+          <p:cNvPr id="2" name="Title 1">
+            <a:extLst>
+              <a:ext uri="{FF2B5EF4-FFF2-40B4-BE49-F238E27FC236}">
+                <a16:creationId xmlns:a16="http://schemas.microsoft.com/office/drawing/2014/main" id="{6F92CAC5-8354-FD42-2CBA-62BE5A07E1B4}"/>
+              </a:ext>
+            </a:extLst>
+          </p:cNvPr>
+          <p:cNvSpPr>
+            <a:spLocks noGrp="1"/>
+          </p:cNvSpPr>
+          <p:nvPr>
+            <p:ph type="title"/>
+          </p:nvPr>
+        </p:nvSpPr>
+        <p:spPr/>
+        <p:txBody>
+          <a:bodyPr/>
+          <a:lstStyle/>
+          <a:p>
+            <a:r>
+              <a:rPr lang="en-SG" dirty="0"/>
+              <a:t>Recommendations</a:t>
+            </a:r>
+          </a:p>
+        </p:txBody>
+      </p:sp>
+      <p:sp>
+        <p:nvSpPr>
+          <p:cNvPr id="3" name="Content Placeholder 2">
+            <a:extLst>
+              <a:ext uri="{FF2B5EF4-FFF2-40B4-BE49-F238E27FC236}">
+                <a16:creationId xmlns:a16="http://schemas.microsoft.com/office/drawing/2014/main" id="{C146AF74-0806-F6B9-791B-B24F164DC911}"/>
+              </a:ext>
+            </a:extLst>
+          </p:cNvPr>
+          <p:cNvSpPr>
+            <a:spLocks noGrp="1"/>
+          </p:cNvSpPr>
+          <p:nvPr>
+            <p:ph idx="1"/>
+          </p:nvPr>
+        </p:nvSpPr>
+        <p:spPr/>
+        <p:txBody>
+          <a:bodyPr>
+            <a:normAutofit lnSpcReduction="10000"/>
+          </a:bodyPr>
+          <a:lstStyle/>
+          <a:p>
+            <a:pPr marL="0" indent="0">
+              <a:buNone/>
+            </a:pPr>
+            <a:r>
+              <a:rPr lang="en-US" b="1" dirty="0"/>
+              <a:t>Enhance Access and Navigation from Key Hotels to Shopping Zones</a:t>
+            </a:r>
+            <a:endParaRPr lang="en-US" dirty="0"/>
+          </a:p>
+          <a:p>
+            <a:pPr lvl="1"/>
+            <a:r>
+              <a:rPr lang="en-US" dirty="0"/>
+              <a:t>Prioritize connectivity from high-traffic hotels (e.g. Marina Bay Sands, Bencoolen, Carlton Hotel) to nearby retail districts or key shopping precincts via MRT, shuttle, or walkways</a:t>
+            </a:r>
+          </a:p>
+          <a:p>
+            <a:pPr lvl="1"/>
+            <a:endParaRPr lang="en-US" dirty="0"/>
+          </a:p>
+          <a:p>
+            <a:pPr lvl="1"/>
+            <a:r>
+              <a:rPr lang="en-US" dirty="0"/>
+              <a:t>Deploy trained </a:t>
+            </a:r>
+            <a:r>
+              <a:rPr lang="en-US" b="1" dirty="0"/>
+              <a:t>guest assistance personnel</a:t>
+            </a:r>
+            <a:r>
+              <a:rPr lang="en-US" dirty="0"/>
+              <a:t> near hotels and malls to support tourist inquiries. Staff should be </a:t>
+            </a:r>
+            <a:r>
+              <a:rPr lang="en-US" b="1" dirty="0"/>
+              <a:t>multilingual</a:t>
+            </a:r>
+            <a:r>
+              <a:rPr lang="en-US" dirty="0"/>
+              <a:t> to address potential language </a:t>
+            </a:r>
+          </a:p>
+          <a:p>
+            <a:pPr lvl="1"/>
+            <a:endParaRPr lang="en-US" dirty="0"/>
+          </a:p>
+          <a:p>
+            <a:pPr lvl="1"/>
+            <a:r>
+              <a:rPr lang="en-US" dirty="0"/>
+              <a:t>Collaborate with retailers and hotels to deliver </a:t>
+            </a:r>
+            <a:r>
+              <a:rPr lang="en-US" b="1" dirty="0"/>
+              <a:t>wayfinding aids, maps, or digital concierge tools</a:t>
+            </a:r>
+            <a:r>
+              <a:rPr lang="en-US" dirty="0"/>
+              <a:t> for tourists</a:t>
+            </a:r>
+          </a:p>
+        </p:txBody>
+      </p:sp>
+    </p:spTree>
+    <p:extLst>
+      <p:ext uri="{BB962C8B-B14F-4D97-AF65-F5344CB8AC3E}">
+        <p14:creationId xmlns:p14="http://schemas.microsoft.com/office/powerpoint/2010/main" val="3857652407"/>
+      </p:ext>
+    </p:extLst>
+  </p:cSld>
+  <p:clrMapOvr>
+    <a:masterClrMapping/>
+  </p:clrMapOvr>
+</p:sld>
+</file>
+
+<file path=ppt/slides/slide2.xml><?xml version="1.0" encoding="utf-8"?>
+<p:sld xmlns:a="http://schemas.openxmlformats.org/drawingml/2006/main" xmlns:r="http://schemas.openxmlformats.org/officeDocument/2006/relationships" xmlns:p="http://schemas.openxmlformats.org/presentationml/2006/main">
+  <p:cSld>
+    <p:spTree>
+      <p:nvGrpSpPr>
+        <p:cNvPr id="1" name=""/>
+        <p:cNvGrpSpPr/>
+        <p:nvPr/>
+      </p:nvGrpSpPr>
+      <p:grpSpPr>
+        <a:xfrm>
+          <a:off x="0" y="0"/>
+          <a:ext cx="0" cy="0"/>
+          <a:chOff x="0" y="0"/>
+          <a:chExt cx="0" cy="0"/>
+        </a:xfrm>
+      </p:grpSpPr>
+      <p:sp>
+        <p:nvSpPr>
+          <p:cNvPr id="2" name="Title 1">
+            <a:extLst>
+              <a:ext uri="{FF2B5EF4-FFF2-40B4-BE49-F238E27FC236}">
+                <a16:creationId xmlns:a16="http://schemas.microsoft.com/office/drawing/2014/main" id="{9F028BCC-13BF-5767-5F9B-40B983437A73}"/>
+              </a:ext>
+            </a:extLst>
+          </p:cNvPr>
+          <p:cNvSpPr>
+            <a:spLocks noGrp="1"/>
+          </p:cNvSpPr>
+          <p:nvPr>
+            <p:ph type="title"/>
+          </p:nvPr>
+        </p:nvSpPr>
+        <p:spPr/>
+        <p:txBody>
+          <a:bodyPr/>
+          <a:lstStyle/>
+          <a:p>
+            <a:r>
+              <a:rPr lang="en-SG" dirty="0"/>
+              <a:t>Overview</a:t>
+            </a:r>
+          </a:p>
+        </p:txBody>
+      </p:sp>
+      <p:sp>
+        <p:nvSpPr>
+          <p:cNvPr id="3" name="Content Placeholder 2">
+            <a:extLst>
+              <a:ext uri="{FF2B5EF4-FFF2-40B4-BE49-F238E27FC236}">
+                <a16:creationId xmlns:a16="http://schemas.microsoft.com/office/drawing/2014/main" id="{A8F0BDE0-1EBF-F10B-AE8A-F88F37A971B8}"/>
+              </a:ext>
+            </a:extLst>
+          </p:cNvPr>
+          <p:cNvSpPr>
+            <a:spLocks noGrp="1"/>
+          </p:cNvSpPr>
+          <p:nvPr>
+            <p:ph idx="1"/>
+          </p:nvPr>
+        </p:nvSpPr>
+        <p:spPr/>
+        <p:txBody>
+          <a:bodyPr/>
+          <a:lstStyle/>
+          <a:p>
+            <a:r>
+              <a:rPr lang="en-SG" dirty="0"/>
+              <a:t>Background information</a:t>
+            </a:r>
+          </a:p>
+          <a:p>
+            <a:r>
+              <a:rPr lang="en-SG" dirty="0"/>
+              <a:t>Problem statements</a:t>
+            </a:r>
+          </a:p>
+          <a:p>
+            <a:r>
+              <a:rPr lang="en-SG" dirty="0"/>
+              <a:t>Technical </a:t>
+            </a:r>
+          </a:p>
+          <a:p>
+            <a:r>
+              <a:rPr lang="en-SG" dirty="0"/>
+              <a:t>Non-technical </a:t>
+            </a:r>
+          </a:p>
+          <a:p>
+            <a:r>
+              <a:rPr lang="en-SG" dirty="0"/>
+              <a:t>Recommendations</a:t>
+            </a:r>
+          </a:p>
+        </p:txBody>
+      </p:sp>
+    </p:spTree>
+    <p:extLst>
+      <p:ext uri="{BB962C8B-B14F-4D97-AF65-F5344CB8AC3E}">
+        <p14:creationId xmlns:p14="http://schemas.microsoft.com/office/powerpoint/2010/main" val="720422697"/>
+      </p:ext>
+    </p:extLst>
+  </p:cSld>
+  <p:clrMapOvr>
+    <a:masterClrMapping/>
+  </p:clrMapOvr>
+</p:sld>
+</file>
+
+<file path=ppt/slides/slide20.xml><?xml version="1.0" encoding="utf-8"?>
+<p:sld xmlns:a="http://schemas.openxmlformats.org/drawingml/2006/main" xmlns:r="http://schemas.openxmlformats.org/officeDocument/2006/relationships" xmlns:p="http://schemas.openxmlformats.org/presentationml/2006/main">
+  <p:cSld>
+    <p:spTree>
+      <p:nvGrpSpPr>
+        <p:cNvPr id="1" name="">
+          <a:extLst>
+            <a:ext uri="{FF2B5EF4-FFF2-40B4-BE49-F238E27FC236}">
+              <a16:creationId xmlns:a16="http://schemas.microsoft.com/office/drawing/2014/main" id="{20F75F67-BECD-9EE9-04B6-14C376EB08BF}"/>
+            </a:ext>
+          </a:extLst>
+        </p:cNvPr>
+        <p:cNvGrpSpPr/>
+        <p:nvPr/>
+      </p:nvGrpSpPr>
+      <p:grpSpPr>
+        <a:xfrm>
+          <a:off x="0" y="0"/>
+          <a:ext cx="0" cy="0"/>
+          <a:chOff x="0" y="0"/>
+          <a:chExt cx="0" cy="0"/>
+        </a:xfrm>
+      </p:grpSpPr>
+      <p:sp>
+        <p:nvSpPr>
+          <p:cNvPr id="2" name="Title 1">
+            <a:extLst>
+              <a:ext uri="{FF2B5EF4-FFF2-40B4-BE49-F238E27FC236}">
+                <a16:creationId xmlns:a16="http://schemas.microsoft.com/office/drawing/2014/main" id="{64449F68-F6F6-9F76-8B65-D5298379C50B}"/>
+              </a:ext>
+            </a:extLst>
+          </p:cNvPr>
+          <p:cNvSpPr>
+            <a:spLocks noGrp="1"/>
+          </p:cNvSpPr>
+          <p:nvPr>
+            <p:ph type="title"/>
+          </p:nvPr>
+        </p:nvSpPr>
+        <p:spPr/>
+        <p:txBody>
+          <a:bodyPr/>
+          <a:lstStyle/>
+          <a:p>
+            <a:r>
+              <a:rPr lang="en-SG" dirty="0"/>
+              <a:t>Recommendations</a:t>
+            </a:r>
+          </a:p>
+        </p:txBody>
+      </p:sp>
+      <p:sp>
+        <p:nvSpPr>
+          <p:cNvPr id="3" name="Content Placeholder 2">
+            <a:extLst>
+              <a:ext uri="{FF2B5EF4-FFF2-40B4-BE49-F238E27FC236}">
+                <a16:creationId xmlns:a16="http://schemas.microsoft.com/office/drawing/2014/main" id="{0B2EB1A0-C799-02AA-CAFC-3C335F4850B1}"/>
+              </a:ext>
+            </a:extLst>
+          </p:cNvPr>
+          <p:cNvSpPr>
+            <a:spLocks noGrp="1"/>
+          </p:cNvSpPr>
+          <p:nvPr>
+            <p:ph idx="1"/>
+          </p:nvPr>
+        </p:nvSpPr>
+        <p:spPr/>
+        <p:txBody>
+          <a:bodyPr>
+            <a:normAutofit lnSpcReduction="10000"/>
+          </a:bodyPr>
+          <a:lstStyle/>
+          <a:p>
+            <a:pPr marL="457200" lvl="1" indent="0">
+              <a:buNone/>
+            </a:pPr>
+            <a:r>
+              <a:rPr lang="en-US" b="1" dirty="0"/>
+              <a:t>Fortify Existing High-Spend Domains Across All Segments</a:t>
+            </a:r>
+            <a:endParaRPr lang="en-US" dirty="0"/>
+          </a:p>
+          <a:p>
+            <a:pPr lvl="1"/>
+            <a:r>
+              <a:rPr lang="en-US" dirty="0"/>
+              <a:t>Accommodation is consistently the largest expense for all visitor segments</a:t>
+            </a:r>
+          </a:p>
+          <a:p>
+            <a:pPr lvl="1"/>
+            <a:endParaRPr lang="en-US" dirty="0"/>
+          </a:p>
+          <a:p>
+            <a:pPr lvl="1"/>
+            <a:r>
+              <a:rPr lang="en-US" dirty="0"/>
+              <a:t>F&amp;B, transport, and shopping are key common spending areas across segments</a:t>
+            </a:r>
+          </a:p>
+          <a:p>
+            <a:pPr lvl="1"/>
+            <a:endParaRPr lang="en-US" dirty="0"/>
+          </a:p>
+          <a:p>
+            <a:pPr lvl="1"/>
+            <a:r>
+              <a:rPr lang="en-US" dirty="0"/>
+              <a:t>Introduce </a:t>
+            </a:r>
+            <a:r>
+              <a:rPr lang="en-US" b="1" dirty="0"/>
+              <a:t>“48-Hour Singapore Experience”</a:t>
+            </a:r>
+            <a:r>
+              <a:rPr lang="en-US" dirty="0"/>
+              <a:t>: bundled offers including attractions, dining, and shopping vouchers</a:t>
+            </a:r>
+          </a:p>
+          <a:p>
+            <a:pPr lvl="1"/>
+            <a:endParaRPr lang="en-US" dirty="0"/>
+          </a:p>
+          <a:p>
+            <a:pPr lvl="1"/>
+            <a:r>
+              <a:rPr lang="en-US" dirty="0"/>
+              <a:t>Partner with </a:t>
+            </a:r>
+            <a:r>
+              <a:rPr lang="en-US" b="1" dirty="0"/>
+              <a:t>travel platforms/agencies </a:t>
+            </a:r>
+            <a:r>
+              <a:rPr lang="en-US" dirty="0"/>
+              <a:t>to co-develop flight + hotel bundles</a:t>
+            </a:r>
+          </a:p>
+        </p:txBody>
+      </p:sp>
+    </p:spTree>
+    <p:extLst>
+      <p:ext uri="{BB962C8B-B14F-4D97-AF65-F5344CB8AC3E}">
+        <p14:creationId xmlns:p14="http://schemas.microsoft.com/office/powerpoint/2010/main" val="3745718939"/>
+      </p:ext>
+    </p:extLst>
+  </p:cSld>
+  <p:clrMapOvr>
+    <a:masterClrMapping/>
+  </p:clrMapOvr>
+</p:sld>
+</file>
+
+<file path=ppt/slides/slide21.xml><?xml version="1.0" encoding="utf-8"?>
+<p:sld xmlns:a="http://schemas.openxmlformats.org/drawingml/2006/main" xmlns:r="http://schemas.openxmlformats.org/officeDocument/2006/relationships" xmlns:p="http://schemas.openxmlformats.org/presentationml/2006/main">
+  <p:cSld>
+    <p:spTree>
+      <p:nvGrpSpPr>
+        <p:cNvPr id="1" name="">
+          <a:extLst>
+            <a:ext uri="{FF2B5EF4-FFF2-40B4-BE49-F238E27FC236}">
+              <a16:creationId xmlns:a16="http://schemas.microsoft.com/office/drawing/2014/main" id="{5E5C890F-3A2F-FCE9-B75F-F6FA31DF0A71}"/>
+            </a:ext>
+          </a:extLst>
+        </p:cNvPr>
+        <p:cNvGrpSpPr/>
+        <p:nvPr/>
+      </p:nvGrpSpPr>
+      <p:grpSpPr>
+        <a:xfrm>
+          <a:off x="0" y="0"/>
+          <a:ext cx="0" cy="0"/>
+          <a:chOff x="0" y="0"/>
+          <a:chExt cx="0" cy="0"/>
+        </a:xfrm>
+      </p:grpSpPr>
+      <p:sp>
+        <p:nvSpPr>
+          <p:cNvPr id="2" name="Title 1">
+            <a:extLst>
+              <a:ext uri="{FF2B5EF4-FFF2-40B4-BE49-F238E27FC236}">
+                <a16:creationId xmlns:a16="http://schemas.microsoft.com/office/drawing/2014/main" id="{DA960029-4F4D-33CE-435D-ABE9FA3BBEDB}"/>
+              </a:ext>
+            </a:extLst>
+          </p:cNvPr>
+          <p:cNvSpPr>
+            <a:spLocks noGrp="1"/>
+          </p:cNvSpPr>
+          <p:nvPr>
+            <p:ph type="title"/>
+          </p:nvPr>
+        </p:nvSpPr>
+        <p:spPr/>
+        <p:txBody>
+          <a:bodyPr/>
+          <a:lstStyle/>
+          <a:p>
+            <a:r>
+              <a:rPr lang="en-SG" dirty="0"/>
+              <a:t>Recommendations</a:t>
+            </a:r>
+          </a:p>
+        </p:txBody>
+      </p:sp>
+      <p:sp>
+        <p:nvSpPr>
+          <p:cNvPr id="3" name="Content Placeholder 2">
+            <a:extLst>
+              <a:ext uri="{FF2B5EF4-FFF2-40B4-BE49-F238E27FC236}">
+                <a16:creationId xmlns:a16="http://schemas.microsoft.com/office/drawing/2014/main" id="{9C4BF91D-50E3-58F7-C9C8-2FC5666BFB32}"/>
+              </a:ext>
+            </a:extLst>
+          </p:cNvPr>
+          <p:cNvSpPr>
+            <a:spLocks noGrp="1"/>
+          </p:cNvSpPr>
+          <p:nvPr>
+            <p:ph idx="1"/>
+          </p:nvPr>
+        </p:nvSpPr>
+        <p:spPr/>
+        <p:txBody>
+          <a:bodyPr>
+            <a:normAutofit/>
+          </a:bodyPr>
+          <a:lstStyle/>
+          <a:p>
+            <a:r>
+              <a:rPr lang="en-SG" b="1" dirty="0"/>
+              <a:t>Strategic Digital Marketing for Key Markets (e.g. China)</a:t>
+            </a:r>
+            <a:endParaRPr lang="en-SG" dirty="0"/>
+          </a:p>
+          <a:p>
+            <a:pPr lvl="1"/>
+            <a:r>
+              <a:rPr lang="en-SG" dirty="0"/>
+              <a:t>Leverage seasonal demand peaks (e.g. July–August travel surge from China)</a:t>
+            </a:r>
+          </a:p>
+          <a:p>
+            <a:pPr lvl="1"/>
+            <a:endParaRPr lang="en-SG" dirty="0"/>
+          </a:p>
+          <a:p>
+            <a:pPr lvl="1"/>
+            <a:r>
+              <a:rPr lang="en-SG" dirty="0"/>
+              <a:t>Deploy geo-targeted ads on popular Chinese platforms such as </a:t>
+            </a:r>
+            <a:r>
+              <a:rPr lang="en-SG" b="1" dirty="0"/>
+              <a:t>Weibo, </a:t>
+            </a:r>
+            <a:r>
+              <a:rPr lang="en-SG" b="1" dirty="0" err="1"/>
+              <a:t>Xiaohongshu</a:t>
+            </a:r>
+            <a:r>
+              <a:rPr lang="en-SG" b="1" dirty="0"/>
+              <a:t>, Douyin</a:t>
+            </a:r>
+          </a:p>
+          <a:p>
+            <a:pPr lvl="1"/>
+            <a:endParaRPr lang="en-SG" dirty="0"/>
+          </a:p>
+          <a:p>
+            <a:pPr lvl="1"/>
+            <a:r>
+              <a:rPr lang="en-SG" dirty="0"/>
+              <a:t>Partner with </a:t>
+            </a:r>
+            <a:r>
+              <a:rPr lang="en-SG" b="1" dirty="0"/>
+              <a:t>trusted local influencers</a:t>
+            </a:r>
+            <a:r>
+              <a:rPr lang="en-SG" dirty="0"/>
+              <a:t> to showcase Singapore’s experiences (shopping, food, attractions). </a:t>
+            </a:r>
+            <a:r>
+              <a:rPr lang="en-US" dirty="0"/>
+              <a:t>Engage regional influencers and media to amplify Singapore’s appeal (e.g. highlight family and luxury attractions in Indonesia/China channels</a:t>
+            </a:r>
+            <a:endParaRPr lang="en-SG" dirty="0"/>
+          </a:p>
+        </p:txBody>
+      </p:sp>
+    </p:spTree>
+    <p:extLst>
+      <p:ext uri="{BB962C8B-B14F-4D97-AF65-F5344CB8AC3E}">
+        <p14:creationId xmlns:p14="http://schemas.microsoft.com/office/powerpoint/2010/main" val="4070506834"/>
+      </p:ext>
+    </p:extLst>
+  </p:cSld>
+  <p:clrMapOvr>
+    <a:masterClrMapping/>
+  </p:clrMapOvr>
+</p:sld>
+</file>
+
+<file path=ppt/slides/slide22.xml><?xml version="1.0" encoding="utf-8"?>
+<p:sld xmlns:a="http://schemas.openxmlformats.org/drawingml/2006/main" xmlns:r="http://schemas.openxmlformats.org/officeDocument/2006/relationships" xmlns:p="http://schemas.openxmlformats.org/presentationml/2006/main">
+  <p:cSld>
+    <p:spTree>
+      <p:nvGrpSpPr>
+        <p:cNvPr id="1" name=""/>
+        <p:cNvGrpSpPr/>
+        <p:nvPr/>
+      </p:nvGrpSpPr>
+      <p:grpSpPr>
+        <a:xfrm>
+          <a:off x="0" y="0"/>
+          <a:ext cx="0" cy="0"/>
+          <a:chOff x="0" y="0"/>
+          <a:chExt cx="0" cy="0"/>
+        </a:xfrm>
+      </p:grpSpPr>
+      <p:sp>
+        <p:nvSpPr>
+          <p:cNvPr id="2" name="Title 1">
+            <a:extLst>
+              <a:ext uri="{FF2B5EF4-FFF2-40B4-BE49-F238E27FC236}">
+                <a16:creationId xmlns:a16="http://schemas.microsoft.com/office/drawing/2014/main" id="{F5AA7AEA-63B4-9F03-3598-33E0FF25B68A}"/>
+              </a:ext>
+            </a:extLst>
+          </p:cNvPr>
+          <p:cNvSpPr>
+            <a:spLocks noGrp="1"/>
+          </p:cNvSpPr>
+          <p:nvPr>
+            <p:ph type="title"/>
+          </p:nvPr>
+        </p:nvSpPr>
+        <p:spPr/>
+        <p:txBody>
+          <a:bodyPr/>
+          <a:lstStyle/>
+          <a:p>
+            <a:r>
+              <a:rPr lang="en-SG" dirty="0"/>
+              <a:t>Appendix</a:t>
+            </a:r>
+          </a:p>
+        </p:txBody>
+      </p:sp>
+      <p:sp>
+        <p:nvSpPr>
+          <p:cNvPr id="3" name="Content Placeholder 2">
+            <a:extLst>
+              <a:ext uri="{FF2B5EF4-FFF2-40B4-BE49-F238E27FC236}">
+                <a16:creationId xmlns:a16="http://schemas.microsoft.com/office/drawing/2014/main" id="{0FE668A7-32B2-4884-088E-BC189EBB6B93}"/>
+              </a:ext>
+            </a:extLst>
+          </p:cNvPr>
+          <p:cNvSpPr>
+            <a:spLocks noGrp="1"/>
+          </p:cNvSpPr>
+          <p:nvPr>
+            <p:ph idx="1"/>
+          </p:nvPr>
+        </p:nvSpPr>
+        <p:spPr/>
+        <p:txBody>
+          <a:bodyPr/>
+          <a:lstStyle/>
+          <a:p>
+            <a:endParaRPr lang="en-SG" dirty="0"/>
+          </a:p>
+        </p:txBody>
+      </p:sp>
+    </p:spTree>
+    <p:extLst>
+      <p:ext uri="{BB962C8B-B14F-4D97-AF65-F5344CB8AC3E}">
+        <p14:creationId xmlns:p14="http://schemas.microsoft.com/office/powerpoint/2010/main" val="4256984776"/>
+      </p:ext>
+    </p:extLst>
+  </p:cSld>
+  <p:clrMapOvr>
+    <a:masterClrMapping/>
+  </p:clrMapOvr>
+</p:sld>
+</file>
+
+<file path=ppt/slides/slide23.xml><?xml version="1.0" encoding="utf-8"?>
+<p:sld xmlns:a="http://schemas.openxmlformats.org/drawingml/2006/main" xmlns:r="http://schemas.openxmlformats.org/officeDocument/2006/relationships" xmlns:p="http://schemas.openxmlformats.org/presentationml/2006/main">
+  <p:cSld>
+    <p:spTree>
+      <p:nvGrpSpPr>
+        <p:cNvPr id="1" name=""/>
+        <p:cNvGrpSpPr/>
+        <p:nvPr/>
+      </p:nvGrpSpPr>
+      <p:grpSpPr>
+        <a:xfrm>
+          <a:off x="0" y="0"/>
+          <a:ext cx="0" cy="0"/>
+          <a:chOff x="0" y="0"/>
+          <a:chExt cx="0" cy="0"/>
+        </a:xfrm>
+      </p:grpSpPr>
+      <p:sp>
+        <p:nvSpPr>
+          <p:cNvPr id="2" name="Title 1">
+            <a:extLst>
+              <a:ext uri="{FF2B5EF4-FFF2-40B4-BE49-F238E27FC236}">
+                <a16:creationId xmlns:a16="http://schemas.microsoft.com/office/drawing/2014/main" id="{378593DE-F0AA-9756-5F0A-864CAF7435D1}"/>
+              </a:ext>
+            </a:extLst>
+          </p:cNvPr>
+          <p:cNvSpPr>
+            <a:spLocks noGrp="1"/>
+          </p:cNvSpPr>
+          <p:nvPr>
+            <p:ph type="title"/>
+          </p:nvPr>
+        </p:nvSpPr>
+        <p:spPr/>
+        <p:txBody>
+          <a:bodyPr/>
+          <a:lstStyle/>
+          <a:p>
+            <a:r>
+              <a:rPr lang="en-SG" dirty="0"/>
+              <a:t>Spending behaviour by Gender</a:t>
+            </a:r>
+          </a:p>
+        </p:txBody>
+      </p:sp>
+      <p:pic>
+        <p:nvPicPr>
+          <p:cNvPr id="5" name="Content Placeholder 4">
+            <a:extLst>
+              <a:ext uri="{FF2B5EF4-FFF2-40B4-BE49-F238E27FC236}">
+                <a16:creationId xmlns:a16="http://schemas.microsoft.com/office/drawing/2014/main" id="{26D10CFF-505B-B3EE-5FA4-997FC084E048}"/>
+              </a:ext>
+            </a:extLst>
+          </p:cNvPr>
+          <p:cNvPicPr>
+            <a:picLocks noGrp="1" noChangeAspect="1"/>
+          </p:cNvPicPr>
+          <p:nvPr>
+            <p:ph idx="1"/>
+          </p:nvPr>
+        </p:nvPicPr>
+        <p:blipFill>
+          <a:blip r:embed="rId2"/>
+          <a:stretch>
+            <a:fillRect/>
+          </a:stretch>
+        </p:blipFill>
+        <p:spPr>
+          <a:xfrm>
+            <a:off x="2446491" y="1825625"/>
+            <a:ext cx="7299018" cy="4351338"/>
+          </a:xfrm>
+        </p:spPr>
+      </p:pic>
+    </p:spTree>
+    <p:extLst>
+      <p:ext uri="{BB962C8B-B14F-4D97-AF65-F5344CB8AC3E}">
+        <p14:creationId xmlns:p14="http://schemas.microsoft.com/office/powerpoint/2010/main" val="437464929"/>
+      </p:ext>
+    </p:extLst>
+  </p:cSld>
+  <p:clrMapOvr>
+    <a:masterClrMapping/>
+  </p:clrMapOvr>
+</p:sld>
+</file>
+
+<file path=ppt/slides/slide24.xml><?xml version="1.0" encoding="utf-8"?>
+<p:sld xmlns:a="http://schemas.openxmlformats.org/drawingml/2006/main" xmlns:r="http://schemas.openxmlformats.org/officeDocument/2006/relationships" xmlns:p="http://schemas.openxmlformats.org/presentationml/2006/main">
+  <p:cSld>
+    <p:spTree>
+      <p:nvGrpSpPr>
+        <p:cNvPr id="1" name=""/>
+        <p:cNvGrpSpPr/>
+        <p:nvPr/>
+      </p:nvGrpSpPr>
+      <p:grpSpPr>
+        <a:xfrm>
+          <a:off x="0" y="0"/>
+          <a:ext cx="0" cy="0"/>
+          <a:chOff x="0" y="0"/>
+          <a:chExt cx="0" cy="0"/>
+        </a:xfrm>
+      </p:grpSpPr>
+      <p:sp>
+        <p:nvSpPr>
+          <p:cNvPr id="2" name="Title 1">
+            <a:extLst>
+              <a:ext uri="{FF2B5EF4-FFF2-40B4-BE49-F238E27FC236}">
+                <a16:creationId xmlns:a16="http://schemas.microsoft.com/office/drawing/2014/main" id="{F9429239-A469-6994-E4CA-65290914C3F1}"/>
+              </a:ext>
+            </a:extLst>
+          </p:cNvPr>
+          <p:cNvSpPr>
+            <a:spLocks noGrp="1"/>
+          </p:cNvSpPr>
+          <p:nvPr>
+            <p:ph type="title"/>
+          </p:nvPr>
+        </p:nvSpPr>
+        <p:spPr/>
+        <p:txBody>
+          <a:bodyPr/>
+          <a:lstStyle/>
+          <a:p>
+            <a:r>
+              <a:rPr lang="en-SG" dirty="0"/>
+              <a:t>Spending behaviour by martial status</a:t>
+            </a:r>
+          </a:p>
+        </p:txBody>
+      </p:sp>
+      <p:pic>
+        <p:nvPicPr>
+          <p:cNvPr id="5" name="Content Placeholder 4">
+            <a:extLst>
+              <a:ext uri="{FF2B5EF4-FFF2-40B4-BE49-F238E27FC236}">
+                <a16:creationId xmlns:a16="http://schemas.microsoft.com/office/drawing/2014/main" id="{075464B8-70AD-15FA-D281-90AE69DAA45A}"/>
+              </a:ext>
+            </a:extLst>
+          </p:cNvPr>
+          <p:cNvPicPr>
+            <a:picLocks noGrp="1" noChangeAspect="1"/>
+          </p:cNvPicPr>
+          <p:nvPr>
+            <p:ph idx="1"/>
+          </p:nvPr>
+        </p:nvPicPr>
+        <p:blipFill>
+          <a:blip r:embed="rId2"/>
+          <a:stretch>
+            <a:fillRect/>
+          </a:stretch>
+        </p:blipFill>
+        <p:spPr>
+          <a:xfrm>
+            <a:off x="2472373" y="1825625"/>
+            <a:ext cx="7247254" cy="4351338"/>
+          </a:xfrm>
+        </p:spPr>
+      </p:pic>
+    </p:spTree>
+    <p:extLst>
+      <p:ext uri="{BB962C8B-B14F-4D97-AF65-F5344CB8AC3E}">
+        <p14:creationId xmlns:p14="http://schemas.microsoft.com/office/powerpoint/2010/main" val="2276744474"/>
+      </p:ext>
+    </p:extLst>
+  </p:cSld>
+  <p:clrMapOvr>
+    <a:masterClrMapping/>
+  </p:clrMapOvr>
+</p:sld>
+</file>
+
+<file path=ppt/slides/slide25.xml><?xml version="1.0" encoding="utf-8"?>
+<p:sld xmlns:a="http://schemas.openxmlformats.org/drawingml/2006/main" xmlns:r="http://schemas.openxmlformats.org/officeDocument/2006/relationships" xmlns:p="http://schemas.openxmlformats.org/presentationml/2006/main">
+  <p:cSld>
+    <p:spTree>
+      <p:nvGrpSpPr>
+        <p:cNvPr id="1" name=""/>
+        <p:cNvGrpSpPr/>
+        <p:nvPr/>
+      </p:nvGrpSpPr>
+      <p:grpSpPr>
+        <a:xfrm>
+          <a:off x="0" y="0"/>
+          <a:ext cx="0" cy="0"/>
+          <a:chOff x="0" y="0"/>
+          <a:chExt cx="0" cy="0"/>
+        </a:xfrm>
+      </p:grpSpPr>
+      <p:sp>
+        <p:nvSpPr>
+          <p:cNvPr id="2" name="Title 1">
+            <a:extLst>
+              <a:ext uri="{FF2B5EF4-FFF2-40B4-BE49-F238E27FC236}">
+                <a16:creationId xmlns:a16="http://schemas.microsoft.com/office/drawing/2014/main" id="{CD6A8AFB-BFF8-E028-0F53-FC836F746932}"/>
+              </a:ext>
+            </a:extLst>
+          </p:cNvPr>
+          <p:cNvSpPr>
+            <a:spLocks noGrp="1"/>
+          </p:cNvSpPr>
+          <p:nvPr>
+            <p:ph type="title"/>
+          </p:nvPr>
+        </p:nvSpPr>
+        <p:spPr/>
+        <p:txBody>
+          <a:bodyPr/>
+          <a:lstStyle/>
+          <a:p>
+            <a:r>
+              <a:rPr lang="en-SG" dirty="0"/>
+              <a:t>Average Daily Spending and Length of Stay</a:t>
+            </a:r>
+          </a:p>
+        </p:txBody>
+      </p:sp>
+      <p:pic>
+        <p:nvPicPr>
+          <p:cNvPr id="9" name="Content Placeholder 8">
+            <a:extLst>
+              <a:ext uri="{FF2B5EF4-FFF2-40B4-BE49-F238E27FC236}">
+                <a16:creationId xmlns:a16="http://schemas.microsoft.com/office/drawing/2014/main" id="{153476C9-1C00-E9E2-67ED-78B70C866201}"/>
+              </a:ext>
+            </a:extLst>
+          </p:cNvPr>
+          <p:cNvPicPr>
+            <a:picLocks noGrp="1" noChangeAspect="1"/>
+          </p:cNvPicPr>
+          <p:nvPr>
+            <p:ph idx="1"/>
+          </p:nvPr>
+        </p:nvPicPr>
+        <p:blipFill>
+          <a:blip r:embed="rId2"/>
+          <a:stretch>
+            <a:fillRect/>
+          </a:stretch>
+        </p:blipFill>
+        <p:spPr>
+          <a:xfrm>
+            <a:off x="2454120" y="1825625"/>
+            <a:ext cx="7283760" cy="4351338"/>
+          </a:xfrm>
+          <a:prstGeom prst="rect">
+            <a:avLst/>
+          </a:prstGeom>
+        </p:spPr>
+      </p:pic>
+    </p:spTree>
+    <p:extLst>
+      <p:ext uri="{BB962C8B-B14F-4D97-AF65-F5344CB8AC3E}">
+        <p14:creationId xmlns:p14="http://schemas.microsoft.com/office/powerpoint/2010/main" val="794000852"/>
+      </p:ext>
+    </p:extLst>
+  </p:cSld>
+  <p:clrMapOvr>
+    <a:masterClrMapping/>
+  </p:clrMapOvr>
+</p:sld>
+</file>
+
+<file path=ppt/slides/slide26.xml><?xml version="1.0" encoding="utf-8"?>
+<p:sld xmlns:a="http://schemas.openxmlformats.org/drawingml/2006/main" xmlns:r="http://schemas.openxmlformats.org/officeDocument/2006/relationships" xmlns:p="http://schemas.openxmlformats.org/presentationml/2006/main">
+  <p:cSld>
+    <p:spTree>
+      <p:nvGrpSpPr>
+        <p:cNvPr id="1" name=""/>
+        <p:cNvGrpSpPr/>
+        <p:nvPr/>
+      </p:nvGrpSpPr>
+      <p:grpSpPr>
+        <a:xfrm>
+          <a:off x="0" y="0"/>
+          <a:ext cx="0" cy="0"/>
+          <a:chOff x="0" y="0"/>
+          <a:chExt cx="0" cy="0"/>
+        </a:xfrm>
+      </p:grpSpPr>
+      <p:sp>
+        <p:nvSpPr>
+          <p:cNvPr id="2" name="Title 1">
+            <a:extLst>
+              <a:ext uri="{FF2B5EF4-FFF2-40B4-BE49-F238E27FC236}">
+                <a16:creationId xmlns:a16="http://schemas.microsoft.com/office/drawing/2014/main" id="{2F0F9DD5-A1B6-1B65-8C73-396C2F7D7D32}"/>
+              </a:ext>
+            </a:extLst>
+          </p:cNvPr>
+          <p:cNvSpPr>
+            <a:spLocks noGrp="1"/>
+          </p:cNvSpPr>
+          <p:nvPr>
+            <p:ph type="title"/>
+          </p:nvPr>
+        </p:nvSpPr>
+        <p:spPr/>
+        <p:txBody>
+          <a:bodyPr/>
+          <a:lstStyle/>
+          <a:p>
+            <a:r>
+              <a:rPr lang="en-SG" dirty="0"/>
+              <a:t>Average Daily Spending by Mode of Transport</a:t>
+            </a:r>
+          </a:p>
+        </p:txBody>
+      </p:sp>
+      <p:pic>
+        <p:nvPicPr>
+          <p:cNvPr id="7" name="Content Placeholder 6">
+            <a:extLst>
+              <a:ext uri="{FF2B5EF4-FFF2-40B4-BE49-F238E27FC236}">
+                <a16:creationId xmlns:a16="http://schemas.microsoft.com/office/drawing/2014/main" id="{976207F1-7A3E-EEFA-0B37-5DDD56676EE1}"/>
+              </a:ext>
+            </a:extLst>
+          </p:cNvPr>
+          <p:cNvPicPr>
+            <a:picLocks noGrp="1" noChangeAspect="1"/>
+          </p:cNvPicPr>
+          <p:nvPr>
+            <p:ph idx="1"/>
+          </p:nvPr>
+        </p:nvPicPr>
+        <p:blipFill>
+          <a:blip r:embed="rId2"/>
+          <a:stretch>
+            <a:fillRect/>
+          </a:stretch>
+        </p:blipFill>
+        <p:spPr>
+          <a:xfrm>
+            <a:off x="2275509" y="1825625"/>
+            <a:ext cx="7640982" cy="4351338"/>
+          </a:xfrm>
+          <a:prstGeom prst="rect">
+            <a:avLst/>
+          </a:prstGeom>
+        </p:spPr>
+      </p:pic>
+    </p:spTree>
+    <p:extLst>
+      <p:ext uri="{BB962C8B-B14F-4D97-AF65-F5344CB8AC3E}">
+        <p14:creationId xmlns:p14="http://schemas.microsoft.com/office/powerpoint/2010/main" val="4266277455"/>
+      </p:ext>
+    </p:extLst>
+  </p:cSld>
+  <p:clrMapOvr>
+    <a:masterClrMapping/>
+  </p:clrMapOvr>
+</p:sld>
+</file>
+
+<file path=ppt/slides/slide27.xml><?xml version="1.0" encoding="utf-8"?>
+<p:sld xmlns:a="http://schemas.openxmlformats.org/drawingml/2006/main" xmlns:r="http://schemas.openxmlformats.org/officeDocument/2006/relationships" xmlns:p="http://schemas.openxmlformats.org/presentationml/2006/main">
+  <p:cSld>
+    <p:spTree>
+      <p:nvGrpSpPr>
+        <p:cNvPr id="1" name=""/>
+        <p:cNvGrpSpPr/>
+        <p:nvPr/>
+      </p:nvGrpSpPr>
+      <p:grpSpPr>
+        <a:xfrm>
+          <a:off x="0" y="0"/>
+          <a:ext cx="0" cy="0"/>
+          <a:chOff x="0" y="0"/>
+          <a:chExt cx="0" cy="0"/>
+        </a:xfrm>
+      </p:grpSpPr>
+      <p:sp>
+        <p:nvSpPr>
+          <p:cNvPr id="2" name="Title 1">
+            <a:extLst>
+              <a:ext uri="{FF2B5EF4-FFF2-40B4-BE49-F238E27FC236}">
+                <a16:creationId xmlns:a16="http://schemas.microsoft.com/office/drawing/2014/main" id="{5FD7FC2A-CB3B-5697-C28E-733433F738B5}"/>
+              </a:ext>
+            </a:extLst>
+          </p:cNvPr>
+          <p:cNvSpPr>
+            <a:spLocks noGrp="1"/>
+          </p:cNvSpPr>
+          <p:nvPr>
+            <p:ph type="title"/>
+          </p:nvPr>
+        </p:nvSpPr>
+        <p:spPr/>
+        <p:txBody>
+          <a:bodyPr/>
+          <a:lstStyle/>
+          <a:p>
+            <a:endParaRPr lang="en-SG"/>
+          </a:p>
+        </p:txBody>
+      </p:sp>
+      <p:sp>
+        <p:nvSpPr>
+          <p:cNvPr id="3" name="Content Placeholder 2">
+            <a:extLst>
+              <a:ext uri="{FF2B5EF4-FFF2-40B4-BE49-F238E27FC236}">
+                <a16:creationId xmlns:a16="http://schemas.microsoft.com/office/drawing/2014/main" id="{1244BD97-95C1-E8A4-E31E-77AFDBFA8400}"/>
+              </a:ext>
+            </a:extLst>
+          </p:cNvPr>
+          <p:cNvSpPr>
+            <a:spLocks noGrp="1"/>
+          </p:cNvSpPr>
+          <p:nvPr>
+            <p:ph idx="1"/>
+          </p:nvPr>
+        </p:nvSpPr>
+        <p:spPr/>
+        <p:txBody>
+          <a:bodyPr/>
+          <a:lstStyle/>
+          <a:p>
+            <a:endParaRPr lang="en-SG" dirty="0"/>
+          </a:p>
+          <a:p>
+            <a:r>
+              <a:rPr lang="en-SG" dirty="0"/>
+              <a:t>Model 1: K means clustering </a:t>
+            </a:r>
+          </a:p>
+          <a:p>
+            <a:pPr lvl="1"/>
+            <a:r>
+              <a:rPr lang="en-SG" dirty="0"/>
+              <a:t>To understand how are these tourist categorised in terms spending differences and what they spend most on</a:t>
+            </a:r>
+          </a:p>
+          <a:p>
+            <a:endParaRPr lang="en-SG" dirty="0"/>
+          </a:p>
+        </p:txBody>
+      </p:sp>
+    </p:spTree>
+    <p:extLst>
+      <p:ext uri="{BB962C8B-B14F-4D97-AF65-F5344CB8AC3E}">
+        <p14:creationId xmlns:p14="http://schemas.microsoft.com/office/powerpoint/2010/main" val="1240545806"/>
+      </p:ext>
+    </p:extLst>
+  </p:cSld>
+  <p:clrMapOvr>
+    <a:masterClrMapping/>
+  </p:clrMapOvr>
+</p:sld>
+</file>
+
+<file path=ppt/slides/slide28.xml><?xml version="1.0" encoding="utf-8"?>
+<p:sld xmlns:a="http://schemas.openxmlformats.org/drawingml/2006/main" xmlns:r="http://schemas.openxmlformats.org/officeDocument/2006/relationships" xmlns:p="http://schemas.openxmlformats.org/presentationml/2006/main">
+  <p:cSld>
+    <p:spTree>
+      <p:nvGrpSpPr>
+        <p:cNvPr id="1" name=""/>
+        <p:cNvGrpSpPr/>
+        <p:nvPr/>
+      </p:nvGrpSpPr>
+      <p:grpSpPr>
+        <a:xfrm>
+          <a:off x="0" y="0"/>
+          <a:ext cx="0" cy="0"/>
+          <a:chOff x="0" y="0"/>
+          <a:chExt cx="0" cy="0"/>
+        </a:xfrm>
+      </p:grpSpPr>
+      <p:pic>
+        <p:nvPicPr>
+          <p:cNvPr id="7" name="Picture 6">
+            <a:extLst>
+              <a:ext uri="{FF2B5EF4-FFF2-40B4-BE49-F238E27FC236}">
+                <a16:creationId xmlns:a16="http://schemas.microsoft.com/office/drawing/2014/main" id="{7EE581B8-B7B9-1752-F159-98D4AC2E7872}"/>
+              </a:ext>
+            </a:extLst>
+          </p:cNvPr>
+          <p:cNvPicPr>
+            <a:picLocks noChangeAspect="1"/>
+          </p:cNvPicPr>
+          <p:nvPr/>
+        </p:nvPicPr>
+        <p:blipFill>
+          <a:blip r:embed="rId2"/>
+          <a:stretch>
+            <a:fillRect/>
+          </a:stretch>
+        </p:blipFill>
+        <p:spPr>
+          <a:xfrm>
+            <a:off x="189675" y="513943"/>
+            <a:ext cx="11812649" cy="5830114"/>
+          </a:xfrm>
+          <a:prstGeom prst="rect">
+            <a:avLst/>
+          </a:prstGeom>
+        </p:spPr>
+      </p:pic>
+    </p:spTree>
+    <p:extLst>
+      <p:ext uri="{BB962C8B-B14F-4D97-AF65-F5344CB8AC3E}">
+        <p14:creationId xmlns:p14="http://schemas.microsoft.com/office/powerpoint/2010/main" val="1933994635"/>
+      </p:ext>
+    </p:extLst>
+  </p:cSld>
+  <p:clrMapOvr>
+    <a:masterClrMapping/>
+  </p:clrMapOvr>
+</p:sld>
+</file>
+
+<file path=ppt/slides/slide29.xml><?xml version="1.0" encoding="utf-8"?>
+<p:sld xmlns:a="http://schemas.openxmlformats.org/drawingml/2006/main" xmlns:r="http://schemas.openxmlformats.org/officeDocument/2006/relationships" xmlns:p="http://schemas.openxmlformats.org/presentationml/2006/main">
+  <p:cSld>
+    <p:spTree>
+      <p:nvGrpSpPr>
+        <p:cNvPr id="1" name=""/>
+        <p:cNvGrpSpPr/>
+        <p:nvPr/>
+      </p:nvGrpSpPr>
+      <p:grpSpPr>
+        <a:xfrm>
+          <a:off x="0" y="0"/>
+          <a:ext cx="0" cy="0"/>
+          <a:chOff x="0" y="0"/>
+          <a:chExt cx="0" cy="0"/>
+        </a:xfrm>
+      </p:grpSpPr>
+      <p:pic>
+        <p:nvPicPr>
+          <p:cNvPr id="7" name="Picture 6">
+            <a:extLst>
+              <a:ext uri="{FF2B5EF4-FFF2-40B4-BE49-F238E27FC236}">
+                <a16:creationId xmlns:a16="http://schemas.microsoft.com/office/drawing/2014/main" id="{649E8FE3-D0FC-B4C9-3B50-AAAC0F548612}"/>
+              </a:ext>
+            </a:extLst>
+          </p:cNvPr>
+          <p:cNvPicPr>
+            <a:picLocks noChangeAspect="1"/>
+          </p:cNvPicPr>
+          <p:nvPr/>
+        </p:nvPicPr>
+        <p:blipFill>
+          <a:blip r:embed="rId2"/>
+          <a:stretch>
+            <a:fillRect/>
+          </a:stretch>
+        </p:blipFill>
+        <p:spPr>
+          <a:xfrm>
+            <a:off x="5281" y="480646"/>
+            <a:ext cx="12133384" cy="5920154"/>
+          </a:xfrm>
+          <a:prstGeom prst="rect">
+            <a:avLst/>
+          </a:prstGeom>
+        </p:spPr>
+      </p:pic>
+    </p:spTree>
+    <p:extLst>
+      <p:ext uri="{BB962C8B-B14F-4D97-AF65-F5344CB8AC3E}">
+        <p14:creationId xmlns:p14="http://schemas.microsoft.com/office/powerpoint/2010/main" val="3333770406"/>
+      </p:ext>
+    </p:extLst>
+  </p:cSld>
+  <p:clrMapOvr>
+    <a:masterClrMapping/>
+  </p:clrMapOvr>
+</p:sld>
+</file>
+
+<file path=ppt/slides/slide3.xml><?xml version="1.0" encoding="utf-8"?>
+<p:sld xmlns:a="http://schemas.openxmlformats.org/drawingml/2006/main" xmlns:r="http://schemas.openxmlformats.org/officeDocument/2006/relationships" xmlns:p="http://schemas.openxmlformats.org/presentationml/2006/main">
+  <p:cSld>
+    <p:spTree>
+      <p:nvGrpSpPr>
+        <p:cNvPr id="1" name=""/>
+        <p:cNvGrpSpPr/>
+        <p:nvPr/>
+      </p:nvGrpSpPr>
+      <p:grpSpPr>
+        <a:xfrm>
+          <a:off x="0" y="0"/>
+          <a:ext cx="0" cy="0"/>
+          <a:chOff x="0" y="0"/>
+          <a:chExt cx="0" cy="0"/>
+        </a:xfrm>
+      </p:grpSpPr>
+      <p:sp>
+        <p:nvSpPr>
+          <p:cNvPr id="2" name="Title 1">
+            <a:extLst>
+              <a:ext uri="{FF2B5EF4-FFF2-40B4-BE49-F238E27FC236}">
+                <a16:creationId xmlns:a16="http://schemas.microsoft.com/office/drawing/2014/main" id="{0F378861-05E1-4707-D6B0-9B48D084FBD6}"/>
+              </a:ext>
+            </a:extLst>
+          </p:cNvPr>
+          <p:cNvSpPr>
+            <a:spLocks noGrp="1"/>
+          </p:cNvSpPr>
+          <p:nvPr>
+            <p:ph type="title"/>
+          </p:nvPr>
+        </p:nvSpPr>
+        <p:spPr/>
+        <p:txBody>
+          <a:bodyPr/>
+          <a:lstStyle/>
+          <a:p>
+            <a:r>
+              <a:rPr lang="en-SG" dirty="0"/>
+              <a:t>Background information</a:t>
+            </a:r>
+          </a:p>
+        </p:txBody>
+      </p:sp>
+      <p:sp>
+        <p:nvSpPr>
+          <p:cNvPr id="3" name="Content Placeholder 2">
+            <a:extLst>
+              <a:ext uri="{FF2B5EF4-FFF2-40B4-BE49-F238E27FC236}">
+                <a16:creationId xmlns:a16="http://schemas.microsoft.com/office/drawing/2014/main" id="{86E18C16-CC10-4BC7-76EB-9344ECD8467E}"/>
+              </a:ext>
+            </a:extLst>
+          </p:cNvPr>
+          <p:cNvSpPr>
+            <a:spLocks noGrp="1"/>
+          </p:cNvSpPr>
+          <p:nvPr>
+            <p:ph idx="1"/>
+          </p:nvPr>
+        </p:nvSpPr>
+        <p:spPr/>
+        <p:txBody>
+          <a:bodyPr/>
+          <a:lstStyle/>
+          <a:p>
+            <a:r>
+              <a:rPr lang="en-SG" dirty="0"/>
+              <a:t>The dataset provided contains the following:</a:t>
+            </a:r>
+          </a:p>
+          <a:p>
+            <a:pPr lvl="1"/>
+            <a:r>
+              <a:rPr lang="en-SG" dirty="0"/>
+              <a:t>Year, month</a:t>
+            </a:r>
+          </a:p>
+          <a:p>
+            <a:pPr lvl="1"/>
+            <a:r>
+              <a:rPr lang="en-SG" dirty="0"/>
+              <a:t>Purpose of visit</a:t>
+            </a:r>
+          </a:p>
+          <a:p>
+            <a:pPr lvl="1"/>
+            <a:r>
+              <a:rPr lang="en-SG" dirty="0"/>
+              <a:t>Mode of transport</a:t>
+            </a:r>
+          </a:p>
+          <a:p>
+            <a:pPr lvl="1"/>
+            <a:r>
+              <a:rPr lang="en-SG" dirty="0"/>
+              <a:t>Length of stay</a:t>
+            </a:r>
+          </a:p>
+          <a:p>
+            <a:pPr lvl="1"/>
+            <a:r>
+              <a:rPr lang="en-SG" dirty="0"/>
+              <a:t>Travel type (Packaged vs. non packaged tour)</a:t>
+            </a:r>
+          </a:p>
+          <a:p>
+            <a:pPr lvl="1"/>
+            <a:r>
+              <a:rPr lang="en-SG" dirty="0"/>
+              <a:t>Martial Status</a:t>
+            </a:r>
+          </a:p>
+          <a:p>
+            <a:pPr lvl="1"/>
+            <a:r>
+              <a:rPr lang="en-SG" dirty="0"/>
+              <a:t>Occupation </a:t>
+            </a:r>
+          </a:p>
+          <a:p>
+            <a:pPr lvl="1"/>
+            <a:r>
+              <a:rPr lang="en-SG" dirty="0"/>
+              <a:t>Shopping and other expenses</a:t>
+            </a:r>
+          </a:p>
+          <a:p>
+            <a:pPr lvl="1"/>
+            <a:r>
+              <a:rPr lang="en-SG" dirty="0"/>
+              <a:t>Whether they travelled alone</a:t>
+            </a:r>
+          </a:p>
+          <a:p>
+            <a:pPr lvl="1"/>
+            <a:endParaRPr lang="en-SG" dirty="0"/>
+          </a:p>
+        </p:txBody>
+      </p:sp>
+    </p:spTree>
+    <p:extLst>
+      <p:ext uri="{BB962C8B-B14F-4D97-AF65-F5344CB8AC3E}">
+        <p14:creationId xmlns:p14="http://schemas.microsoft.com/office/powerpoint/2010/main" val="1175303852"/>
+      </p:ext>
+    </p:extLst>
+  </p:cSld>
+  <p:clrMapOvr>
+    <a:masterClrMapping/>
+  </p:clrMapOvr>
+</p:sld>
+</file>
+
+<file path=ppt/slides/slide30.xml><?xml version="1.0" encoding="utf-8"?>
+<p:sld xmlns:a="http://schemas.openxmlformats.org/drawingml/2006/main" xmlns:r="http://schemas.openxmlformats.org/officeDocument/2006/relationships" xmlns:p="http://schemas.openxmlformats.org/presentationml/2006/main">
+  <p:cSld>
+    <p:spTree>
+      <p:nvGrpSpPr>
+        <p:cNvPr id="1" name=""/>
+        <p:cNvGrpSpPr/>
+        <p:nvPr/>
+      </p:nvGrpSpPr>
+      <p:grpSpPr>
+        <a:xfrm>
+          <a:off x="0" y="0"/>
+          <a:ext cx="0" cy="0"/>
+          <a:chOff x="0" y="0"/>
+          <a:chExt cx="0" cy="0"/>
+        </a:xfrm>
+      </p:grpSpPr>
+      <p:sp>
+        <p:nvSpPr>
+          <p:cNvPr id="2" name="Title 1">
+            <a:extLst>
+              <a:ext uri="{FF2B5EF4-FFF2-40B4-BE49-F238E27FC236}">
+                <a16:creationId xmlns:a16="http://schemas.microsoft.com/office/drawing/2014/main" id="{D8B473E2-1FC7-2DFD-1B97-1A56B6DFE3A4}"/>
+              </a:ext>
+            </a:extLst>
+          </p:cNvPr>
+          <p:cNvSpPr>
+            <a:spLocks noGrp="1"/>
+          </p:cNvSpPr>
+          <p:nvPr>
+            <p:ph type="title"/>
+          </p:nvPr>
+        </p:nvSpPr>
+        <p:spPr/>
+        <p:txBody>
+          <a:bodyPr/>
+          <a:lstStyle/>
+          <a:p>
+            <a:r>
+              <a:rPr lang="en-SG" dirty="0"/>
+              <a:t>Stay Length Distribution by Cluster (</a:t>
+            </a:r>
+            <a:r>
+              <a:rPr lang="en-SG" dirty="0" err="1"/>
+              <a:t>Kprototype</a:t>
+            </a:r>
+            <a:r>
+              <a:rPr lang="en-SG" dirty="0"/>
+              <a:t> analysis)</a:t>
+            </a:r>
+          </a:p>
+        </p:txBody>
+      </p:sp>
+      <p:pic>
+        <p:nvPicPr>
+          <p:cNvPr id="5" name="Content Placeholder 4">
+            <a:extLst>
+              <a:ext uri="{FF2B5EF4-FFF2-40B4-BE49-F238E27FC236}">
+                <a16:creationId xmlns:a16="http://schemas.microsoft.com/office/drawing/2014/main" id="{13F42A95-E958-1ABA-5F98-FA9A9D5C8204}"/>
+              </a:ext>
+            </a:extLst>
+          </p:cNvPr>
+          <p:cNvPicPr>
+            <a:picLocks noGrp="1" noChangeAspect="1"/>
+          </p:cNvPicPr>
+          <p:nvPr>
+            <p:ph idx="1"/>
+          </p:nvPr>
+        </p:nvPicPr>
+        <p:blipFill>
+          <a:blip r:embed="rId2"/>
+          <a:stretch>
+            <a:fillRect/>
+          </a:stretch>
+        </p:blipFill>
+        <p:spPr>
+          <a:xfrm>
+            <a:off x="2456942" y="1910264"/>
+            <a:ext cx="7278116" cy="4182059"/>
+          </a:xfrm>
+          <a:prstGeom prst="rect">
+            <a:avLst/>
+          </a:prstGeom>
+        </p:spPr>
+      </p:pic>
+    </p:spTree>
+    <p:extLst>
+      <p:ext uri="{BB962C8B-B14F-4D97-AF65-F5344CB8AC3E}">
+        <p14:creationId xmlns:p14="http://schemas.microsoft.com/office/powerpoint/2010/main" val="879199375"/>
+      </p:ext>
+    </p:extLst>
+  </p:cSld>
+  <p:clrMapOvr>
+    <a:masterClrMapping/>
+  </p:clrMapOvr>
+</p:sld>
+</file>
+
+<file path=ppt/slides/slide31.xml><?xml version="1.0" encoding="utf-8"?>
+<p:sld xmlns:a="http://schemas.openxmlformats.org/drawingml/2006/main" xmlns:r="http://schemas.openxmlformats.org/officeDocument/2006/relationships" xmlns:p="http://schemas.openxmlformats.org/presentationml/2006/main">
+  <p:cSld>
+    <p:spTree>
+      <p:nvGrpSpPr>
+        <p:cNvPr id="1" name=""/>
+        <p:cNvGrpSpPr/>
+        <p:nvPr/>
+      </p:nvGrpSpPr>
+      <p:grpSpPr>
+        <a:xfrm>
+          <a:off x="0" y="0"/>
+          <a:ext cx="0" cy="0"/>
+          <a:chOff x="0" y="0"/>
+          <a:chExt cx="0" cy="0"/>
+        </a:xfrm>
+      </p:grpSpPr>
+      <p:sp>
+        <p:nvSpPr>
+          <p:cNvPr id="2" name="Title 1">
+            <a:extLst>
+              <a:ext uri="{FF2B5EF4-FFF2-40B4-BE49-F238E27FC236}">
+                <a16:creationId xmlns:a16="http://schemas.microsoft.com/office/drawing/2014/main" id="{AA60D91A-2909-6ADA-5D54-7018D0230554}"/>
+              </a:ext>
+            </a:extLst>
+          </p:cNvPr>
+          <p:cNvSpPr>
+            <a:spLocks noGrp="1"/>
+          </p:cNvSpPr>
+          <p:nvPr>
+            <p:ph type="title"/>
+          </p:nvPr>
+        </p:nvSpPr>
+        <p:spPr/>
+        <p:txBody>
+          <a:bodyPr/>
+          <a:lstStyle/>
+          <a:p>
+            <a:r>
+              <a:rPr lang="en-SG" dirty="0"/>
+              <a:t>Travel companion Distribution by Cluster (</a:t>
+            </a:r>
+            <a:r>
+              <a:rPr lang="en-SG" dirty="0" err="1"/>
+              <a:t>Kprototype</a:t>
+            </a:r>
+            <a:r>
+              <a:rPr lang="en-SG" dirty="0"/>
+              <a:t> analysis)</a:t>
+            </a:r>
+          </a:p>
+        </p:txBody>
+      </p:sp>
+      <p:pic>
+        <p:nvPicPr>
+          <p:cNvPr id="5" name="Content Placeholder 4">
+            <a:extLst>
+              <a:ext uri="{FF2B5EF4-FFF2-40B4-BE49-F238E27FC236}">
+                <a16:creationId xmlns:a16="http://schemas.microsoft.com/office/drawing/2014/main" id="{F21040F7-B064-C497-8F76-368F1C43AF93}"/>
+              </a:ext>
+            </a:extLst>
+          </p:cNvPr>
+          <p:cNvPicPr>
+            <a:picLocks noGrp="1" noChangeAspect="1"/>
+          </p:cNvPicPr>
+          <p:nvPr>
+            <p:ph idx="1"/>
+          </p:nvPr>
+        </p:nvPicPr>
+        <p:blipFill>
+          <a:blip r:embed="rId2"/>
+          <a:stretch>
+            <a:fillRect/>
+          </a:stretch>
+        </p:blipFill>
+        <p:spPr>
+          <a:xfrm>
+            <a:off x="2442652" y="1934080"/>
+            <a:ext cx="7306695" cy="4134427"/>
+          </a:xfrm>
+          <a:prstGeom prst="rect">
+            <a:avLst/>
+          </a:prstGeom>
+        </p:spPr>
+      </p:pic>
+    </p:spTree>
+    <p:extLst>
+      <p:ext uri="{BB962C8B-B14F-4D97-AF65-F5344CB8AC3E}">
+        <p14:creationId xmlns:p14="http://schemas.microsoft.com/office/powerpoint/2010/main" val="2959238907"/>
+      </p:ext>
+    </p:extLst>
+  </p:cSld>
+  <p:clrMapOvr>
+    <a:masterClrMapping/>
+  </p:clrMapOvr>
+</p:sld>
+</file>
+
+<file path=ppt/slides/slide32.xml><?xml version="1.0" encoding="utf-8"?>
+<p:sld xmlns:a="http://schemas.openxmlformats.org/drawingml/2006/main" xmlns:r="http://schemas.openxmlformats.org/officeDocument/2006/relationships" xmlns:p="http://schemas.openxmlformats.org/presentationml/2006/main">
+  <p:cSld>
+    <p:spTree>
+      <p:nvGrpSpPr>
+        <p:cNvPr id="1" name=""/>
+        <p:cNvGrpSpPr/>
+        <p:nvPr/>
+      </p:nvGrpSpPr>
+      <p:grpSpPr>
+        <a:xfrm>
+          <a:off x="0" y="0"/>
+          <a:ext cx="0" cy="0"/>
+          <a:chOff x="0" y="0"/>
+          <a:chExt cx="0" cy="0"/>
+        </a:xfrm>
+      </p:grpSpPr>
+      <p:sp>
+        <p:nvSpPr>
+          <p:cNvPr id="2" name="Title 1">
+            <a:extLst>
+              <a:ext uri="{FF2B5EF4-FFF2-40B4-BE49-F238E27FC236}">
+                <a16:creationId xmlns:a16="http://schemas.microsoft.com/office/drawing/2014/main" id="{FA9E43A7-2965-C8E0-8525-FF04EA38326B}"/>
+              </a:ext>
+            </a:extLst>
+          </p:cNvPr>
+          <p:cNvSpPr>
+            <a:spLocks noGrp="1"/>
+          </p:cNvSpPr>
+          <p:nvPr>
+            <p:ph type="title"/>
+          </p:nvPr>
+        </p:nvSpPr>
+        <p:spPr/>
+        <p:txBody>
+          <a:bodyPr/>
+          <a:lstStyle/>
+          <a:p>
+            <a:r>
+              <a:rPr lang="en-SG" dirty="0"/>
+              <a:t>Occupation Distribution by Cluster (</a:t>
+            </a:r>
+            <a:r>
+              <a:rPr lang="en-SG" dirty="0" err="1"/>
+              <a:t>Kprototype</a:t>
+            </a:r>
+            <a:r>
+              <a:rPr lang="en-SG" dirty="0"/>
+              <a:t> analysis)</a:t>
+            </a:r>
+          </a:p>
+        </p:txBody>
+      </p:sp>
+      <p:pic>
+        <p:nvPicPr>
+          <p:cNvPr id="5" name="Content Placeholder 4">
+            <a:extLst>
+              <a:ext uri="{FF2B5EF4-FFF2-40B4-BE49-F238E27FC236}">
+                <a16:creationId xmlns:a16="http://schemas.microsoft.com/office/drawing/2014/main" id="{33F3FB38-B8FB-31DF-378E-6BEFFC62DEE7}"/>
+              </a:ext>
+            </a:extLst>
+          </p:cNvPr>
+          <p:cNvPicPr>
+            <a:picLocks noGrp="1" noChangeAspect="1"/>
+          </p:cNvPicPr>
+          <p:nvPr>
+            <p:ph idx="1"/>
+          </p:nvPr>
+        </p:nvPicPr>
+        <p:blipFill>
+          <a:blip r:embed="rId2"/>
+          <a:stretch>
+            <a:fillRect/>
+          </a:stretch>
+        </p:blipFill>
+        <p:spPr>
+          <a:xfrm>
+            <a:off x="2475995" y="1967422"/>
+            <a:ext cx="7240010" cy="4067743"/>
+          </a:xfrm>
+          <a:prstGeom prst="rect">
+            <a:avLst/>
+          </a:prstGeom>
+        </p:spPr>
+      </p:pic>
+    </p:spTree>
+    <p:extLst>
+      <p:ext uri="{BB962C8B-B14F-4D97-AF65-F5344CB8AC3E}">
+        <p14:creationId xmlns:p14="http://schemas.microsoft.com/office/powerpoint/2010/main" val="2403079850"/>
+      </p:ext>
+    </p:extLst>
+  </p:cSld>
+  <p:clrMapOvr>
+    <a:masterClrMapping/>
+  </p:clrMapOvr>
+</p:sld>
+</file>
+
+<file path=ppt/slides/slide4.xml><?xml version="1.0" encoding="utf-8"?>
+<p:sld xmlns:a="http://schemas.openxmlformats.org/drawingml/2006/main" xmlns:r="http://schemas.openxmlformats.org/officeDocument/2006/relationships" xmlns:p="http://schemas.openxmlformats.org/presentationml/2006/main">
+  <p:cSld>
+    <p:spTree>
+      <p:nvGrpSpPr>
+        <p:cNvPr id="1" name=""/>
+        <p:cNvGrpSpPr/>
+        <p:nvPr/>
+      </p:nvGrpSpPr>
+      <p:grpSpPr>
+        <a:xfrm>
+          <a:off x="0" y="0"/>
+          <a:ext cx="0" cy="0"/>
+          <a:chOff x="0" y="0"/>
+          <a:chExt cx="0" cy="0"/>
+        </a:xfrm>
+      </p:grpSpPr>
+      <p:sp>
+        <p:nvSpPr>
+          <p:cNvPr id="2" name="Title 1">
+            <a:extLst>
+              <a:ext uri="{FF2B5EF4-FFF2-40B4-BE49-F238E27FC236}">
+                <a16:creationId xmlns:a16="http://schemas.microsoft.com/office/drawing/2014/main" id="{596EBCBE-E5BF-E4A4-9C9D-3CC1CBC5B115}"/>
+              </a:ext>
+            </a:extLst>
+          </p:cNvPr>
+          <p:cNvSpPr>
+            <a:spLocks noGrp="1"/>
+          </p:cNvSpPr>
+          <p:nvPr>
+            <p:ph type="title"/>
+          </p:nvPr>
+        </p:nvSpPr>
+        <p:spPr/>
+        <p:txBody>
+          <a:bodyPr/>
+          <a:lstStyle/>
+          <a:p>
+            <a:r>
+              <a:rPr lang="en-SG" dirty="0"/>
+              <a:t>Problem statements</a:t>
+            </a:r>
+          </a:p>
+        </p:txBody>
+      </p:sp>
+      <p:sp>
+        <p:nvSpPr>
+          <p:cNvPr id="3" name="Content Placeholder 2">
+            <a:extLst>
+              <a:ext uri="{FF2B5EF4-FFF2-40B4-BE49-F238E27FC236}">
+                <a16:creationId xmlns:a16="http://schemas.microsoft.com/office/drawing/2014/main" id="{46242B04-05A6-E7AD-ED3D-2EB10BAC1251}"/>
+              </a:ext>
+            </a:extLst>
+          </p:cNvPr>
+          <p:cNvSpPr>
+            <a:spLocks noGrp="1"/>
+          </p:cNvSpPr>
+          <p:nvPr>
+            <p:ph idx="1"/>
+          </p:nvPr>
+        </p:nvSpPr>
+        <p:spPr/>
+        <p:txBody>
+          <a:bodyPr/>
+          <a:lstStyle/>
+          <a:p>
+            <a:r>
+              <a:rPr lang="en-SG" dirty="0"/>
+              <a:t>Understand Singapore’s tourist spending behaviours and preferences</a:t>
+            </a:r>
+          </a:p>
+          <a:p>
+            <a:r>
+              <a:rPr lang="en-SG" dirty="0"/>
+              <a:t>Is there a strong or weak relationship between travel companions and choice of hotel?</a:t>
+            </a:r>
+            <a:endParaRPr lang="en-US" dirty="0"/>
+          </a:p>
+          <a:p>
+            <a:r>
+              <a:rPr lang="en-US" dirty="0"/>
+              <a:t>How many different segment of visitors can be identified from the survey data</a:t>
+            </a:r>
+            <a:endParaRPr lang="en-SG" dirty="0"/>
+          </a:p>
+        </p:txBody>
+      </p:sp>
+    </p:spTree>
+    <p:extLst>
+      <p:ext uri="{BB962C8B-B14F-4D97-AF65-F5344CB8AC3E}">
+        <p14:creationId xmlns:p14="http://schemas.microsoft.com/office/powerpoint/2010/main" val="873080046"/>
+      </p:ext>
+    </p:extLst>
+  </p:cSld>
+  <p:clrMapOvr>
+    <a:masterClrMapping/>
+  </p:clrMapOvr>
+</p:sld>
+</file>
+
+<file path=ppt/slides/slide5.xml><?xml version="1.0" encoding="utf-8"?>
+<p:sld xmlns:a="http://schemas.openxmlformats.org/drawingml/2006/main" xmlns:r="http://schemas.openxmlformats.org/officeDocument/2006/relationships" xmlns:p="http://schemas.openxmlformats.org/presentationml/2006/main">
+  <p:cSld>
+    <p:spTree>
+      <p:nvGrpSpPr>
+        <p:cNvPr id="1" name=""/>
+        <p:cNvGrpSpPr/>
+        <p:nvPr/>
+      </p:nvGrpSpPr>
+      <p:grpSpPr>
+        <a:xfrm>
+          <a:off x="0" y="0"/>
+          <a:ext cx="0" cy="0"/>
+          <a:chOff x="0" y="0"/>
+          <a:chExt cx="0" cy="0"/>
+        </a:xfrm>
+      </p:grpSpPr>
+      <p:sp>
+        <p:nvSpPr>
+          <p:cNvPr id="2" name="Title 1">
+            <a:extLst>
+              <a:ext uri="{FF2B5EF4-FFF2-40B4-BE49-F238E27FC236}">
+                <a16:creationId xmlns:a16="http://schemas.microsoft.com/office/drawing/2014/main" id="{ED28167C-104E-7553-467F-FA879D49A6B2}"/>
+              </a:ext>
+            </a:extLst>
+          </p:cNvPr>
+          <p:cNvSpPr>
+            <a:spLocks noGrp="1"/>
+          </p:cNvSpPr>
+          <p:nvPr>
+            <p:ph type="title"/>
+          </p:nvPr>
+        </p:nvSpPr>
+        <p:spPr/>
+        <p:txBody>
+          <a:bodyPr/>
+          <a:lstStyle/>
+          <a:p>
+            <a:r>
+              <a:rPr lang="en-SG" dirty="0"/>
+              <a:t>Technical - Workflow</a:t>
+            </a:r>
+          </a:p>
+        </p:txBody>
+      </p:sp>
+      <p:graphicFrame>
+        <p:nvGraphicFramePr>
+          <p:cNvPr id="10" name="Content Placeholder 3">
+            <a:extLst>
+              <a:ext uri="{FF2B5EF4-FFF2-40B4-BE49-F238E27FC236}">
+                <a16:creationId xmlns:a16="http://schemas.microsoft.com/office/drawing/2014/main" id="{17A27733-8D3A-7352-6118-467DAB9D468C}"/>
+              </a:ext>
+            </a:extLst>
+          </p:cNvPr>
+          <p:cNvGraphicFramePr>
+            <a:graphicFrameLocks/>
+          </p:cNvGraphicFramePr>
+          <p:nvPr>
+            <p:extLst>
+              <p:ext uri="{D42A27DB-BD31-4B8C-83A1-F6EECF244321}">
+                <p14:modId xmlns:p14="http://schemas.microsoft.com/office/powerpoint/2010/main" val="2669505859"/>
+              </p:ext>
+            </p:extLst>
+          </p:nvPr>
+        </p:nvGraphicFramePr>
+        <p:xfrm>
+          <a:off x="95534" y="2241550"/>
+          <a:ext cx="11914496" cy="3006013"/>
+        </p:xfrm>
+        <a:graphic>
+          <a:graphicData uri="http://schemas.openxmlformats.org/drawingml/2006/diagram">
+            <dgm:relIds xmlns:dgm="http://schemas.openxmlformats.org/drawingml/2006/diagram" xmlns:r="http://schemas.openxmlformats.org/officeDocument/2006/relationships" r:dm="rId3" r:lo="rId4" r:qs="rId5" r:cs="rId6"/>
+          </a:graphicData>
+        </a:graphic>
+      </p:graphicFrame>
+      <p:sp>
+        <p:nvSpPr>
+          <p:cNvPr id="11" name="TextBox 10">
+            <a:extLst>
+              <a:ext uri="{FF2B5EF4-FFF2-40B4-BE49-F238E27FC236}">
+                <a16:creationId xmlns:a16="http://schemas.microsoft.com/office/drawing/2014/main" id="{B9B82BEA-C4B1-C7C7-8261-FC85760269B2}"/>
+              </a:ext>
+            </a:extLst>
+          </p:cNvPr>
+          <p:cNvSpPr txBox="1"/>
+          <p:nvPr/>
+        </p:nvSpPr>
+        <p:spPr>
+          <a:xfrm>
+            <a:off x="188225" y="1808330"/>
+            <a:ext cx="1591101" cy="1200329"/>
+          </a:xfrm>
+          <a:prstGeom prst="rect">
+            <a:avLst/>
+          </a:prstGeom>
+          <a:noFill/>
+          <a:ln>
+            <a:solidFill>
+              <a:schemeClr val="tx1"/>
+            </a:solidFill>
+          </a:ln>
+        </p:spPr>
+        <p:txBody>
+          <a:bodyPr wrap="square" rtlCol="0">
+            <a:spAutoFit/>
+          </a:bodyPr>
+          <a:lstStyle/>
+          <a:p>
+            <a:r>
+              <a:rPr lang="en-US" b="1" dirty="0"/>
+              <a:t> Step 1: </a:t>
+            </a:r>
+            <a:r>
+              <a:rPr lang="en-US" dirty="0"/>
+              <a:t>Import data using CSV format</a:t>
+            </a:r>
+            <a:endParaRPr lang="en-SG" dirty="0"/>
+          </a:p>
+        </p:txBody>
+      </p:sp>
+      <p:sp>
+        <p:nvSpPr>
+          <p:cNvPr id="12" name="TextBox 11">
+            <a:extLst>
+              <a:ext uri="{FF2B5EF4-FFF2-40B4-BE49-F238E27FC236}">
+                <a16:creationId xmlns:a16="http://schemas.microsoft.com/office/drawing/2014/main" id="{5B1054FA-BC55-8E69-96EF-E12A4F007BC0}"/>
+              </a:ext>
+            </a:extLst>
+          </p:cNvPr>
+          <p:cNvSpPr txBox="1"/>
+          <p:nvPr/>
+        </p:nvSpPr>
+        <p:spPr>
+          <a:xfrm>
+            <a:off x="2473568" y="4321095"/>
+            <a:ext cx="2059105" cy="1200329"/>
+          </a:xfrm>
+          <a:prstGeom prst="rect">
+            <a:avLst/>
+          </a:prstGeom>
+          <a:noFill/>
+          <a:ln>
+            <a:solidFill>
+              <a:schemeClr val="tx1"/>
+            </a:solidFill>
+          </a:ln>
+        </p:spPr>
+        <p:txBody>
+          <a:bodyPr wrap="square" rtlCol="0">
+            <a:spAutoFit/>
+          </a:bodyPr>
+          <a:lstStyle/>
+          <a:p>
+            <a:r>
+              <a:rPr lang="en-US" b="1" dirty="0"/>
+              <a:t> Step 2: </a:t>
+            </a:r>
+            <a:r>
+              <a:rPr lang="en-US" dirty="0"/>
+              <a:t>Understanding the data structure and variable type</a:t>
+            </a:r>
+            <a:endParaRPr lang="en-SG" dirty="0"/>
+          </a:p>
+        </p:txBody>
+      </p:sp>
+      <p:sp>
+        <p:nvSpPr>
+          <p:cNvPr id="13" name="TextBox 12">
+            <a:extLst>
+              <a:ext uri="{FF2B5EF4-FFF2-40B4-BE49-F238E27FC236}">
+                <a16:creationId xmlns:a16="http://schemas.microsoft.com/office/drawing/2014/main" id="{6F3918E0-40E7-512F-9CFC-8EDD6B49F6A4}"/>
+              </a:ext>
+            </a:extLst>
+          </p:cNvPr>
+          <p:cNvSpPr txBox="1"/>
+          <p:nvPr/>
+        </p:nvSpPr>
+        <p:spPr>
+          <a:xfrm>
+            <a:off x="4871778" y="1413689"/>
+            <a:ext cx="2009668" cy="1477328"/>
+          </a:xfrm>
+          <a:prstGeom prst="rect">
+            <a:avLst/>
+          </a:prstGeom>
+          <a:noFill/>
+          <a:ln>
+            <a:solidFill>
+              <a:schemeClr val="tx1"/>
+            </a:solidFill>
+          </a:ln>
+        </p:spPr>
+        <p:txBody>
+          <a:bodyPr wrap="square" rtlCol="0">
+            <a:spAutoFit/>
+          </a:bodyPr>
+          <a:lstStyle/>
+          <a:p>
+            <a:r>
+              <a:rPr lang="en-US" b="1" dirty="0"/>
+              <a:t> Step 3: </a:t>
+            </a:r>
+            <a:r>
+              <a:rPr lang="en-US" dirty="0"/>
+              <a:t>Impute/remove missing values and transforming of variables</a:t>
+            </a:r>
+            <a:endParaRPr lang="en-SG" dirty="0"/>
+          </a:p>
+        </p:txBody>
+      </p:sp>
+      <p:sp>
+        <p:nvSpPr>
+          <p:cNvPr id="14" name="TextBox 13">
+            <a:extLst>
+              <a:ext uri="{FF2B5EF4-FFF2-40B4-BE49-F238E27FC236}">
+                <a16:creationId xmlns:a16="http://schemas.microsoft.com/office/drawing/2014/main" id="{F70A1973-17C9-E8B3-1446-E8238C0E9083}"/>
+              </a:ext>
+            </a:extLst>
+          </p:cNvPr>
+          <p:cNvSpPr txBox="1"/>
+          <p:nvPr/>
+        </p:nvSpPr>
+        <p:spPr>
+          <a:xfrm>
+            <a:off x="7119013" y="4321097"/>
+            <a:ext cx="2059105" cy="923330"/>
+          </a:xfrm>
+          <a:prstGeom prst="rect">
+            <a:avLst/>
+          </a:prstGeom>
+          <a:noFill/>
+          <a:ln>
+            <a:solidFill>
+              <a:schemeClr val="tx1"/>
+            </a:solidFill>
+          </a:ln>
+        </p:spPr>
+        <p:txBody>
+          <a:bodyPr wrap="square" rtlCol="0">
+            <a:spAutoFit/>
+          </a:bodyPr>
+          <a:lstStyle/>
+          <a:p>
+            <a:r>
+              <a:rPr lang="en-US" b="1" dirty="0"/>
+              <a:t> </a:t>
+            </a:r>
+            <a:r>
+              <a:rPr lang="en-US" dirty="0"/>
+              <a:t>Step 4: Select various features to cluster the data</a:t>
+            </a:r>
+            <a:endParaRPr lang="en-SG" dirty="0"/>
+          </a:p>
+        </p:txBody>
+      </p:sp>
+      <p:sp>
+        <p:nvSpPr>
+          <p:cNvPr id="15" name="TextBox 14">
+            <a:extLst>
+              <a:ext uri="{FF2B5EF4-FFF2-40B4-BE49-F238E27FC236}">
+                <a16:creationId xmlns:a16="http://schemas.microsoft.com/office/drawing/2014/main" id="{A1FA8817-5F54-E40F-5C89-36B01EE10A03}"/>
+              </a:ext>
+            </a:extLst>
+          </p:cNvPr>
+          <p:cNvSpPr txBox="1"/>
+          <p:nvPr/>
+        </p:nvSpPr>
+        <p:spPr>
+          <a:xfrm>
+            <a:off x="9474389" y="1702027"/>
+            <a:ext cx="2311400" cy="923330"/>
+          </a:xfrm>
+          <a:prstGeom prst="rect">
+            <a:avLst/>
+          </a:prstGeom>
+          <a:noFill/>
+          <a:ln>
+            <a:solidFill>
+              <a:schemeClr val="tx1"/>
+            </a:solidFill>
+          </a:ln>
+        </p:spPr>
+        <p:txBody>
+          <a:bodyPr wrap="square" rtlCol="0">
+            <a:spAutoFit/>
+          </a:bodyPr>
+          <a:lstStyle/>
+          <a:p>
+            <a:r>
+              <a:rPr lang="en-US" dirty="0"/>
+              <a:t> </a:t>
+            </a:r>
+            <a:r>
+              <a:rPr lang="en-US" b="1" dirty="0"/>
+              <a:t>Step 5: </a:t>
+            </a:r>
+            <a:r>
+              <a:rPr lang="en-US" dirty="0"/>
+              <a:t>Briefly summaries and provide insights</a:t>
+            </a:r>
+            <a:endParaRPr lang="en-SG" dirty="0"/>
+          </a:p>
+        </p:txBody>
+      </p:sp>
+    </p:spTree>
+    <p:extLst>
+      <p:ext uri="{BB962C8B-B14F-4D97-AF65-F5344CB8AC3E}">
+        <p14:creationId xmlns:p14="http://schemas.microsoft.com/office/powerpoint/2010/main" val="475951645"/>
+      </p:ext>
+    </p:extLst>
+  </p:cSld>
+  <p:clrMapOvr>
+    <a:masterClrMapping/>
+  </p:clrMapOvr>
+</p:sld>
+</file>
+
+<file path=ppt/slides/slide6.xml><?xml version="1.0" encoding="utf-8"?>
+<p:sld xmlns:a="http://schemas.openxmlformats.org/drawingml/2006/main" xmlns:r="http://schemas.openxmlformats.org/officeDocument/2006/relationships" xmlns:p="http://schemas.openxmlformats.org/presentationml/2006/main">
+  <p:cSld>
+    <p:spTree>
+      <p:nvGrpSpPr>
+        <p:cNvPr id="1" name=""/>
+        <p:cNvGrpSpPr/>
+        <p:nvPr/>
+      </p:nvGrpSpPr>
+      <p:grpSpPr>
+        <a:xfrm>
+          <a:off x="0" y="0"/>
+          <a:ext cx="0" cy="0"/>
+          <a:chOff x="0" y="0"/>
+          <a:chExt cx="0" cy="0"/>
+        </a:xfrm>
+      </p:grpSpPr>
+      <p:sp>
+        <p:nvSpPr>
+          <p:cNvPr id="2" name="Title 1">
+            <a:extLst>
+              <a:ext uri="{FF2B5EF4-FFF2-40B4-BE49-F238E27FC236}">
+                <a16:creationId xmlns:a16="http://schemas.microsoft.com/office/drawing/2014/main" id="{5C8F536C-7748-34DD-6501-9D4B9F01DFDD}"/>
+              </a:ext>
+            </a:extLst>
+          </p:cNvPr>
+          <p:cNvSpPr>
+            <a:spLocks noGrp="1"/>
+          </p:cNvSpPr>
+          <p:nvPr>
+            <p:ph type="title"/>
+          </p:nvPr>
+        </p:nvSpPr>
+        <p:spPr/>
+        <p:txBody>
+          <a:bodyPr/>
+          <a:lstStyle/>
+          <a:p>
+            <a:r>
+              <a:rPr lang="en-SG" dirty="0"/>
+              <a:t>Technical  - Key issues with the dataset</a:t>
             </a:r>
           </a:p>
         </p:txBody>
@@ -7953,14 +11486,14 @@
             <p:ph idx="1"/>
             <p:extLst>
               <p:ext uri="{D42A27DB-BD31-4B8C-83A1-F6EECF244321}">
-                <p14:modId xmlns:p14="http://schemas.microsoft.com/office/powerpoint/2010/main" val="2795479720"/>
+                <p14:modId xmlns:p14="http://schemas.microsoft.com/office/powerpoint/2010/main" val="4263362117"/>
               </p:ext>
             </p:extLst>
           </p:nvPr>
         </p:nvGraphicFramePr>
         <p:xfrm>
-          <a:off x="838200" y="1825625"/>
-          <a:ext cx="10515597" cy="2763520"/>
+          <a:off x="838203" y="1251194"/>
+          <a:ext cx="10515597" cy="5552440"/>
         </p:xfrm>
         <a:graphic>
           <a:graphicData uri="http://schemas.openxmlformats.org/drawingml/2006/table">
@@ -7998,7 +11531,7 @@
                     <a:lstStyle/>
                     <a:p>
                       <a:r>
-                        <a:rPr lang="en-SG" dirty="0"/>
+                        <a:rPr lang="en-SG" sz="1600" dirty="0"/>
                         <a:t>Variable</a:t>
                       </a:r>
                     </a:p>
@@ -8011,7 +11544,7 @@
                     <a:lstStyle/>
                     <a:p>
                       <a:r>
-                        <a:rPr lang="en-SG" dirty="0"/>
+                        <a:rPr lang="en-SG" sz="1600" dirty="0"/>
                         <a:t>Issues</a:t>
                       </a:r>
                     </a:p>
@@ -8024,7 +11557,7 @@
                     <a:lstStyle/>
                     <a:p>
                       <a:r>
-                        <a:rPr lang="en-SG" dirty="0"/>
+                        <a:rPr lang="en-SG" sz="1600" dirty="0"/>
                         <a:t>Example</a:t>
                       </a:r>
                     </a:p>
@@ -8044,104 +11577,26 @@
                     <a:lstStyle/>
                     <a:p>
                       <a:r>
-                        <a:rPr lang="en-SG" dirty="0" err="1"/>
+                        <a:rPr lang="en-SG" sz="1600" dirty="0" err="1"/>
                         <a:t>Air_Terminal</a:t>
                       </a:r>
                       <a:r>
-                        <a:rPr lang="en-SG" dirty="0"/>
+                        <a:rPr lang="en-SG" sz="1600" dirty="0"/>
                         <a:t>, </a:t>
                       </a:r>
                       <a:r>
-                        <a:rPr lang="en-SG" dirty="0" err="1"/>
+                        <a:rPr lang="en-SG" sz="1600" dirty="0" err="1"/>
                         <a:t>Sea_Terminal</a:t>
                       </a:r>
                       <a:r>
-                        <a:rPr lang="en-SG" dirty="0"/>
+                        <a:rPr lang="en-SG" sz="1600" dirty="0"/>
                         <a:t>, </a:t>
                       </a:r>
                       <a:r>
-                        <a:rPr lang="en-SG" dirty="0" err="1"/>
+                        <a:rPr lang="en-SG" sz="1600" dirty="0" err="1"/>
                         <a:t>Land_Terminal</a:t>
                       </a:r>
-                      <a:endParaRPr lang="en-SG" dirty="0"/>
-                    </a:p>
-                  </a:txBody>
-                  <a:tcPr/>
-                </a:tc>
-                <a:tc>
-                  <a:txBody>
-                    <a:bodyPr/>
-                    <a:lstStyle/>
-                    <a:p>
-                      <a:endParaRPr lang="en-SG"/>
-                    </a:p>
-                  </a:txBody>
-                  <a:tcPr/>
-                </a:tc>
-                <a:tc>
-                  <a:txBody>
-                    <a:bodyPr/>
-                    <a:lstStyle/>
-                    <a:p>
-                      <a:endParaRPr lang="en-SG"/>
-                    </a:p>
-                  </a:txBody>
-                  <a:tcPr/>
-                </a:tc>
-                <a:extLst>
-                  <a:ext uri="{0D108BD9-81ED-4DB2-BD59-A6C34878D82A}">
-                    <a16:rowId xmlns:a16="http://schemas.microsoft.com/office/drawing/2014/main" val="2564508649"/>
-                  </a:ext>
-                </a:extLst>
-              </a:tr>
-              <a:tr h="370840">
-                <a:tc>
-                  <a:txBody>
-                    <a:bodyPr/>
-                    <a:lstStyle/>
-                    <a:p>
-                      <a:r>
-                        <a:rPr lang="en-SG" dirty="0" err="1"/>
-                        <a:t>MainHotel</a:t>
-                      </a:r>
-                      <a:endParaRPr lang="en-SG" dirty="0"/>
-                    </a:p>
-                  </a:txBody>
-                  <a:tcPr/>
-                </a:tc>
-                <a:tc>
-                  <a:txBody>
-                    <a:bodyPr/>
-                    <a:lstStyle/>
-                    <a:p>
-                      <a:endParaRPr lang="en-SG"/>
-                    </a:p>
-                  </a:txBody>
-                  <a:tcPr/>
-                </a:tc>
-                <a:tc>
-                  <a:txBody>
-                    <a:bodyPr/>
-                    <a:lstStyle/>
-                    <a:p>
-                      <a:endParaRPr lang="en-SG"/>
-                    </a:p>
-                  </a:txBody>
-                  <a:tcPr/>
-                </a:tc>
-                <a:extLst>
-                  <a:ext uri="{0D108BD9-81ED-4DB2-BD59-A6C34878D82A}">
-                    <a16:rowId xmlns:a16="http://schemas.microsoft.com/office/drawing/2014/main" val="3100154026"/>
-                  </a:ext>
-                </a:extLst>
-              </a:tr>
-              <a:tr h="370840">
-                <a:tc>
-                  <a:txBody>
-                    <a:bodyPr/>
-                    <a:lstStyle/>
-                    <a:p>
-                      <a:endParaRPr lang="en-SG" dirty="0"/>
+                      <a:endParaRPr lang="en-SG" sz="1600" dirty="0"/>
                     </a:p>
                   </a:txBody>
                   <a:tcPr/>
@@ -8169,12 +11624,12 @@
                         <a:defRPr/>
                       </a:pPr>
                       <a:r>
-                        <a:rPr lang="en-SG" dirty="0"/>
-                        <a:t>Outliers in spending </a:t>
+                        <a:rPr lang="en-SG" sz="1600" dirty="0"/>
+                        <a:t>There are 3 cases where mode of travel is not recorded</a:t>
                       </a:r>
                     </a:p>
                     <a:p>
-                      <a:endParaRPr lang="en-SG" dirty="0"/>
+                      <a:endParaRPr lang="en-SG" sz="1600" dirty="0"/>
                     </a:p>
                   </a:txBody>
                   <a:tcPr/>
@@ -8184,7 +11639,210 @@
                     <a:bodyPr/>
                     <a:lstStyle/>
                     <a:p>
-                      <a:endParaRPr lang="en-SG"/>
+                      <a:r>
+                        <a:rPr lang="en-SG" sz="1600" dirty="0"/>
+                        <a:t>Cases 695, 806, 819 have missing mode of travel</a:t>
+                      </a:r>
+                    </a:p>
+                  </a:txBody>
+                  <a:tcPr/>
+                </a:tc>
+                <a:extLst>
+                  <a:ext uri="{0D108BD9-81ED-4DB2-BD59-A6C34878D82A}">
+                    <a16:rowId xmlns:a16="http://schemas.microsoft.com/office/drawing/2014/main" val="2564508649"/>
+                  </a:ext>
+                </a:extLst>
+              </a:tr>
+              <a:tr h="370840">
+                <a:tc>
+                  <a:txBody>
+                    <a:bodyPr/>
+                    <a:lstStyle/>
+                    <a:p>
+                      <a:r>
+                        <a:rPr lang="en-SG" sz="1600" dirty="0" err="1"/>
+                        <a:t>MainHotel</a:t>
+                      </a:r>
+                      <a:endParaRPr lang="en-SG" sz="1600" dirty="0"/>
+                    </a:p>
+                  </a:txBody>
+                  <a:tcPr/>
+                </a:tc>
+                <a:tc>
+                  <a:txBody>
+                    <a:bodyPr/>
+                    <a:lstStyle/>
+                    <a:p>
+                      <a:r>
+                        <a:rPr lang="en-SG" sz="1600" dirty="0"/>
+                        <a:t>There is a discrepancy</a:t>
+                      </a:r>
+                    </a:p>
+                  </a:txBody>
+                  <a:tcPr/>
+                </a:tc>
+                <a:tc>
+                  <a:txBody>
+                    <a:bodyPr/>
+                    <a:lstStyle/>
+                    <a:p>
+                      <a:pPr marL="0" marR="0" lvl="0" indent="0" algn="l" defTabSz="914400" rtl="0" eaLnBrk="1" fontAlgn="auto" latinLnBrk="0" hangingPunct="1">
+                        <a:lnSpc>
+                          <a:spcPct val="100000"/>
+                        </a:lnSpc>
+                        <a:spcBef>
+                          <a:spcPts val="0"/>
+                        </a:spcBef>
+                        <a:spcAft>
+                          <a:spcPts val="0"/>
+                        </a:spcAft>
+                        <a:buClrTx/>
+                        <a:buSzTx/>
+                        <a:buFontTx/>
+                        <a:buNone/>
+                        <a:tabLst/>
+                        <a:defRPr/>
+                      </a:pPr>
+                      <a:r>
+                        <a:rPr lang="en-SG" sz="1600" dirty="0"/>
+                        <a:t>6688 cases of </a:t>
+                      </a:r>
+                      <a:r>
+                        <a:rPr lang="en-SG" sz="1600" dirty="0" err="1"/>
+                        <a:t>MainHotel</a:t>
+                      </a:r>
+                      <a:r>
+                        <a:rPr lang="en-SG" sz="1600" dirty="0"/>
+                        <a:t> had  missing data</a:t>
+                      </a:r>
+                    </a:p>
+                    <a:p>
+                      <a:pPr marL="0" marR="0" lvl="0" indent="0" algn="l" defTabSz="914400" rtl="0" eaLnBrk="1" fontAlgn="auto" latinLnBrk="0" hangingPunct="1">
+                        <a:lnSpc>
+                          <a:spcPct val="100000"/>
+                        </a:lnSpc>
+                        <a:spcBef>
+                          <a:spcPts val="0"/>
+                        </a:spcBef>
+                        <a:spcAft>
+                          <a:spcPts val="0"/>
+                        </a:spcAft>
+                        <a:buClrTx/>
+                        <a:buSzTx/>
+                        <a:buFontTx/>
+                        <a:buNone/>
+                        <a:tabLst/>
+                        <a:defRPr/>
+                      </a:pPr>
+                      <a:r>
+                        <a:rPr lang="en-SG" sz="1600" dirty="0"/>
+                        <a:t>7028 cases of c4a_1 had missing data</a:t>
+                      </a:r>
+                    </a:p>
+                    <a:p>
+                      <a:endParaRPr lang="en-SG" sz="1600" dirty="0"/>
+                    </a:p>
+                  </a:txBody>
+                  <a:tcPr/>
+                </a:tc>
+                <a:extLst>
+                  <a:ext uri="{0D108BD9-81ED-4DB2-BD59-A6C34878D82A}">
+                    <a16:rowId xmlns:a16="http://schemas.microsoft.com/office/drawing/2014/main" val="3100154026"/>
+                  </a:ext>
+                </a:extLst>
+              </a:tr>
+              <a:tr h="370840">
+                <a:tc>
+                  <a:txBody>
+                    <a:bodyPr/>
+                    <a:lstStyle/>
+                    <a:p>
+                      <a:r>
+                        <a:rPr lang="en-SG" sz="1600" dirty="0" err="1"/>
+                        <a:t>avg_daily_expense</a:t>
+                      </a:r>
+                      <a:endParaRPr lang="en-SG" sz="1600" dirty="0"/>
+                    </a:p>
+                    <a:p>
+                      <a:r>
+                        <a:rPr lang="en-US" sz="1600" dirty="0" err="1"/>
+                        <a:t>df_cleaned</a:t>
+                      </a:r>
+                      <a:r>
+                        <a:rPr lang="en-US" sz="1600" dirty="0"/>
+                        <a:t>['</a:t>
+                      </a:r>
+                      <a:r>
+                        <a:rPr lang="en-US" sz="1600" dirty="0" err="1"/>
+                        <a:t>tot.exp</a:t>
+                      </a:r>
+                      <a:r>
+                        <a:rPr lang="en-US" sz="1600" dirty="0"/>
+                        <a:t>'] / </a:t>
+                      </a:r>
+                      <a:r>
+                        <a:rPr lang="en-US" sz="1600" dirty="0" err="1"/>
+                        <a:t>df_cleaned</a:t>
+                      </a:r>
+                      <a:r>
+                        <a:rPr lang="en-US" sz="1600" dirty="0"/>
+                        <a:t>['Length of </a:t>
+                      </a:r>
+                      <a:r>
+                        <a:rPr lang="en-US" sz="1600" dirty="0" err="1"/>
+                        <a:t>Stay_fixed</a:t>
+                      </a:r>
+                      <a:r>
+                        <a:rPr lang="en-US" sz="1600" dirty="0"/>
+                        <a:t>']</a:t>
+                      </a:r>
+                      <a:endParaRPr lang="en-SG" sz="1600" dirty="0"/>
+                    </a:p>
+                  </a:txBody>
+                  <a:tcPr/>
+                </a:tc>
+                <a:tc>
+                  <a:txBody>
+                    <a:bodyPr/>
+                    <a:lstStyle/>
+                    <a:p>
+                      <a:pPr marL="0" marR="0" lvl="0" indent="0" algn="l" defTabSz="914400" rtl="0" eaLnBrk="1" fontAlgn="auto" latinLnBrk="0" hangingPunct="1">
+                        <a:lnSpc>
+                          <a:spcPct val="100000"/>
+                        </a:lnSpc>
+                        <a:spcBef>
+                          <a:spcPts val="0"/>
+                        </a:spcBef>
+                        <a:spcAft>
+                          <a:spcPts val="0"/>
+                        </a:spcAft>
+                        <a:buClrTx/>
+                        <a:buSzTx/>
+                        <a:buFontTx/>
+                        <a:buNone/>
+                        <a:tabLst/>
+                        <a:defRPr/>
+                      </a:pPr>
+                      <a:r>
+                        <a:rPr lang="en-SG" sz="1600" dirty="0"/>
+                        <a:t>Outliers in spending </a:t>
+                      </a:r>
+                    </a:p>
+                    <a:p>
+                      <a:endParaRPr lang="en-SG" sz="1600" dirty="0"/>
+                    </a:p>
+                  </a:txBody>
+                  <a:tcPr/>
+                </a:tc>
+                <a:tc>
+                  <a:txBody>
+                    <a:bodyPr/>
+                    <a:lstStyle/>
+                    <a:p>
+                      <a:r>
+                        <a:rPr lang="en-SG" sz="1600" dirty="0"/>
+                        <a:t>There were people who didn’t spend any money and max spending was 22959</a:t>
+                      </a:r>
                     </a:p>
                   </a:txBody>
                   <a:tcPr/>
@@ -8201,7 +11859,10 @@
                     <a:bodyPr/>
                     <a:lstStyle/>
                     <a:p>
-                      <a:endParaRPr lang="en-SG"/>
+                      <a:r>
+                        <a:rPr lang="en-SG" sz="1600" dirty="0"/>
+                        <a:t>Travel companion columns</a:t>
+                      </a:r>
                     </a:p>
                   </a:txBody>
                   <a:tcPr/>
@@ -8211,7 +11872,10 @@
                     <a:bodyPr/>
                     <a:lstStyle/>
                     <a:p>
-                      <a:endParaRPr lang="en-SG"/>
+                      <a:r>
+                        <a:rPr lang="en-SG" sz="1600" dirty="0"/>
+                        <a:t>There are cases where who they are travelling with is not recorded</a:t>
+                      </a:r>
                     </a:p>
                   </a:txBody>
                   <a:tcPr/>
@@ -8221,7 +11885,55 @@
                     <a:bodyPr/>
                     <a:lstStyle/>
                     <a:p>
-                      <a:endParaRPr lang="en-SG"/>
+                      <a:pPr marL="285750" indent="-285750">
+                        <a:buFont typeface="Arial" panose="020B0604020202020204" pitchFamily="34" charset="0"/>
+                        <a:buChar char="•"/>
+                      </a:pPr>
+                      <a:r>
+                        <a:rPr lang="en-US" sz="1600" dirty="0"/>
+                        <a:t>Family 11779</a:t>
+                      </a:r>
+                    </a:p>
+                    <a:p>
+                      <a:pPr marL="285750" indent="-285750">
+                        <a:buFont typeface="Arial" panose="020B0604020202020204" pitchFamily="34" charset="0"/>
+                        <a:buChar char="•"/>
+                      </a:pPr>
+                      <a:r>
+                        <a:rPr lang="en-US" sz="1600" dirty="0"/>
+                        <a:t>Alone 5703 </a:t>
+                      </a:r>
+                    </a:p>
+                    <a:p>
+                      <a:pPr marL="285750" indent="-285750">
+                        <a:buFont typeface="Arial" panose="020B0604020202020204" pitchFamily="34" charset="0"/>
+                        <a:buChar char="•"/>
+                      </a:pPr>
+                      <a:r>
+                        <a:rPr lang="en-US" sz="1600" dirty="0"/>
+                        <a:t>Not stated 4363 </a:t>
+                      </a:r>
+                    </a:p>
+                    <a:p>
+                      <a:pPr marL="285750" indent="-285750">
+                        <a:buFont typeface="Arial" panose="020B0604020202020204" pitchFamily="34" charset="0"/>
+                        <a:buChar char="•"/>
+                      </a:pPr>
+                      <a:r>
+                        <a:rPr lang="en-US" sz="1600" dirty="0"/>
+                        <a:t>Business 920 </a:t>
+                      </a:r>
+                    </a:p>
+                    <a:p>
+                      <a:pPr marL="285750" indent="-285750">
+                        <a:buFont typeface="Arial" panose="020B0604020202020204" pitchFamily="34" charset="0"/>
+                        <a:buChar char="•"/>
+                      </a:pPr>
+                      <a:r>
+                        <a:rPr lang="en-US" sz="1600" dirty="0"/>
+                        <a:t>Others 194</a:t>
+                      </a:r>
+                      <a:endParaRPr lang="en-SG" sz="1600" dirty="0"/>
                     </a:p>
                   </a:txBody>
                   <a:tcPr/>
@@ -8238,7 +11950,10 @@
                     <a:bodyPr/>
                     <a:lstStyle/>
                     <a:p>
-                      <a:endParaRPr lang="en-SG"/>
+                      <a:r>
+                        <a:rPr lang="en-SG" sz="1600" dirty="0"/>
+                        <a:t>Length of stay varies significantly</a:t>
+                      </a:r>
                     </a:p>
                   </a:txBody>
                   <a:tcPr/>
@@ -8248,7 +11963,27 @@
                     <a:bodyPr/>
                     <a:lstStyle/>
                     <a:p>
-                      <a:endParaRPr lang="en-SG"/>
+                      <a:pPr marL="0" marR="0" lvl="0" indent="0" algn="l" defTabSz="914400" rtl="0" eaLnBrk="1" fontAlgn="auto" latinLnBrk="0" hangingPunct="1">
+                        <a:lnSpc>
+                          <a:spcPct val="100000"/>
+                        </a:lnSpc>
+                        <a:spcBef>
+                          <a:spcPts val="0"/>
+                        </a:spcBef>
+                        <a:spcAft>
+                          <a:spcPts val="0"/>
+                        </a:spcAft>
+                        <a:buClrTx/>
+                        <a:buSzTx/>
+                        <a:buFontTx/>
+                        <a:buNone/>
+                        <a:tabLst/>
+                        <a:defRPr/>
+                      </a:pPr>
+                      <a:r>
+                        <a:rPr lang="en-SG" sz="1600" dirty="0"/>
+                        <a:t>There are cases uneven sample</a:t>
+                      </a:r>
                     </a:p>
                   </a:txBody>
                   <a:tcPr/>
@@ -8258,7 +11993,10 @@
                     <a:bodyPr/>
                     <a:lstStyle/>
                     <a:p>
-                      <a:endParaRPr lang="en-SG" dirty="0"/>
+                      <a:r>
+                        <a:rPr lang="en-SG" sz="1600" dirty="0"/>
+                        <a:t>People staying from days ranging from 0 to 60 days</a:t>
+                      </a:r>
                     </a:p>
                   </a:txBody>
                   <a:tcPr/>
@@ -8266,6 +12004,69 @@
                 <a:extLst>
                   <a:ext uri="{0D108BD9-81ED-4DB2-BD59-A6C34878D82A}">
                     <a16:rowId xmlns:a16="http://schemas.microsoft.com/office/drawing/2014/main" val="523676578"/>
+                  </a:ext>
+                </a:extLst>
+              </a:tr>
+              <a:tr h="370840">
+                <a:tc>
+                  <a:txBody>
+                    <a:bodyPr/>
+                    <a:lstStyle/>
+                    <a:p>
+                      <a:r>
+                        <a:rPr lang="en-SG" sz="1600" dirty="0"/>
+                        <a:t>15 variables</a:t>
+                      </a:r>
+                    </a:p>
+                  </a:txBody>
+                  <a:tcPr/>
+                </a:tc>
+                <a:tc>
+                  <a:txBody>
+                    <a:bodyPr/>
+                    <a:lstStyle/>
+                    <a:p>
+                      <a:pPr marL="0" marR="0" lvl="0" indent="0" algn="l" defTabSz="914400" rtl="0" eaLnBrk="1" fontAlgn="auto" latinLnBrk="0" hangingPunct="1">
+                        <a:lnSpc>
+                          <a:spcPct val="100000"/>
+                        </a:lnSpc>
+                        <a:spcBef>
+                          <a:spcPts val="0"/>
+                        </a:spcBef>
+                        <a:spcAft>
+                          <a:spcPts val="0"/>
+                        </a:spcAft>
+                        <a:buClrTx/>
+                        <a:buSzTx/>
+                        <a:buFontTx/>
+                        <a:buNone/>
+                        <a:tabLst/>
+                        <a:defRPr/>
+                      </a:pPr>
+                      <a:r>
+                        <a:rPr lang="en-SG" sz="1600" dirty="0"/>
+                        <a:t>Missing values found in 15 variables</a:t>
+                      </a:r>
+                    </a:p>
+                  </a:txBody>
+                  <a:tcPr/>
+                </a:tc>
+                <a:tc>
+                  <a:txBody>
+                    <a:bodyPr/>
+                    <a:lstStyle/>
+                    <a:p>
+                      <a:r>
+                        <a:rPr lang="en-SG" sz="1600" dirty="0"/>
+                        <a:t>Examples include some shopping variables, purpose of visit</a:t>
+                      </a:r>
+                    </a:p>
+                  </a:txBody>
+                  <a:tcPr/>
+                </a:tc>
+                <a:extLst>
+                  <a:ext uri="{0D108BD9-81ED-4DB2-BD59-A6C34878D82A}">
+                    <a16:rowId xmlns:a16="http://schemas.microsoft.com/office/drawing/2014/main" val="643349405"/>
                   </a:ext>
                 </a:extLst>
               </a:tr>
@@ -8286,12 +12087,18 @@
 </p:sld>
 </file>
 
-<file path=ppt/slides/slide2.xml><?xml version="1.0" encoding="utf-8"?>
+<file path=ppt/slides/slide7.xml><?xml version="1.0" encoding="utf-8"?>
 <p:sld xmlns:a="http://schemas.openxmlformats.org/drawingml/2006/main" xmlns:r="http://schemas.openxmlformats.org/officeDocument/2006/relationships" xmlns:p="http://schemas.openxmlformats.org/presentationml/2006/main">
   <p:cSld>
     <p:spTree>
       <p:nvGrpSpPr>
-        <p:cNvPr id="1" name=""/>
+        <p:cNvPr id="1" name="">
+          <a:extLst>
+            <a:ext uri="{FF2B5EF4-FFF2-40B4-BE49-F238E27FC236}">
+              <a16:creationId xmlns:a16="http://schemas.microsoft.com/office/drawing/2014/main" id="{AF03C509-0621-B2DB-4ABC-61D8706C4F2D}"/>
+            </a:ext>
+          </a:extLst>
+        </p:cNvPr>
         <p:cNvGrpSpPr/>
         <p:nvPr/>
       </p:nvGrpSpPr>
@@ -8308,7 +12115,7 @@
           <p:cNvPr id="2" name="Title 1">
             <a:extLst>
               <a:ext uri="{FF2B5EF4-FFF2-40B4-BE49-F238E27FC236}">
-                <a16:creationId xmlns:a16="http://schemas.microsoft.com/office/drawing/2014/main" id="{9F028BCC-13BF-5767-5F9B-40B983437A73}"/>
+                <a16:creationId xmlns:a16="http://schemas.microsoft.com/office/drawing/2014/main" id="{A5DD3722-7DC2-1220-3929-20F7471348FE}"/>
               </a:ext>
             </a:extLst>
           </p:cNvPr>
@@ -8326,805 +12133,589 @@
           <a:p>
             <a:r>
               <a:rPr lang="en-SG" dirty="0"/>
-              <a:t>Overview</a:t>
+              <a:t>Technical  - How key issues were resolved</a:t>
             </a:r>
           </a:p>
         </p:txBody>
       </p:sp>
-      <p:sp>
-        <p:nvSpPr>
-          <p:cNvPr id="3" name="Content Placeholder 2">
-            <a:extLst>
-              <a:ext uri="{FF2B5EF4-FFF2-40B4-BE49-F238E27FC236}">
-                <a16:creationId xmlns:a16="http://schemas.microsoft.com/office/drawing/2014/main" id="{A8F0BDE0-1EBF-F10B-AE8A-F88F37A971B8}"/>
-              </a:ext>
-            </a:extLst>
-          </p:cNvPr>
-          <p:cNvSpPr>
-            <a:spLocks noGrp="1"/>
-          </p:cNvSpPr>
+      <p:graphicFrame>
+        <p:nvGraphicFramePr>
+          <p:cNvPr id="4" name="Content Placeholder 3">
+            <a:extLst>
+              <a:ext uri="{FF2B5EF4-FFF2-40B4-BE49-F238E27FC236}">
+                <a16:creationId xmlns:a16="http://schemas.microsoft.com/office/drawing/2014/main" id="{6B391745-EF47-35AF-578F-5F179D0F744B}"/>
+              </a:ext>
+            </a:extLst>
+          </p:cNvPr>
+          <p:cNvGraphicFramePr>
+            <a:graphicFrameLocks noGrp="1"/>
+          </p:cNvGraphicFramePr>
           <p:nvPr>
             <p:ph idx="1"/>
-          </p:nvPr>
-        </p:nvSpPr>
-        <p:spPr/>
-        <p:txBody>
-          <a:bodyPr/>
-          <a:lstStyle/>
-          <a:p>
-            <a:r>
-              <a:rPr lang="en-SG" dirty="0"/>
-              <a:t>Background information</a:t>
-            </a:r>
-          </a:p>
-          <a:p>
-            <a:r>
-              <a:rPr lang="en-SG" dirty="0"/>
-              <a:t>Problem statements</a:t>
-            </a:r>
-          </a:p>
-          <a:p>
-            <a:r>
-              <a:rPr lang="en-SG" dirty="0"/>
-              <a:t>Technical </a:t>
-            </a:r>
-          </a:p>
-          <a:p>
-            <a:r>
-              <a:rPr lang="en-SG" dirty="0"/>
-              <a:t>Non-technical </a:t>
-            </a:r>
-          </a:p>
-          <a:p>
-            <a:r>
-              <a:rPr lang="en-SG" dirty="0"/>
-              <a:t>Recommendations</a:t>
-            </a:r>
-          </a:p>
-        </p:txBody>
-      </p:sp>
+            <p:extLst>
+              <p:ext uri="{D42A27DB-BD31-4B8C-83A1-F6EECF244321}">
+                <p14:modId xmlns:p14="http://schemas.microsoft.com/office/powerpoint/2010/main" val="930185048"/>
+              </p:ext>
+            </p:extLst>
+          </p:nvPr>
+        </p:nvGraphicFramePr>
+        <p:xfrm>
+          <a:off x="838203" y="1251194"/>
+          <a:ext cx="10515597" cy="5064760"/>
+        </p:xfrm>
+        <a:graphic>
+          <a:graphicData uri="http://schemas.openxmlformats.org/drawingml/2006/table">
+            <a:tbl>
+              <a:tblPr firstRow="1" bandRow="1">
+                <a:tableStyleId>{5C22544A-7EE6-4342-B048-85BDC9FD1C3A}</a:tableStyleId>
+              </a:tblPr>
+              <a:tblGrid>
+                <a:gridCol w="3505199">
+                  <a:extLst>
+                    <a:ext uri="{9D8B030D-6E8A-4147-A177-3AD203B41FA5}">
+                      <a16:colId xmlns:a16="http://schemas.microsoft.com/office/drawing/2014/main" val="2226555946"/>
+                    </a:ext>
+                  </a:extLst>
+                </a:gridCol>
+                <a:gridCol w="3505199">
+                  <a:extLst>
+                    <a:ext uri="{9D8B030D-6E8A-4147-A177-3AD203B41FA5}">
+                      <a16:colId xmlns:a16="http://schemas.microsoft.com/office/drawing/2014/main" val="2457024921"/>
+                    </a:ext>
+                  </a:extLst>
+                </a:gridCol>
+                <a:gridCol w="3505199">
+                  <a:extLst>
+                    <a:ext uri="{9D8B030D-6E8A-4147-A177-3AD203B41FA5}">
+                      <a16:colId xmlns:a16="http://schemas.microsoft.com/office/drawing/2014/main" val="2210551042"/>
+                    </a:ext>
+                  </a:extLst>
+                </a:gridCol>
+              </a:tblGrid>
+              <a:tr h="370840">
+                <a:tc>
+                  <a:txBody>
+                    <a:bodyPr/>
+                    <a:lstStyle/>
+                    <a:p>
+                      <a:r>
+                        <a:rPr lang="en-SG" sz="1600" dirty="0"/>
+                        <a:t>Variable</a:t>
+                      </a:r>
+                    </a:p>
+                  </a:txBody>
+                  <a:tcPr/>
+                </a:tc>
+                <a:tc>
+                  <a:txBody>
+                    <a:bodyPr/>
+                    <a:lstStyle/>
+                    <a:p>
+                      <a:r>
+                        <a:rPr lang="en-SG" sz="1600" dirty="0"/>
+                        <a:t>Issues</a:t>
+                      </a:r>
+                    </a:p>
+                  </a:txBody>
+                  <a:tcPr/>
+                </a:tc>
+                <a:tc>
+                  <a:txBody>
+                    <a:bodyPr/>
+                    <a:lstStyle/>
+                    <a:p>
+                      <a:r>
+                        <a:rPr lang="en-SG" sz="1600" dirty="0"/>
+                        <a:t>Solution</a:t>
+                      </a:r>
+                    </a:p>
+                  </a:txBody>
+                  <a:tcPr/>
+                </a:tc>
+                <a:extLst>
+                  <a:ext uri="{0D108BD9-81ED-4DB2-BD59-A6C34878D82A}">
+                    <a16:rowId xmlns:a16="http://schemas.microsoft.com/office/drawing/2014/main" val="1670797662"/>
+                  </a:ext>
+                </a:extLst>
+              </a:tr>
+              <a:tr h="370840">
+                <a:tc>
+                  <a:txBody>
+                    <a:bodyPr/>
+                    <a:lstStyle/>
+                    <a:p>
+                      <a:r>
+                        <a:rPr lang="en-SG" sz="1600" dirty="0" err="1"/>
+                        <a:t>Air_Terminal</a:t>
+                      </a:r>
+                      <a:r>
+                        <a:rPr lang="en-SG" sz="1600" dirty="0"/>
+                        <a:t>, </a:t>
+                      </a:r>
+                      <a:r>
+                        <a:rPr lang="en-SG" sz="1600" dirty="0" err="1"/>
+                        <a:t>Sea_Terminal</a:t>
+                      </a:r>
+                      <a:r>
+                        <a:rPr lang="en-SG" sz="1600" dirty="0"/>
+                        <a:t>, </a:t>
+                      </a:r>
+                      <a:r>
+                        <a:rPr lang="en-SG" sz="1600" dirty="0" err="1"/>
+                        <a:t>Land_Terminal</a:t>
+                      </a:r>
+                      <a:endParaRPr lang="en-SG" sz="1600" dirty="0"/>
+                    </a:p>
+                  </a:txBody>
+                  <a:tcPr/>
+                </a:tc>
+                <a:tc>
+                  <a:txBody>
+                    <a:bodyPr/>
+                    <a:lstStyle/>
+                    <a:p>
+                      <a:pPr marL="0" marR="0" lvl="0" indent="0" algn="l" defTabSz="914400" rtl="0" eaLnBrk="1" fontAlgn="auto" latinLnBrk="0" hangingPunct="1">
+                        <a:lnSpc>
+                          <a:spcPct val="100000"/>
+                        </a:lnSpc>
+                        <a:spcBef>
+                          <a:spcPts val="0"/>
+                        </a:spcBef>
+                        <a:spcAft>
+                          <a:spcPts val="0"/>
+                        </a:spcAft>
+                        <a:buClrTx/>
+                        <a:buSzTx/>
+                        <a:buFontTx/>
+                        <a:buNone/>
+                        <a:tabLst/>
+                        <a:defRPr/>
+                      </a:pPr>
+                      <a:r>
+                        <a:rPr lang="en-SG" sz="1600" dirty="0"/>
+                        <a:t>There are 3 cases where mode of travel is not recorded</a:t>
+                      </a:r>
+                    </a:p>
+                    <a:p>
+                      <a:endParaRPr lang="en-SG" sz="1600" dirty="0"/>
+                    </a:p>
+                  </a:txBody>
+                  <a:tcPr/>
+                </a:tc>
+                <a:tc>
+                  <a:txBody>
+                    <a:bodyPr/>
+                    <a:lstStyle/>
+                    <a:p>
+                      <a:r>
+                        <a:rPr lang="en-SG" sz="1600" dirty="0"/>
+                        <a:t>Deleted the 3 cases</a:t>
+                      </a:r>
+                    </a:p>
+                  </a:txBody>
+                  <a:tcPr/>
+                </a:tc>
+                <a:extLst>
+                  <a:ext uri="{0D108BD9-81ED-4DB2-BD59-A6C34878D82A}">
+                    <a16:rowId xmlns:a16="http://schemas.microsoft.com/office/drawing/2014/main" val="2564508649"/>
+                  </a:ext>
+                </a:extLst>
+              </a:tr>
+              <a:tr h="370840">
+                <a:tc>
+                  <a:txBody>
+                    <a:bodyPr/>
+                    <a:lstStyle/>
+                    <a:p>
+                      <a:r>
+                        <a:rPr lang="en-SG" sz="1600" dirty="0" err="1"/>
+                        <a:t>MainHotel</a:t>
+                      </a:r>
+                      <a:endParaRPr lang="en-SG" sz="1600" dirty="0"/>
+                    </a:p>
+                  </a:txBody>
+                  <a:tcPr/>
+                </a:tc>
+                <a:tc>
+                  <a:txBody>
+                    <a:bodyPr/>
+                    <a:lstStyle/>
+                    <a:p>
+                      <a:r>
+                        <a:rPr lang="en-SG" sz="1600" dirty="0"/>
+                        <a:t>There is a discrepancy between </a:t>
+                      </a:r>
+                      <a:r>
+                        <a:rPr lang="en-SG" sz="1600" dirty="0" err="1"/>
+                        <a:t>MainHotel</a:t>
+                      </a:r>
+                      <a:r>
+                        <a:rPr lang="en-SG" sz="1600" dirty="0"/>
+                        <a:t> and c4a_1</a:t>
+                      </a:r>
+                    </a:p>
+                  </a:txBody>
+                  <a:tcPr/>
+                </a:tc>
+                <a:tc>
+                  <a:txBody>
+                    <a:bodyPr/>
+                    <a:lstStyle/>
+                    <a:p>
+                      <a:pPr marL="0" marR="0" lvl="0" indent="0" algn="l" defTabSz="914400" rtl="0" eaLnBrk="1" fontAlgn="auto" latinLnBrk="0" hangingPunct="1">
+                        <a:lnSpc>
+                          <a:spcPct val="100000"/>
+                        </a:lnSpc>
+                        <a:spcBef>
+                          <a:spcPts val="0"/>
+                        </a:spcBef>
+                        <a:spcAft>
+                          <a:spcPts val="0"/>
+                        </a:spcAft>
+                        <a:buClrTx/>
+                        <a:buSzTx/>
+                        <a:buFontTx/>
+                        <a:buNone/>
+                        <a:tabLst/>
+                        <a:defRPr/>
+                      </a:pPr>
+                      <a:r>
+                        <a:rPr lang="en-SG" sz="1600" dirty="0"/>
+                        <a:t>Did not used these columns as they were not central for my analysis</a:t>
+                      </a:r>
+                    </a:p>
+                    <a:p>
+                      <a:endParaRPr lang="en-SG" sz="1600" dirty="0"/>
+                    </a:p>
+                  </a:txBody>
+                  <a:tcPr/>
+                </a:tc>
+                <a:extLst>
+                  <a:ext uri="{0D108BD9-81ED-4DB2-BD59-A6C34878D82A}">
+                    <a16:rowId xmlns:a16="http://schemas.microsoft.com/office/drawing/2014/main" val="3100154026"/>
+                  </a:ext>
+                </a:extLst>
+              </a:tr>
+              <a:tr h="370840">
+                <a:tc>
+                  <a:txBody>
+                    <a:bodyPr/>
+                    <a:lstStyle/>
+                    <a:p>
+                      <a:r>
+                        <a:rPr lang="en-SG" sz="1600" dirty="0" err="1"/>
+                        <a:t>avg_daily_expense</a:t>
+                      </a:r>
+                      <a:endParaRPr lang="en-SG" sz="1600" dirty="0"/>
+                    </a:p>
+                    <a:p>
+                      <a:r>
+                        <a:rPr lang="en-US" sz="1600" dirty="0" err="1"/>
+                        <a:t>df_cleaned</a:t>
+                      </a:r>
+                      <a:r>
+                        <a:rPr lang="en-US" sz="1600" dirty="0"/>
+                        <a:t>['</a:t>
+                      </a:r>
+                      <a:r>
+                        <a:rPr lang="en-US" sz="1600" dirty="0" err="1"/>
+                        <a:t>tot.exp</a:t>
+                      </a:r>
+                      <a:r>
+                        <a:rPr lang="en-US" sz="1600" dirty="0"/>
+                        <a:t>'] / </a:t>
+                      </a:r>
+                      <a:r>
+                        <a:rPr lang="en-US" sz="1600" dirty="0" err="1"/>
+                        <a:t>df_cleaned</a:t>
+                      </a:r>
+                      <a:r>
+                        <a:rPr lang="en-US" sz="1600" dirty="0"/>
+                        <a:t>['Length of </a:t>
+                      </a:r>
+                      <a:r>
+                        <a:rPr lang="en-US" sz="1600" dirty="0" err="1"/>
+                        <a:t>Stay_fixed</a:t>
+                      </a:r>
+                      <a:r>
+                        <a:rPr lang="en-US" sz="1600" dirty="0"/>
+                        <a:t>']</a:t>
+                      </a:r>
+                      <a:endParaRPr lang="en-SG" sz="1600" dirty="0"/>
+                    </a:p>
+                  </a:txBody>
+                  <a:tcPr/>
+                </a:tc>
+                <a:tc>
+                  <a:txBody>
+                    <a:bodyPr/>
+                    <a:lstStyle/>
+                    <a:p>
+                      <a:pPr marL="0" marR="0" lvl="0" indent="0" algn="l" defTabSz="914400" rtl="0" eaLnBrk="1" fontAlgn="auto" latinLnBrk="0" hangingPunct="1">
+                        <a:lnSpc>
+                          <a:spcPct val="100000"/>
+                        </a:lnSpc>
+                        <a:spcBef>
+                          <a:spcPts val="0"/>
+                        </a:spcBef>
+                        <a:spcAft>
+                          <a:spcPts val="0"/>
+                        </a:spcAft>
+                        <a:buClrTx/>
+                        <a:buSzTx/>
+                        <a:buFontTx/>
+                        <a:buNone/>
+                        <a:tabLst/>
+                        <a:defRPr/>
+                      </a:pPr>
+                      <a:r>
+                        <a:rPr lang="en-SG" sz="1600" dirty="0"/>
+                        <a:t>Outliers in spending </a:t>
+                      </a:r>
+                    </a:p>
+                    <a:p>
+                      <a:endParaRPr lang="en-SG" sz="1600" dirty="0"/>
+                    </a:p>
+                  </a:txBody>
+                  <a:tcPr/>
+                </a:tc>
+                <a:tc>
+                  <a:txBody>
+                    <a:bodyPr/>
+                    <a:lstStyle/>
+                    <a:p>
+                      <a:r>
+                        <a:rPr lang="en-SG" sz="1600" dirty="0"/>
+                        <a:t>Where the 0 days stayed was converted to 1, this is to allow the calculation to be calculated correctly</a:t>
+                      </a:r>
+                    </a:p>
+                  </a:txBody>
+                  <a:tcPr/>
+                </a:tc>
+                <a:extLst>
+                  <a:ext uri="{0D108BD9-81ED-4DB2-BD59-A6C34878D82A}">
+                    <a16:rowId xmlns:a16="http://schemas.microsoft.com/office/drawing/2014/main" val="3472419351"/>
+                  </a:ext>
+                </a:extLst>
+              </a:tr>
+              <a:tr h="370840">
+                <a:tc>
+                  <a:txBody>
+                    <a:bodyPr/>
+                    <a:lstStyle/>
+                    <a:p>
+                      <a:r>
+                        <a:rPr lang="en-SG" sz="1600" dirty="0"/>
+                        <a:t>Travel companion columns</a:t>
+                      </a:r>
+                    </a:p>
+                  </a:txBody>
+                  <a:tcPr/>
+                </a:tc>
+                <a:tc>
+                  <a:txBody>
+                    <a:bodyPr/>
+                    <a:lstStyle/>
+                    <a:p>
+                      <a:r>
+                        <a:rPr lang="en-SG" sz="1600" dirty="0"/>
+                        <a:t>There are cases where who they are travelling with is not recorded</a:t>
+                      </a:r>
+                    </a:p>
+                  </a:txBody>
+                  <a:tcPr/>
+                </a:tc>
+                <a:tc>
+                  <a:txBody>
+                    <a:bodyPr/>
+                    <a:lstStyle/>
+                    <a:p>
+                      <a:pPr marL="0" indent="0">
+                        <a:buFont typeface="Arial" panose="020B0604020202020204" pitchFamily="34" charset="0"/>
+                        <a:buNone/>
+                      </a:pPr>
+                      <a:r>
+                        <a:rPr lang="en-US" sz="1600" dirty="0"/>
+                        <a:t>A 2 new columns was created to take into account these issues</a:t>
+                      </a:r>
+                      <a:endParaRPr lang="en-SG" sz="1600" dirty="0"/>
+                    </a:p>
+                  </a:txBody>
+                  <a:tcPr/>
+                </a:tc>
+                <a:extLst>
+                  <a:ext uri="{0D108BD9-81ED-4DB2-BD59-A6C34878D82A}">
+                    <a16:rowId xmlns:a16="http://schemas.microsoft.com/office/drawing/2014/main" val="3992598890"/>
+                  </a:ext>
+                </a:extLst>
+              </a:tr>
+              <a:tr h="370840">
+                <a:tc>
+                  <a:txBody>
+                    <a:bodyPr/>
+                    <a:lstStyle/>
+                    <a:p>
+                      <a:r>
+                        <a:rPr lang="en-SG" sz="1600" dirty="0"/>
+                        <a:t>Length of stay</a:t>
+                      </a:r>
+                    </a:p>
+                  </a:txBody>
+                  <a:tcPr/>
+                </a:tc>
+                <a:tc>
+                  <a:txBody>
+                    <a:bodyPr/>
+                    <a:lstStyle/>
+                    <a:p>
+                      <a:pPr marL="0" marR="0" lvl="0" indent="0" algn="l" defTabSz="914400" rtl="0" eaLnBrk="1" fontAlgn="auto" latinLnBrk="0" hangingPunct="1">
+                        <a:lnSpc>
+                          <a:spcPct val="100000"/>
+                        </a:lnSpc>
+                        <a:spcBef>
+                          <a:spcPts val="0"/>
+                        </a:spcBef>
+                        <a:spcAft>
+                          <a:spcPts val="0"/>
+                        </a:spcAft>
+                        <a:buClrTx/>
+                        <a:buSzTx/>
+                        <a:buFontTx/>
+                        <a:buNone/>
+                        <a:tabLst/>
+                        <a:defRPr/>
+                      </a:pPr>
+                      <a:r>
+                        <a:rPr lang="en-SG" sz="1600" dirty="0"/>
+                        <a:t>People who stay</a:t>
+                      </a:r>
+                    </a:p>
+                  </a:txBody>
+                  <a:tcPr/>
+                </a:tc>
+                <a:tc>
+                  <a:txBody>
+                    <a:bodyPr/>
+                    <a:lstStyle/>
+                    <a:p>
+                      <a:r>
+                        <a:rPr lang="en-SG" sz="1600" dirty="0"/>
+                        <a:t>Grouped length on stay into 3 categories – short stay, medium stay, and long stay</a:t>
+                      </a:r>
+                    </a:p>
+                  </a:txBody>
+                  <a:tcPr/>
+                </a:tc>
+                <a:extLst>
+                  <a:ext uri="{0D108BD9-81ED-4DB2-BD59-A6C34878D82A}">
+                    <a16:rowId xmlns:a16="http://schemas.microsoft.com/office/drawing/2014/main" val="523676578"/>
+                  </a:ext>
+                </a:extLst>
+              </a:tr>
+              <a:tr h="370840">
+                <a:tc>
+                  <a:txBody>
+                    <a:bodyPr/>
+                    <a:lstStyle/>
+                    <a:p>
+                      <a:r>
+                        <a:rPr lang="en-SG" sz="1600" dirty="0" err="1"/>
+                        <a:t>shopping_fash</a:t>
+                      </a:r>
+                      <a:r>
+                        <a:rPr lang="en-SG" sz="1600" dirty="0"/>
+                        <a:t>, </a:t>
+                      </a:r>
+                      <a:r>
+                        <a:rPr lang="en-SG" sz="1600" dirty="0" err="1"/>
+                        <a:t>shopping_food</a:t>
+                      </a:r>
+                      <a:r>
+                        <a:rPr lang="en-SG" sz="1600" dirty="0"/>
+                        <a:t>, </a:t>
+                      </a:r>
+                      <a:r>
+                        <a:rPr lang="en-SG" sz="1600" dirty="0" err="1"/>
+                        <a:t>shopping_gifts</a:t>
+                      </a:r>
+                      <a:r>
+                        <a:rPr lang="en-SG" sz="1600" dirty="0"/>
+                        <a:t>, </a:t>
+                      </a:r>
+                      <a:r>
+                        <a:rPr lang="en-SG" sz="1600" dirty="0" err="1"/>
+                        <a:t>shopping_others</a:t>
+                      </a:r>
+                      <a:r>
+                        <a:rPr lang="en-SG" sz="1600" dirty="0"/>
+                        <a:t>, </a:t>
+                      </a:r>
+                      <a:r>
+                        <a:rPr lang="en-SG" sz="1600" dirty="0" err="1"/>
+                        <a:t>shopping_any</a:t>
+                      </a:r>
+                      <a:endParaRPr lang="en-SG" sz="1600" dirty="0"/>
+                    </a:p>
+                  </a:txBody>
+                  <a:tcPr/>
+                </a:tc>
+                <a:tc>
+                  <a:txBody>
+                    <a:bodyPr/>
+                    <a:lstStyle/>
+                    <a:p>
+                      <a:pPr marL="0" marR="0" lvl="0" indent="0" algn="l" defTabSz="914400" rtl="0" eaLnBrk="1" fontAlgn="auto" latinLnBrk="0" hangingPunct="1">
+                        <a:lnSpc>
+                          <a:spcPct val="100000"/>
+                        </a:lnSpc>
+                        <a:spcBef>
+                          <a:spcPts val="0"/>
+                        </a:spcBef>
+                        <a:spcAft>
+                          <a:spcPts val="0"/>
+                        </a:spcAft>
+                        <a:buClrTx/>
+                        <a:buSzTx/>
+                        <a:buFontTx/>
+                        <a:buNone/>
+                        <a:tabLst/>
+                        <a:defRPr/>
+                      </a:pPr>
+                      <a:r>
+                        <a:rPr lang="en-SG" sz="1600" dirty="0"/>
+                        <a:t>Missing values for these variables</a:t>
+                      </a:r>
+                    </a:p>
+                  </a:txBody>
+                  <a:tcPr/>
+                </a:tc>
+                <a:tc>
+                  <a:txBody>
+                    <a:bodyPr/>
+                    <a:lstStyle/>
+                    <a:p>
+                      <a:r>
+                        <a:rPr lang="en-SG" sz="1600" dirty="0"/>
+                        <a:t>K nearest neighbours to impute the variables </a:t>
+                      </a:r>
+                    </a:p>
+                  </a:txBody>
+                  <a:tcPr/>
+                </a:tc>
+                <a:extLst>
+                  <a:ext uri="{0D108BD9-81ED-4DB2-BD59-A6C34878D82A}">
+                    <a16:rowId xmlns:a16="http://schemas.microsoft.com/office/drawing/2014/main" val="2145910753"/>
+                  </a:ext>
+                </a:extLst>
+              </a:tr>
+            </a:tbl>
+          </a:graphicData>
+        </a:graphic>
+      </p:graphicFrame>
     </p:spTree>
     <p:extLst>
       <p:ext uri="{BB962C8B-B14F-4D97-AF65-F5344CB8AC3E}">
-        <p14:creationId xmlns:p14="http://schemas.microsoft.com/office/powerpoint/2010/main" val="720422697"/>
-      </p:ext>
-    </p:extLst>
-  </p:cSld>
-  <p:clrMapOvr>
-    <a:masterClrMapping/>
-  </p:clrMapOvr>
-</p:sld>
-</file>
-
-<file path=ppt/slides/slide3.xml><?xml version="1.0" encoding="utf-8"?>
-<p:sld xmlns:a="http://schemas.openxmlformats.org/drawingml/2006/main" xmlns:r="http://schemas.openxmlformats.org/officeDocument/2006/relationships" xmlns:p="http://schemas.openxmlformats.org/presentationml/2006/main">
-  <p:cSld>
-    <p:spTree>
-      <p:nvGrpSpPr>
-        <p:cNvPr id="1" name=""/>
-        <p:cNvGrpSpPr/>
-        <p:nvPr/>
-      </p:nvGrpSpPr>
-      <p:grpSpPr>
-        <a:xfrm>
-          <a:off x="0" y="0"/>
-          <a:ext cx="0" cy="0"/>
-          <a:chOff x="0" y="0"/>
-          <a:chExt cx="0" cy="0"/>
-        </a:xfrm>
-      </p:grpSpPr>
-      <p:sp>
-        <p:nvSpPr>
-          <p:cNvPr id="2" name="Title 1">
-            <a:extLst>
-              <a:ext uri="{FF2B5EF4-FFF2-40B4-BE49-F238E27FC236}">
-                <a16:creationId xmlns:a16="http://schemas.microsoft.com/office/drawing/2014/main" id="{0F378861-05E1-4707-D6B0-9B48D084FBD6}"/>
-              </a:ext>
-            </a:extLst>
-          </p:cNvPr>
-          <p:cNvSpPr>
-            <a:spLocks noGrp="1"/>
-          </p:cNvSpPr>
-          <p:nvPr>
-            <p:ph type="title"/>
-          </p:nvPr>
-        </p:nvSpPr>
-        <p:spPr/>
-        <p:txBody>
-          <a:bodyPr/>
-          <a:lstStyle/>
-          <a:p>
-            <a:r>
-              <a:rPr lang="en-SG" dirty="0"/>
-              <a:t>Background information</a:t>
-            </a:r>
-          </a:p>
-        </p:txBody>
-      </p:sp>
-      <p:sp>
-        <p:nvSpPr>
-          <p:cNvPr id="3" name="Content Placeholder 2">
-            <a:extLst>
-              <a:ext uri="{FF2B5EF4-FFF2-40B4-BE49-F238E27FC236}">
-                <a16:creationId xmlns:a16="http://schemas.microsoft.com/office/drawing/2014/main" id="{86E18C16-CC10-4BC7-76EB-9344ECD8467E}"/>
-              </a:ext>
-            </a:extLst>
-          </p:cNvPr>
-          <p:cNvSpPr>
-            <a:spLocks noGrp="1"/>
-          </p:cNvSpPr>
-          <p:nvPr>
-            <p:ph idx="1"/>
-          </p:nvPr>
-        </p:nvSpPr>
-        <p:spPr/>
-        <p:txBody>
-          <a:bodyPr/>
-          <a:lstStyle/>
-          <a:p>
-            <a:r>
-              <a:rPr lang="en-SG" dirty="0"/>
-              <a:t>The dataset provided contains the following:</a:t>
-            </a:r>
-          </a:p>
-          <a:p>
-            <a:pPr lvl="1"/>
-            <a:r>
-              <a:rPr lang="en-SG" dirty="0"/>
-              <a:t>Year, month</a:t>
-            </a:r>
-          </a:p>
-          <a:p>
-            <a:pPr lvl="1"/>
-            <a:r>
-              <a:rPr lang="en-SG" dirty="0"/>
-              <a:t>Purpose of visit</a:t>
-            </a:r>
-          </a:p>
-          <a:p>
-            <a:pPr lvl="1"/>
-            <a:r>
-              <a:rPr lang="en-SG" dirty="0"/>
-              <a:t>Mode of transport</a:t>
-            </a:r>
-          </a:p>
-          <a:p>
-            <a:pPr lvl="1"/>
-            <a:r>
-              <a:rPr lang="en-SG" dirty="0"/>
-              <a:t>Length of stay</a:t>
-            </a:r>
-          </a:p>
-          <a:p>
-            <a:pPr lvl="1"/>
-            <a:r>
-              <a:rPr lang="en-SG" dirty="0"/>
-              <a:t>Travel type (Packaged vs. non packaged tour)</a:t>
-            </a:r>
-          </a:p>
-          <a:p>
-            <a:pPr lvl="1"/>
-            <a:r>
-              <a:rPr lang="en-SG" dirty="0"/>
-              <a:t>Martial Status</a:t>
-            </a:r>
-          </a:p>
-          <a:p>
-            <a:pPr lvl="1"/>
-            <a:r>
-              <a:rPr lang="en-SG" dirty="0"/>
-              <a:t>Occupation </a:t>
-            </a:r>
-          </a:p>
-          <a:p>
-            <a:pPr lvl="1"/>
-            <a:r>
-              <a:rPr lang="en-SG" dirty="0"/>
-              <a:t>Shopping and other expenses</a:t>
-            </a:r>
-          </a:p>
-          <a:p>
-            <a:pPr lvl="1"/>
-            <a:r>
-              <a:rPr lang="en-SG" dirty="0"/>
-              <a:t>Whether they travelled alone</a:t>
-            </a:r>
-          </a:p>
-          <a:p>
-            <a:pPr lvl="1"/>
-            <a:endParaRPr lang="en-SG" dirty="0"/>
-          </a:p>
-        </p:txBody>
-      </p:sp>
-    </p:spTree>
-    <p:extLst>
-      <p:ext uri="{BB962C8B-B14F-4D97-AF65-F5344CB8AC3E}">
-        <p14:creationId xmlns:p14="http://schemas.microsoft.com/office/powerpoint/2010/main" val="1175303852"/>
-      </p:ext>
-    </p:extLst>
-  </p:cSld>
-  <p:clrMapOvr>
-    <a:masterClrMapping/>
-  </p:clrMapOvr>
-</p:sld>
-</file>
-
-<file path=ppt/slides/slide4.xml><?xml version="1.0" encoding="utf-8"?>
-<p:sld xmlns:a="http://schemas.openxmlformats.org/drawingml/2006/main" xmlns:r="http://schemas.openxmlformats.org/officeDocument/2006/relationships" xmlns:p="http://schemas.openxmlformats.org/presentationml/2006/main">
-  <p:cSld>
-    <p:spTree>
-      <p:nvGrpSpPr>
-        <p:cNvPr id="1" name=""/>
-        <p:cNvGrpSpPr/>
-        <p:nvPr/>
-      </p:nvGrpSpPr>
-      <p:grpSpPr>
-        <a:xfrm>
-          <a:off x="0" y="0"/>
-          <a:ext cx="0" cy="0"/>
-          <a:chOff x="0" y="0"/>
-          <a:chExt cx="0" cy="0"/>
-        </a:xfrm>
-      </p:grpSpPr>
-      <p:sp>
-        <p:nvSpPr>
-          <p:cNvPr id="2" name="Title 1">
-            <a:extLst>
-              <a:ext uri="{FF2B5EF4-FFF2-40B4-BE49-F238E27FC236}">
-                <a16:creationId xmlns:a16="http://schemas.microsoft.com/office/drawing/2014/main" id="{596EBCBE-E5BF-E4A4-9C9D-3CC1CBC5B115}"/>
-              </a:ext>
-            </a:extLst>
-          </p:cNvPr>
-          <p:cNvSpPr>
-            <a:spLocks noGrp="1"/>
-          </p:cNvSpPr>
-          <p:nvPr>
-            <p:ph type="title"/>
-          </p:nvPr>
-        </p:nvSpPr>
-        <p:spPr/>
-        <p:txBody>
-          <a:bodyPr/>
-          <a:lstStyle/>
-          <a:p>
-            <a:r>
-              <a:rPr lang="en-SG" dirty="0"/>
-              <a:t>Problem statements</a:t>
-            </a:r>
-          </a:p>
-        </p:txBody>
-      </p:sp>
-      <p:sp>
-        <p:nvSpPr>
-          <p:cNvPr id="3" name="Content Placeholder 2">
-            <a:extLst>
-              <a:ext uri="{FF2B5EF4-FFF2-40B4-BE49-F238E27FC236}">
-                <a16:creationId xmlns:a16="http://schemas.microsoft.com/office/drawing/2014/main" id="{46242B04-05A6-E7AD-ED3D-2EB10BAC1251}"/>
-              </a:ext>
-            </a:extLst>
-          </p:cNvPr>
-          <p:cNvSpPr>
-            <a:spLocks noGrp="1"/>
-          </p:cNvSpPr>
-          <p:nvPr>
-            <p:ph idx="1"/>
-          </p:nvPr>
-        </p:nvSpPr>
-        <p:spPr/>
-        <p:txBody>
-          <a:bodyPr/>
-          <a:lstStyle/>
-          <a:p>
-            <a:r>
-              <a:rPr lang="en-SG" dirty="0"/>
-              <a:t>Understand Singapore’s tourist spending behaviours and preferences</a:t>
-            </a:r>
-          </a:p>
-          <a:p>
-            <a:r>
-              <a:rPr lang="en-SG" dirty="0"/>
-              <a:t>Is there a strong or weak relationship between travel companions and choice of hotel?</a:t>
-            </a:r>
-            <a:endParaRPr lang="en-US" dirty="0"/>
-          </a:p>
-          <a:p>
-            <a:r>
-              <a:rPr lang="en-US" dirty="0"/>
-              <a:t>How many different segment of visitors can be identified from the survey data</a:t>
-            </a:r>
-            <a:endParaRPr lang="en-SG" dirty="0"/>
-          </a:p>
-        </p:txBody>
-      </p:sp>
-    </p:spTree>
-    <p:extLst>
-      <p:ext uri="{BB962C8B-B14F-4D97-AF65-F5344CB8AC3E}">
-        <p14:creationId xmlns:p14="http://schemas.microsoft.com/office/powerpoint/2010/main" val="873080046"/>
-      </p:ext>
-    </p:extLst>
-  </p:cSld>
-  <p:clrMapOvr>
-    <a:masterClrMapping/>
-  </p:clrMapOvr>
-</p:sld>
-</file>
-
-<file path=ppt/slides/slide5.xml><?xml version="1.0" encoding="utf-8"?>
-<p:sld xmlns:a="http://schemas.openxmlformats.org/drawingml/2006/main" xmlns:r="http://schemas.openxmlformats.org/officeDocument/2006/relationships" xmlns:p="http://schemas.openxmlformats.org/presentationml/2006/main">
-  <p:cSld>
-    <p:spTree>
-      <p:nvGrpSpPr>
-        <p:cNvPr id="1" name=""/>
-        <p:cNvGrpSpPr/>
-        <p:nvPr/>
-      </p:nvGrpSpPr>
-      <p:grpSpPr>
-        <a:xfrm>
-          <a:off x="0" y="0"/>
-          <a:ext cx="0" cy="0"/>
-          <a:chOff x="0" y="0"/>
-          <a:chExt cx="0" cy="0"/>
-        </a:xfrm>
-      </p:grpSpPr>
-      <p:sp>
-        <p:nvSpPr>
-          <p:cNvPr id="2" name="Title 1">
-            <a:extLst>
-              <a:ext uri="{FF2B5EF4-FFF2-40B4-BE49-F238E27FC236}">
-                <a16:creationId xmlns:a16="http://schemas.microsoft.com/office/drawing/2014/main" id="{ED28167C-104E-7553-467F-FA879D49A6B2}"/>
-              </a:ext>
-            </a:extLst>
-          </p:cNvPr>
-          <p:cNvSpPr>
-            <a:spLocks noGrp="1"/>
-          </p:cNvSpPr>
-          <p:nvPr>
-            <p:ph type="title"/>
-          </p:nvPr>
-        </p:nvSpPr>
-        <p:spPr/>
-        <p:txBody>
-          <a:bodyPr/>
-          <a:lstStyle/>
-          <a:p>
-            <a:r>
-              <a:rPr lang="en-SG" dirty="0"/>
-              <a:t>Technical - Workflow</a:t>
-            </a:r>
-          </a:p>
-        </p:txBody>
-      </p:sp>
-      <p:graphicFrame>
-        <p:nvGraphicFramePr>
-          <p:cNvPr id="10" name="Content Placeholder 3">
-            <a:extLst>
-              <a:ext uri="{FF2B5EF4-FFF2-40B4-BE49-F238E27FC236}">
-                <a16:creationId xmlns:a16="http://schemas.microsoft.com/office/drawing/2014/main" id="{17A27733-8D3A-7352-6118-467DAB9D468C}"/>
-              </a:ext>
-            </a:extLst>
-          </p:cNvPr>
-          <p:cNvGraphicFramePr>
-            <a:graphicFrameLocks/>
-          </p:cNvGraphicFramePr>
-          <p:nvPr>
-            <p:extLst>
-              <p:ext uri="{D42A27DB-BD31-4B8C-83A1-F6EECF244321}">
-                <p14:modId xmlns:p14="http://schemas.microsoft.com/office/powerpoint/2010/main" val="700699089"/>
-              </p:ext>
-            </p:extLst>
-          </p:nvPr>
-        </p:nvGraphicFramePr>
-        <p:xfrm>
-          <a:off x="95534" y="2241550"/>
-          <a:ext cx="11914496" cy="3006013"/>
-        </p:xfrm>
-        <a:graphic>
-          <a:graphicData uri="http://schemas.openxmlformats.org/drawingml/2006/diagram">
-            <dgm:relIds xmlns:dgm="http://schemas.openxmlformats.org/drawingml/2006/diagram" xmlns:r="http://schemas.openxmlformats.org/officeDocument/2006/relationships" r:dm="rId3" r:lo="rId4" r:qs="rId5" r:cs="rId6"/>
-          </a:graphicData>
-        </a:graphic>
-      </p:graphicFrame>
-      <p:sp>
-        <p:nvSpPr>
-          <p:cNvPr id="11" name="TextBox 10">
-            <a:extLst>
-              <a:ext uri="{FF2B5EF4-FFF2-40B4-BE49-F238E27FC236}">
-                <a16:creationId xmlns:a16="http://schemas.microsoft.com/office/drawing/2014/main" id="{B9B82BEA-C4B1-C7C7-8261-FC85760269B2}"/>
-              </a:ext>
-            </a:extLst>
-          </p:cNvPr>
-          <p:cNvSpPr txBox="1"/>
-          <p:nvPr/>
-        </p:nvSpPr>
-        <p:spPr>
-          <a:xfrm>
-            <a:off x="188225" y="1808330"/>
-            <a:ext cx="1591101" cy="1200329"/>
-          </a:xfrm>
-          <a:prstGeom prst="rect">
-            <a:avLst/>
-          </a:prstGeom>
-          <a:noFill/>
-          <a:ln>
-            <a:solidFill>
-              <a:schemeClr val="tx1"/>
-            </a:solidFill>
-          </a:ln>
-        </p:spPr>
-        <p:txBody>
-          <a:bodyPr wrap="square" rtlCol="0">
-            <a:spAutoFit/>
-          </a:bodyPr>
-          <a:lstStyle/>
-          <a:p>
-            <a:r>
-              <a:rPr lang="en-US" b="1" dirty="0"/>
-              <a:t> Step 1: </a:t>
-            </a:r>
-            <a:r>
-              <a:rPr lang="en-US" dirty="0"/>
-              <a:t>Import data using CSV format</a:t>
-            </a:r>
-            <a:endParaRPr lang="en-SG" dirty="0"/>
-          </a:p>
-        </p:txBody>
-      </p:sp>
-      <p:sp>
-        <p:nvSpPr>
-          <p:cNvPr id="12" name="TextBox 11">
-            <a:extLst>
-              <a:ext uri="{FF2B5EF4-FFF2-40B4-BE49-F238E27FC236}">
-                <a16:creationId xmlns:a16="http://schemas.microsoft.com/office/drawing/2014/main" id="{5B1054FA-BC55-8E69-96EF-E12A4F007BC0}"/>
-              </a:ext>
-            </a:extLst>
-          </p:cNvPr>
-          <p:cNvSpPr txBox="1"/>
-          <p:nvPr/>
-        </p:nvSpPr>
-        <p:spPr>
-          <a:xfrm>
-            <a:off x="2473568" y="4321095"/>
-            <a:ext cx="2059105" cy="1200329"/>
-          </a:xfrm>
-          <a:prstGeom prst="rect">
-            <a:avLst/>
-          </a:prstGeom>
-          <a:noFill/>
-          <a:ln>
-            <a:solidFill>
-              <a:schemeClr val="tx1"/>
-            </a:solidFill>
-          </a:ln>
-        </p:spPr>
-        <p:txBody>
-          <a:bodyPr wrap="square" rtlCol="0">
-            <a:spAutoFit/>
-          </a:bodyPr>
-          <a:lstStyle/>
-          <a:p>
-            <a:r>
-              <a:rPr lang="en-US" b="1" dirty="0"/>
-              <a:t> Step 2: </a:t>
-            </a:r>
-            <a:r>
-              <a:rPr lang="en-US" dirty="0"/>
-              <a:t>Understanding the data structure and variable type</a:t>
-            </a:r>
-            <a:endParaRPr lang="en-SG" dirty="0"/>
-          </a:p>
-        </p:txBody>
-      </p:sp>
-      <p:sp>
-        <p:nvSpPr>
-          <p:cNvPr id="13" name="TextBox 12">
-            <a:extLst>
-              <a:ext uri="{FF2B5EF4-FFF2-40B4-BE49-F238E27FC236}">
-                <a16:creationId xmlns:a16="http://schemas.microsoft.com/office/drawing/2014/main" id="{6F3918E0-40E7-512F-9CFC-8EDD6B49F6A4}"/>
-              </a:ext>
-            </a:extLst>
-          </p:cNvPr>
-          <p:cNvSpPr txBox="1"/>
-          <p:nvPr/>
-        </p:nvSpPr>
-        <p:spPr>
-          <a:xfrm>
-            <a:off x="4871778" y="1413689"/>
-            <a:ext cx="2009668" cy="1477328"/>
-          </a:xfrm>
-          <a:prstGeom prst="rect">
-            <a:avLst/>
-          </a:prstGeom>
-          <a:noFill/>
-          <a:ln>
-            <a:solidFill>
-              <a:schemeClr val="tx1"/>
-            </a:solidFill>
-          </a:ln>
-        </p:spPr>
-        <p:txBody>
-          <a:bodyPr wrap="square" rtlCol="0">
-            <a:spAutoFit/>
-          </a:bodyPr>
-          <a:lstStyle/>
-          <a:p>
-            <a:r>
-              <a:rPr lang="en-US" b="1" dirty="0"/>
-              <a:t> Step 3: </a:t>
-            </a:r>
-            <a:r>
-              <a:rPr lang="en-US" dirty="0"/>
-              <a:t>Impute/remove missing values and transforming of variables</a:t>
-            </a:r>
-            <a:endParaRPr lang="en-SG" dirty="0"/>
-          </a:p>
-        </p:txBody>
-      </p:sp>
-      <p:sp>
-        <p:nvSpPr>
-          <p:cNvPr id="14" name="TextBox 13">
-            <a:extLst>
-              <a:ext uri="{FF2B5EF4-FFF2-40B4-BE49-F238E27FC236}">
-                <a16:creationId xmlns:a16="http://schemas.microsoft.com/office/drawing/2014/main" id="{F70A1973-17C9-E8B3-1446-E8238C0E9083}"/>
-              </a:ext>
-            </a:extLst>
-          </p:cNvPr>
-          <p:cNvSpPr txBox="1"/>
-          <p:nvPr/>
-        </p:nvSpPr>
-        <p:spPr>
-          <a:xfrm>
-            <a:off x="7119013" y="4321097"/>
-            <a:ext cx="2059105" cy="1200329"/>
-          </a:xfrm>
-          <a:prstGeom prst="rect">
-            <a:avLst/>
-          </a:prstGeom>
-          <a:noFill/>
-          <a:ln>
-            <a:solidFill>
-              <a:schemeClr val="tx1"/>
-            </a:solidFill>
-          </a:ln>
-        </p:spPr>
-        <p:txBody>
-          <a:bodyPr wrap="square" rtlCol="0">
-            <a:spAutoFit/>
-          </a:bodyPr>
-          <a:lstStyle/>
-          <a:p>
-            <a:r>
-              <a:rPr lang="en-US" b="1" dirty="0"/>
-              <a:t> Step 4: </a:t>
-            </a:r>
-            <a:r>
-              <a:rPr lang="en-US" dirty="0"/>
-              <a:t>Select model(s) that is most appropriate for the dataset.</a:t>
-            </a:r>
-            <a:endParaRPr lang="en-SG" dirty="0"/>
-          </a:p>
-        </p:txBody>
-      </p:sp>
-      <p:sp>
-        <p:nvSpPr>
-          <p:cNvPr id="15" name="TextBox 14">
-            <a:extLst>
-              <a:ext uri="{FF2B5EF4-FFF2-40B4-BE49-F238E27FC236}">
-                <a16:creationId xmlns:a16="http://schemas.microsoft.com/office/drawing/2014/main" id="{A1FA8817-5F54-E40F-5C89-36B01EE10A03}"/>
-              </a:ext>
-            </a:extLst>
-          </p:cNvPr>
-          <p:cNvSpPr txBox="1"/>
-          <p:nvPr/>
-        </p:nvSpPr>
-        <p:spPr>
-          <a:xfrm>
-            <a:off x="9474389" y="1702027"/>
-            <a:ext cx="2311400" cy="1200329"/>
-          </a:xfrm>
-          <a:prstGeom prst="rect">
-            <a:avLst/>
-          </a:prstGeom>
-          <a:noFill/>
-          <a:ln>
-            <a:solidFill>
-              <a:schemeClr val="tx1"/>
-            </a:solidFill>
-          </a:ln>
-        </p:spPr>
-        <p:txBody>
-          <a:bodyPr wrap="square" rtlCol="0">
-            <a:spAutoFit/>
-          </a:bodyPr>
-          <a:lstStyle/>
-          <a:p>
-            <a:r>
-              <a:rPr lang="en-US" dirty="0"/>
-              <a:t> </a:t>
-            </a:r>
-            <a:r>
-              <a:rPr lang="en-US" b="1" dirty="0"/>
-              <a:t>Step 5: </a:t>
-            </a:r>
-            <a:r>
-              <a:rPr lang="en-US" dirty="0"/>
-              <a:t>Briefly summaries the model findings and insights</a:t>
-            </a:r>
-            <a:endParaRPr lang="en-SG" dirty="0"/>
-          </a:p>
-        </p:txBody>
-      </p:sp>
-    </p:spTree>
-    <p:extLst>
-      <p:ext uri="{BB962C8B-B14F-4D97-AF65-F5344CB8AC3E}">
-        <p14:creationId xmlns:p14="http://schemas.microsoft.com/office/powerpoint/2010/main" val="475951645"/>
-      </p:ext>
-    </p:extLst>
-  </p:cSld>
-  <p:clrMapOvr>
-    <a:masterClrMapping/>
-  </p:clrMapOvr>
-</p:sld>
-</file>
-
-<file path=ppt/slides/slide6.xml><?xml version="1.0" encoding="utf-8"?>
-<p:sld xmlns:a="http://schemas.openxmlformats.org/drawingml/2006/main" xmlns:r="http://schemas.openxmlformats.org/officeDocument/2006/relationships" xmlns:p="http://schemas.openxmlformats.org/presentationml/2006/main">
-  <p:cSld>
-    <p:spTree>
-      <p:nvGrpSpPr>
-        <p:cNvPr id="1" name=""/>
-        <p:cNvGrpSpPr/>
-        <p:nvPr/>
-      </p:nvGrpSpPr>
-      <p:grpSpPr>
-        <a:xfrm>
-          <a:off x="0" y="0"/>
-          <a:ext cx="0" cy="0"/>
-          <a:chOff x="0" y="0"/>
-          <a:chExt cx="0" cy="0"/>
-        </a:xfrm>
-      </p:grpSpPr>
-      <p:sp>
-        <p:nvSpPr>
-          <p:cNvPr id="2" name="Title 1">
-            <a:extLst>
-              <a:ext uri="{FF2B5EF4-FFF2-40B4-BE49-F238E27FC236}">
-                <a16:creationId xmlns:a16="http://schemas.microsoft.com/office/drawing/2014/main" id="{7849B003-FDA7-C556-2489-26102B8854B8}"/>
-              </a:ext>
-            </a:extLst>
-          </p:cNvPr>
-          <p:cNvSpPr>
-            <a:spLocks noGrp="1"/>
-          </p:cNvSpPr>
-          <p:nvPr>
-            <p:ph type="title"/>
-          </p:nvPr>
-        </p:nvSpPr>
-        <p:spPr/>
-        <p:txBody>
-          <a:bodyPr/>
-          <a:lstStyle/>
-          <a:p>
-            <a:endParaRPr lang="en-SG"/>
-          </a:p>
-        </p:txBody>
-      </p:sp>
-      <p:pic>
-        <p:nvPicPr>
-          <p:cNvPr id="5" name="Content Placeholder 4">
-            <a:extLst>
-              <a:ext uri="{FF2B5EF4-FFF2-40B4-BE49-F238E27FC236}">
-                <a16:creationId xmlns:a16="http://schemas.microsoft.com/office/drawing/2014/main" id="{AEEB55BF-6F96-B334-4BD3-ABA08973DAFE}"/>
-              </a:ext>
-            </a:extLst>
-          </p:cNvPr>
-          <p:cNvPicPr>
-            <a:picLocks noGrp="1" noChangeAspect="1"/>
-          </p:cNvPicPr>
-          <p:nvPr>
-            <p:ph idx="1"/>
-          </p:nvPr>
-        </p:nvPicPr>
-        <p:blipFill>
-          <a:blip r:embed="rId2"/>
-          <a:stretch>
-            <a:fillRect/>
-          </a:stretch>
-        </p:blipFill>
-        <p:spPr>
-          <a:xfrm>
-            <a:off x="1756508" y="1825625"/>
-            <a:ext cx="8678983" cy="4351338"/>
-          </a:xfrm>
-        </p:spPr>
-      </p:pic>
-    </p:spTree>
-    <p:extLst>
-      <p:ext uri="{BB962C8B-B14F-4D97-AF65-F5344CB8AC3E}">
-        <p14:creationId xmlns:p14="http://schemas.microsoft.com/office/powerpoint/2010/main" val="1215024576"/>
-      </p:ext>
-    </p:extLst>
-  </p:cSld>
-  <p:clrMapOvr>
-    <a:masterClrMapping/>
-  </p:clrMapOvr>
-</p:sld>
-</file>
-
-<file path=ppt/slides/slide7.xml><?xml version="1.0" encoding="utf-8"?>
-<p:sld xmlns:a="http://schemas.openxmlformats.org/drawingml/2006/main" xmlns:r="http://schemas.openxmlformats.org/officeDocument/2006/relationships" xmlns:p="http://schemas.openxmlformats.org/presentationml/2006/main">
-  <p:cSld>
-    <p:spTree>
-      <p:nvGrpSpPr>
-        <p:cNvPr id="1" name=""/>
-        <p:cNvGrpSpPr/>
-        <p:nvPr/>
-      </p:nvGrpSpPr>
-      <p:grpSpPr>
-        <a:xfrm>
-          <a:off x="0" y="0"/>
-          <a:ext cx="0" cy="0"/>
-          <a:chOff x="0" y="0"/>
-          <a:chExt cx="0" cy="0"/>
-        </a:xfrm>
-      </p:grpSpPr>
-      <p:sp>
-        <p:nvSpPr>
-          <p:cNvPr id="2" name="Title 1">
-            <a:extLst>
-              <a:ext uri="{FF2B5EF4-FFF2-40B4-BE49-F238E27FC236}">
-                <a16:creationId xmlns:a16="http://schemas.microsoft.com/office/drawing/2014/main" id="{77FF7C82-36AB-F14D-CF98-08772A6449F6}"/>
-              </a:ext>
-            </a:extLst>
-          </p:cNvPr>
-          <p:cNvSpPr>
-            <a:spLocks noGrp="1"/>
-          </p:cNvSpPr>
-          <p:nvPr>
-            <p:ph type="title"/>
-          </p:nvPr>
-        </p:nvSpPr>
-        <p:spPr/>
-        <p:txBody>
-          <a:bodyPr/>
-          <a:lstStyle/>
-          <a:p>
-            <a:endParaRPr lang="en-SG"/>
-          </a:p>
-        </p:txBody>
-      </p:sp>
-      <p:pic>
-        <p:nvPicPr>
-          <p:cNvPr id="5" name="Content Placeholder 4">
-            <a:extLst>
-              <a:ext uri="{FF2B5EF4-FFF2-40B4-BE49-F238E27FC236}">
-                <a16:creationId xmlns:a16="http://schemas.microsoft.com/office/drawing/2014/main" id="{B5852216-4B1A-B7F5-70BB-C1E78FBF63B5}"/>
-              </a:ext>
-            </a:extLst>
-          </p:cNvPr>
-          <p:cNvPicPr>
-            <a:picLocks noGrp="1" noChangeAspect="1"/>
-          </p:cNvPicPr>
-          <p:nvPr>
-            <p:ph idx="1"/>
-          </p:nvPr>
-        </p:nvPicPr>
-        <p:blipFill>
-          <a:blip r:embed="rId2"/>
-          <a:stretch>
-            <a:fillRect/>
-          </a:stretch>
-        </p:blipFill>
-        <p:spPr>
-          <a:xfrm>
-            <a:off x="1684561" y="1825625"/>
-            <a:ext cx="8822878" cy="4351338"/>
-          </a:xfrm>
-        </p:spPr>
-      </p:pic>
-    </p:spTree>
-    <p:extLst>
-      <p:ext uri="{BB962C8B-B14F-4D97-AF65-F5344CB8AC3E}">
-        <p14:creationId xmlns:p14="http://schemas.microsoft.com/office/powerpoint/2010/main" val="4002687840"/>
+        <p14:creationId xmlns:p14="http://schemas.microsoft.com/office/powerpoint/2010/main" val="3299393370"/>
       </p:ext>
     </p:extLst>
   </p:cSld>
@@ -9139,7 +12730,13 @@
   <p:cSld>
     <p:spTree>
       <p:nvGrpSpPr>
-        <p:cNvPr id="1" name=""/>
+        <p:cNvPr id="1" name="">
+          <a:extLst>
+            <a:ext uri="{FF2B5EF4-FFF2-40B4-BE49-F238E27FC236}">
+              <a16:creationId xmlns:a16="http://schemas.microsoft.com/office/drawing/2014/main" id="{3CD9BFA7-F344-5CD3-4444-A36EFD194DF0}"/>
+            </a:ext>
+          </a:extLst>
+        </p:cNvPr>
         <p:cNvGrpSpPr/>
         <p:nvPr/>
       </p:nvGrpSpPr>
@@ -9156,7 +12753,7 @@
           <p:cNvPr id="2" name="Title 1">
             <a:extLst>
               <a:ext uri="{FF2B5EF4-FFF2-40B4-BE49-F238E27FC236}">
-                <a16:creationId xmlns:a16="http://schemas.microsoft.com/office/drawing/2014/main" id="{037048B0-C7F8-AC37-2C05-592209294717}"/>
+                <a16:creationId xmlns:a16="http://schemas.microsoft.com/office/drawing/2014/main" id="{928A6D1C-26C8-4168-66E8-5FEF43AF286E}"/>
               </a:ext>
             </a:extLst>
           </p:cNvPr>
@@ -9172,43 +12769,68 @@
           <a:bodyPr/>
           <a:lstStyle/>
           <a:p>
-            <a:endParaRPr lang="en-SG"/>
+            <a:r>
+              <a:rPr lang="en-SG" dirty="0"/>
+              <a:t>Technical  - Segmentation of tourist</a:t>
+            </a:r>
           </a:p>
         </p:txBody>
       </p:sp>
-      <p:pic>
-        <p:nvPicPr>
-          <p:cNvPr id="5" name="Content Placeholder 4">
-            <a:extLst>
-              <a:ext uri="{FF2B5EF4-FFF2-40B4-BE49-F238E27FC236}">
-                <a16:creationId xmlns:a16="http://schemas.microsoft.com/office/drawing/2014/main" id="{56E5CC72-8DE6-37BA-8E35-0321019B9D0E}"/>
-              </a:ext>
-            </a:extLst>
-          </p:cNvPr>
-          <p:cNvPicPr>
-            <a:picLocks noGrp="1" noChangeAspect="1"/>
-          </p:cNvPicPr>
+      <p:sp>
+        <p:nvSpPr>
+          <p:cNvPr id="3" name="Content Placeholder 2">
+            <a:extLst>
+              <a:ext uri="{FF2B5EF4-FFF2-40B4-BE49-F238E27FC236}">
+                <a16:creationId xmlns:a16="http://schemas.microsoft.com/office/drawing/2014/main" id="{4A8FD9D0-1813-A79A-7C2D-7B5BFBC3233C}"/>
+              </a:ext>
+            </a:extLst>
+          </p:cNvPr>
+          <p:cNvSpPr>
+            <a:spLocks noGrp="1"/>
+          </p:cNvSpPr>
           <p:nvPr>
             <p:ph idx="1"/>
           </p:nvPr>
-        </p:nvPicPr>
-        <p:blipFill>
-          <a:blip r:embed="rId2"/>
-          <a:stretch>
-            <a:fillRect/>
-          </a:stretch>
-        </p:blipFill>
-        <p:spPr>
-          <a:xfrm>
-            <a:off x="1748611" y="1825625"/>
-            <a:ext cx="8694778" cy="4351338"/>
-          </a:xfrm>
-        </p:spPr>
-      </p:pic>
+        </p:nvSpPr>
+        <p:spPr/>
+        <p:txBody>
+          <a:bodyPr/>
+          <a:lstStyle/>
+          <a:p>
+            <a:r>
+              <a:rPr lang="en-SG" dirty="0"/>
+              <a:t>Model 1: K means clustering </a:t>
+            </a:r>
+          </a:p>
+          <a:p>
+            <a:pPr lvl="1"/>
+            <a:r>
+              <a:rPr lang="en-SG" dirty="0"/>
+              <a:t>To understand how are these tourist categorised in terms spending differences and what they spend most on</a:t>
+            </a:r>
+          </a:p>
+          <a:p>
+            <a:endParaRPr lang="en-SG" dirty="0"/>
+          </a:p>
+          <a:p>
+            <a:r>
+              <a:rPr lang="en-SG" dirty="0"/>
+              <a:t>Model 2: K prototype clustering </a:t>
+            </a:r>
+          </a:p>
+          <a:p>
+            <a:pPr lvl="1"/>
+            <a:r>
+              <a:rPr lang="en-SG" dirty="0"/>
+              <a:t>To understand how are these tourist categorised in terms spending differences and also to profile these tourists</a:t>
+            </a:r>
+          </a:p>
+        </p:txBody>
+      </p:sp>
     </p:spTree>
     <p:extLst>
       <p:ext uri="{BB962C8B-B14F-4D97-AF65-F5344CB8AC3E}">
-        <p14:creationId xmlns:p14="http://schemas.microsoft.com/office/powerpoint/2010/main" val="3623854480"/>
+        <p14:creationId xmlns:p14="http://schemas.microsoft.com/office/powerpoint/2010/main" val="275469868"/>
       </p:ext>
     </p:extLst>
   </p:cSld>
@@ -9240,7 +12862,7 @@
           <p:cNvPr id="2" name="Title 1">
             <a:extLst>
               <a:ext uri="{FF2B5EF4-FFF2-40B4-BE49-F238E27FC236}">
-                <a16:creationId xmlns:a16="http://schemas.microsoft.com/office/drawing/2014/main" id="{378593DE-F0AA-9756-5F0A-864CAF7435D1}"/>
+                <a16:creationId xmlns:a16="http://schemas.microsoft.com/office/drawing/2014/main" id="{1539AA5A-EFED-5AB9-9BCD-260417012624}"/>
               </a:ext>
             </a:extLst>
           </p:cNvPr>
@@ -9256,43 +12878,682 @@
           <a:bodyPr/>
           <a:lstStyle/>
           <a:p>
-            <a:endParaRPr lang="en-SG"/>
+            <a:r>
+              <a:rPr lang="en-SG" dirty="0"/>
+              <a:t>Features used in clustering</a:t>
+            </a:r>
           </a:p>
         </p:txBody>
       </p:sp>
-      <p:pic>
-        <p:nvPicPr>
-          <p:cNvPr id="5" name="Content Placeholder 4">
-            <a:extLst>
-              <a:ext uri="{FF2B5EF4-FFF2-40B4-BE49-F238E27FC236}">
-                <a16:creationId xmlns:a16="http://schemas.microsoft.com/office/drawing/2014/main" id="{26D10CFF-505B-B3EE-5FA4-997FC084E048}"/>
-              </a:ext>
-            </a:extLst>
-          </p:cNvPr>
-          <p:cNvPicPr>
-            <a:picLocks noGrp="1" noChangeAspect="1"/>
-          </p:cNvPicPr>
-          <p:nvPr>
-            <p:ph idx="1"/>
-          </p:nvPr>
-        </p:nvPicPr>
-        <p:blipFill>
-          <a:blip r:embed="rId2"/>
-          <a:stretch>
-            <a:fillRect/>
-          </a:stretch>
-        </p:blipFill>
+      <p:sp>
+        <p:nvSpPr>
+          <p:cNvPr id="4" name="Rectangle 3">
+            <a:extLst>
+              <a:ext uri="{FF2B5EF4-FFF2-40B4-BE49-F238E27FC236}">
+                <a16:creationId xmlns:a16="http://schemas.microsoft.com/office/drawing/2014/main" id="{AE210FF2-4E67-6DE8-EB2C-B2355D5247A7}"/>
+              </a:ext>
+            </a:extLst>
+          </p:cNvPr>
+          <p:cNvSpPr/>
+          <p:nvPr/>
+        </p:nvSpPr>
         <p:spPr>
           <a:xfrm>
-            <a:off x="2446491" y="1825625"/>
-            <a:ext cx="7299018" cy="4351338"/>
+            <a:off x="222738" y="3415349"/>
+            <a:ext cx="4169567" cy="3077524"/>
           </a:xfrm>
+          <a:prstGeom prst="rect">
+            <a:avLst/>
+          </a:prstGeom>
         </p:spPr>
-      </p:pic>
+        <p:style>
+          <a:lnRef idx="2">
+            <a:schemeClr val="accent1">
+              <a:shade val="15000"/>
+            </a:schemeClr>
+          </a:lnRef>
+          <a:fillRef idx="1">
+            <a:schemeClr val="accent1"/>
+          </a:fillRef>
+          <a:effectRef idx="0">
+            <a:schemeClr val="accent1"/>
+          </a:effectRef>
+          <a:fontRef idx="minor">
+            <a:schemeClr val="lt1"/>
+          </a:fontRef>
+        </p:style>
+        <p:txBody>
+          <a:bodyPr rtlCol="0" anchor="ctr"/>
+          <a:lstStyle/>
+          <a:p>
+            <a:pPr algn="ctr"/>
+            <a:endParaRPr lang="en-SG" b="1" dirty="0"/>
+          </a:p>
+          <a:p>
+            <a:pPr algn="ctr"/>
+            <a:endParaRPr lang="en-SG" b="1" dirty="0"/>
+          </a:p>
+          <a:p>
+            <a:pPr algn="ctr"/>
+            <a:endParaRPr lang="en-SG" b="1" dirty="0"/>
+          </a:p>
+          <a:p>
+            <a:pPr algn="ctr"/>
+            <a:r>
+              <a:rPr lang="en-SG" b="1" dirty="0"/>
+              <a:t>Spending (Numerical variables )  - Scaled</a:t>
+            </a:r>
+          </a:p>
+          <a:p>
+            <a:pPr algn="ctr"/>
+            <a:endParaRPr lang="en-SG" b="1" dirty="0"/>
+          </a:p>
+          <a:p>
+            <a:pPr algn="ctr"/>
+            <a:r>
+              <a:rPr lang="en-US" sz="1600" dirty="0"/>
+              <a:t>Shopping – Fashion, </a:t>
+            </a:r>
+            <a:r>
+              <a:rPr lang="en-US" sz="1600" dirty="0" err="1"/>
+              <a:t>Jewellery</a:t>
+            </a:r>
+            <a:r>
+              <a:rPr lang="en-US" sz="1600" dirty="0"/>
+              <a:t>, Watches, Wellness, Food, Gifts &amp; Souvenirs, Consumer Electronics, Antiques, Others, Any Category;</a:t>
+            </a:r>
+          </a:p>
+          <a:p>
+            <a:pPr algn="ctr"/>
+            <a:endParaRPr lang="en-US" sz="1600" dirty="0"/>
+          </a:p>
+          <a:p>
+            <a:pPr algn="ctr"/>
+            <a:r>
+              <a:rPr lang="en-US" sz="1600" dirty="0"/>
+              <a:t>Total – Accommodation, Food &amp; Beverage, Transport, Business Services, Education, Medical Services, Others, Reported Shopping, Total Expenditure, Average Daily Expense</a:t>
+            </a:r>
+            <a:endParaRPr lang="en-SG" sz="1600" b="1" dirty="0"/>
+          </a:p>
+          <a:p>
+            <a:pPr algn="ctr"/>
+            <a:endParaRPr lang="en-SG" sz="1400" dirty="0"/>
+          </a:p>
+          <a:p>
+            <a:endParaRPr lang="en-SG" sz="1400" dirty="0"/>
+          </a:p>
+          <a:p>
+            <a:endParaRPr lang="en-SG" sz="1400" dirty="0"/>
+          </a:p>
+        </p:txBody>
+      </p:sp>
+      <p:sp>
+        <p:nvSpPr>
+          <p:cNvPr id="5" name="Rectangle 4">
+            <a:extLst>
+              <a:ext uri="{FF2B5EF4-FFF2-40B4-BE49-F238E27FC236}">
+                <a16:creationId xmlns:a16="http://schemas.microsoft.com/office/drawing/2014/main" id="{F2485EF7-AE5B-819E-E5CC-4AC24A8F0B66}"/>
+              </a:ext>
+            </a:extLst>
+          </p:cNvPr>
+          <p:cNvSpPr/>
+          <p:nvPr/>
+        </p:nvSpPr>
+        <p:spPr>
+          <a:xfrm>
+            <a:off x="4631141" y="3429000"/>
+            <a:ext cx="3270913" cy="3063875"/>
+          </a:xfrm>
+          <a:prstGeom prst="rect">
+            <a:avLst/>
+          </a:prstGeom>
+        </p:spPr>
+        <p:style>
+          <a:lnRef idx="2">
+            <a:schemeClr val="accent1">
+              <a:shade val="15000"/>
+            </a:schemeClr>
+          </a:lnRef>
+          <a:fillRef idx="1">
+            <a:schemeClr val="accent1"/>
+          </a:fillRef>
+          <a:effectRef idx="0">
+            <a:schemeClr val="accent1"/>
+          </a:effectRef>
+          <a:fontRef idx="minor">
+            <a:schemeClr val="lt1"/>
+          </a:fontRef>
+        </p:style>
+        <p:txBody>
+          <a:bodyPr rtlCol="0" anchor="ctr"/>
+          <a:lstStyle/>
+          <a:p>
+            <a:pPr algn="ctr"/>
+            <a:r>
+              <a:rPr lang="en-SG" b="1" dirty="0">
+                <a:solidFill>
+                  <a:schemeClr val="bg1"/>
+                </a:solidFill>
+              </a:rPr>
+              <a:t>Feature engineering variables</a:t>
+            </a:r>
+          </a:p>
+          <a:p>
+            <a:pPr algn="ctr"/>
+            <a:endParaRPr lang="en-SG" b="1" dirty="0">
+              <a:solidFill>
+                <a:schemeClr val="bg1"/>
+              </a:solidFill>
+            </a:endParaRPr>
+          </a:p>
+          <a:p>
+            <a:pPr algn="ctr"/>
+            <a:r>
+              <a:rPr lang="en-SG" sz="1600" b="1" dirty="0">
+                <a:solidFill>
+                  <a:schemeClr val="bg1"/>
+                </a:solidFill>
+              </a:rPr>
+              <a:t>Average Daily Expenses</a:t>
+            </a:r>
+          </a:p>
+          <a:p>
+            <a:pPr algn="ctr"/>
+            <a:endParaRPr lang="en-SG" dirty="0">
+              <a:solidFill>
+                <a:schemeClr val="bg1"/>
+              </a:solidFill>
+            </a:endParaRPr>
+          </a:p>
+          <a:p>
+            <a:endParaRPr lang="en-SG" dirty="0">
+              <a:solidFill>
+                <a:schemeClr val="bg1"/>
+              </a:solidFill>
+            </a:endParaRPr>
+          </a:p>
+          <a:p>
+            <a:endParaRPr lang="en-SG" dirty="0">
+              <a:solidFill>
+                <a:schemeClr val="bg1"/>
+              </a:solidFill>
+            </a:endParaRPr>
+          </a:p>
+          <a:p>
+            <a:endParaRPr lang="en-SG" dirty="0">
+              <a:solidFill>
+                <a:schemeClr val="bg1"/>
+              </a:solidFill>
+            </a:endParaRPr>
+          </a:p>
+          <a:p>
+            <a:endParaRPr lang="en-SG" dirty="0">
+              <a:solidFill>
+                <a:schemeClr val="bg1"/>
+              </a:solidFill>
+            </a:endParaRPr>
+          </a:p>
+        </p:txBody>
+      </p:sp>
+      <p:sp>
+        <p:nvSpPr>
+          <p:cNvPr id="6" name="Rectangle 5">
+            <a:extLst>
+              <a:ext uri="{FF2B5EF4-FFF2-40B4-BE49-F238E27FC236}">
+                <a16:creationId xmlns:a16="http://schemas.microsoft.com/office/drawing/2014/main" id="{9DC82950-4F7F-52CD-F241-5D0E481FB5FF}"/>
+              </a:ext>
+            </a:extLst>
+          </p:cNvPr>
+          <p:cNvSpPr/>
+          <p:nvPr/>
+        </p:nvSpPr>
+        <p:spPr>
+          <a:xfrm>
+            <a:off x="8268267" y="3429000"/>
+            <a:ext cx="3270913" cy="3063874"/>
+          </a:xfrm>
+          <a:prstGeom prst="rect">
+            <a:avLst/>
+          </a:prstGeom>
+        </p:spPr>
+        <p:style>
+          <a:lnRef idx="2">
+            <a:schemeClr val="accent1">
+              <a:shade val="15000"/>
+            </a:schemeClr>
+          </a:lnRef>
+          <a:fillRef idx="1">
+            <a:schemeClr val="accent1"/>
+          </a:fillRef>
+          <a:effectRef idx="0">
+            <a:schemeClr val="accent1"/>
+          </a:effectRef>
+          <a:fontRef idx="minor">
+            <a:schemeClr val="lt1"/>
+          </a:fontRef>
+        </p:style>
+        <p:txBody>
+          <a:bodyPr rtlCol="0" anchor="ctr"/>
+          <a:lstStyle/>
+          <a:p>
+            <a:pPr algn="ctr"/>
+            <a:r>
+              <a:rPr lang="en-SG" b="1" dirty="0">
+                <a:solidFill>
+                  <a:schemeClr val="bg1"/>
+                </a:solidFill>
+              </a:rPr>
+              <a:t>Variables of interest (Categorical variables)</a:t>
+            </a:r>
+          </a:p>
+          <a:p>
+            <a:pPr algn="ctr"/>
+            <a:endParaRPr lang="en-SG" b="1" dirty="0">
+              <a:solidFill>
+                <a:schemeClr val="bg1"/>
+              </a:solidFill>
+            </a:endParaRPr>
+          </a:p>
+          <a:p>
+            <a:pPr algn="ctr"/>
+            <a:r>
+              <a:rPr lang="en-US" sz="1600" b="1" dirty="0">
+                <a:solidFill>
+                  <a:schemeClr val="bg1"/>
+                </a:solidFill>
+              </a:rPr>
+              <a:t>'</a:t>
+            </a:r>
+            <a:r>
+              <a:rPr lang="en-US" sz="1600" b="1" dirty="0" err="1">
+                <a:solidFill>
+                  <a:schemeClr val="bg1"/>
+                </a:solidFill>
+              </a:rPr>
+              <a:t>Stay_Length_string</a:t>
+            </a:r>
+            <a:r>
+              <a:rPr lang="en-US" sz="1600" b="1" dirty="0">
+                <a:solidFill>
+                  <a:schemeClr val="bg1"/>
+                </a:solidFill>
+              </a:rPr>
+              <a:t>', '</a:t>
+            </a:r>
+            <a:r>
+              <a:rPr lang="en-US" sz="1600" b="1" dirty="0" err="1">
+                <a:solidFill>
+                  <a:schemeClr val="bg1"/>
+                </a:solidFill>
+              </a:rPr>
+              <a:t>travel_with</a:t>
+            </a:r>
+            <a:r>
+              <a:rPr lang="en-US" sz="1600" b="1" dirty="0">
+                <a:solidFill>
+                  <a:schemeClr val="bg1"/>
+                </a:solidFill>
+              </a:rPr>
+              <a:t>', '</a:t>
+            </a:r>
+            <a:r>
+              <a:rPr lang="en-US" sz="1600" b="1" dirty="0" err="1">
+                <a:solidFill>
+                  <a:schemeClr val="bg1"/>
+                </a:solidFill>
+              </a:rPr>
+              <a:t>occupation_coded_string</a:t>
+            </a:r>
+            <a:r>
+              <a:rPr lang="en-US" sz="1600" b="1" dirty="0">
+                <a:solidFill>
+                  <a:schemeClr val="bg1"/>
+                </a:solidFill>
+              </a:rPr>
+              <a:t>'</a:t>
+            </a:r>
+            <a:endParaRPr lang="en-SG" sz="1600" b="1" dirty="0">
+              <a:solidFill>
+                <a:schemeClr val="bg1"/>
+              </a:solidFill>
+            </a:endParaRPr>
+          </a:p>
+          <a:p>
+            <a:endParaRPr lang="en-SG" sz="1600" dirty="0">
+              <a:solidFill>
+                <a:schemeClr val="bg1"/>
+              </a:solidFill>
+            </a:endParaRPr>
+          </a:p>
+          <a:p>
+            <a:endParaRPr lang="en-SG" dirty="0">
+              <a:solidFill>
+                <a:schemeClr val="bg1"/>
+              </a:solidFill>
+            </a:endParaRPr>
+          </a:p>
+          <a:p>
+            <a:endParaRPr lang="en-SG" dirty="0">
+              <a:solidFill>
+                <a:schemeClr val="bg1"/>
+              </a:solidFill>
+            </a:endParaRPr>
+          </a:p>
+        </p:txBody>
+      </p:sp>
+      <p:sp>
+        <p:nvSpPr>
+          <p:cNvPr id="7" name="Rectangle: Rounded Corners 6">
+            <a:extLst>
+              <a:ext uri="{FF2B5EF4-FFF2-40B4-BE49-F238E27FC236}">
+                <a16:creationId xmlns:a16="http://schemas.microsoft.com/office/drawing/2014/main" id="{67DE752D-6C80-3599-A78F-529FB12EA497}"/>
+              </a:ext>
+            </a:extLst>
+          </p:cNvPr>
+          <p:cNvSpPr/>
+          <p:nvPr/>
+        </p:nvSpPr>
+        <p:spPr>
+          <a:xfrm>
+            <a:off x="3637128" y="1478768"/>
+            <a:ext cx="1753737" cy="914400"/>
+          </a:xfrm>
+          <a:prstGeom prst="roundRect">
+            <a:avLst/>
+          </a:prstGeom>
+        </p:spPr>
+        <p:style>
+          <a:lnRef idx="2">
+            <a:schemeClr val="accent1">
+              <a:shade val="15000"/>
+            </a:schemeClr>
+          </a:lnRef>
+          <a:fillRef idx="1">
+            <a:schemeClr val="accent1"/>
+          </a:fillRef>
+          <a:effectRef idx="0">
+            <a:schemeClr val="accent1"/>
+          </a:effectRef>
+          <a:fontRef idx="minor">
+            <a:schemeClr val="lt1"/>
+          </a:fontRef>
+        </p:style>
+        <p:txBody>
+          <a:bodyPr rtlCol="0" anchor="ctr"/>
+          <a:lstStyle/>
+          <a:p>
+            <a:pPr algn="ctr"/>
+            <a:r>
+              <a:rPr lang="en-SG" dirty="0" err="1"/>
+              <a:t>Kmeans</a:t>
+            </a:r>
+            <a:r>
+              <a:rPr lang="en-SG" dirty="0"/>
+              <a:t> clustering</a:t>
+            </a:r>
+          </a:p>
+        </p:txBody>
+      </p:sp>
+      <p:sp>
+        <p:nvSpPr>
+          <p:cNvPr id="8" name="Rectangle: Rounded Corners 7">
+            <a:extLst>
+              <a:ext uri="{FF2B5EF4-FFF2-40B4-BE49-F238E27FC236}">
+                <a16:creationId xmlns:a16="http://schemas.microsoft.com/office/drawing/2014/main" id="{C78658B9-2CCC-A812-53B4-5B48005B4811}"/>
+              </a:ext>
+            </a:extLst>
+          </p:cNvPr>
+          <p:cNvSpPr/>
+          <p:nvPr/>
+        </p:nvSpPr>
+        <p:spPr>
+          <a:xfrm>
+            <a:off x="7115643" y="1478768"/>
+            <a:ext cx="1753737" cy="914400"/>
+          </a:xfrm>
+          <a:prstGeom prst="roundRect">
+            <a:avLst/>
+          </a:prstGeom>
+        </p:spPr>
+        <p:style>
+          <a:lnRef idx="2">
+            <a:schemeClr val="accent1">
+              <a:shade val="15000"/>
+            </a:schemeClr>
+          </a:lnRef>
+          <a:fillRef idx="1">
+            <a:schemeClr val="accent1"/>
+          </a:fillRef>
+          <a:effectRef idx="0">
+            <a:schemeClr val="accent1"/>
+          </a:effectRef>
+          <a:fontRef idx="minor">
+            <a:schemeClr val="lt1"/>
+          </a:fontRef>
+        </p:style>
+        <p:txBody>
+          <a:bodyPr rtlCol="0" anchor="ctr"/>
+          <a:lstStyle/>
+          <a:p>
+            <a:pPr algn="ctr"/>
+            <a:r>
+              <a:rPr lang="en-SG" dirty="0" err="1"/>
+              <a:t>Kprototype</a:t>
+            </a:r>
+            <a:r>
+              <a:rPr lang="en-SG" dirty="0"/>
+              <a:t> clustering</a:t>
+            </a:r>
+          </a:p>
+        </p:txBody>
+      </p:sp>
+      <p:cxnSp>
+        <p:nvCxnSpPr>
+          <p:cNvPr id="14" name="Connector: Elbow 13">
+            <a:extLst>
+              <a:ext uri="{FF2B5EF4-FFF2-40B4-BE49-F238E27FC236}">
+                <a16:creationId xmlns:a16="http://schemas.microsoft.com/office/drawing/2014/main" id="{B8A46B41-7470-DF7D-46A2-F179952F3490}"/>
+              </a:ext>
+            </a:extLst>
+          </p:cNvPr>
+          <p:cNvCxnSpPr>
+            <a:cxnSpLocks/>
+          </p:cNvCxnSpPr>
+          <p:nvPr/>
+        </p:nvCxnSpPr>
+        <p:spPr>
+          <a:xfrm rot="5400000" flipH="1" flipV="1">
+            <a:off x="3080631" y="2448064"/>
+            <a:ext cx="968987" cy="965582"/>
+          </a:xfrm>
+          <a:prstGeom prst="bentConnector3">
+            <a:avLst/>
+          </a:prstGeom>
+          <a:ln>
+            <a:tailEnd type="triangle"/>
+          </a:ln>
+        </p:spPr>
+        <p:style>
+          <a:lnRef idx="2">
+            <a:schemeClr val="accent1"/>
+          </a:lnRef>
+          <a:fillRef idx="0">
+            <a:schemeClr val="accent1"/>
+          </a:fillRef>
+          <a:effectRef idx="1">
+            <a:schemeClr val="accent1"/>
+          </a:effectRef>
+          <a:fontRef idx="minor">
+            <a:schemeClr val="tx1"/>
+          </a:fontRef>
+        </p:style>
+      </p:cxnSp>
+      <p:cxnSp>
+        <p:nvCxnSpPr>
+          <p:cNvPr id="17" name="Connector: Elbow 16">
+            <a:extLst>
+              <a:ext uri="{FF2B5EF4-FFF2-40B4-BE49-F238E27FC236}">
+                <a16:creationId xmlns:a16="http://schemas.microsoft.com/office/drawing/2014/main" id="{46036E83-3104-4694-0F80-F2D2E7B08730}"/>
+              </a:ext>
+            </a:extLst>
+          </p:cNvPr>
+          <p:cNvCxnSpPr/>
+          <p:nvPr/>
+        </p:nvCxnSpPr>
+        <p:spPr>
+          <a:xfrm rot="16200000" flipV="1">
+            <a:off x="5014154" y="2466834"/>
+            <a:ext cx="968988" cy="955344"/>
+          </a:xfrm>
+          <a:prstGeom prst="bentConnector3">
+            <a:avLst/>
+          </a:prstGeom>
+          <a:ln>
+            <a:tailEnd type="triangle"/>
+          </a:ln>
+        </p:spPr>
+        <p:style>
+          <a:lnRef idx="2">
+            <a:schemeClr val="accent1"/>
+          </a:lnRef>
+          <a:fillRef idx="0">
+            <a:schemeClr val="accent1"/>
+          </a:fillRef>
+          <a:effectRef idx="1">
+            <a:schemeClr val="accent1"/>
+          </a:effectRef>
+          <a:fontRef idx="minor">
+            <a:schemeClr val="tx1"/>
+          </a:fontRef>
+        </p:style>
+      </p:cxnSp>
+      <p:cxnSp>
+        <p:nvCxnSpPr>
+          <p:cNvPr id="19" name="Straight Arrow Connector 18">
+            <a:extLst>
+              <a:ext uri="{FF2B5EF4-FFF2-40B4-BE49-F238E27FC236}">
+                <a16:creationId xmlns:a16="http://schemas.microsoft.com/office/drawing/2014/main" id="{1D9DF441-B1EC-0987-FFFE-B4C58EC9A409}"/>
+              </a:ext>
+            </a:extLst>
+          </p:cNvPr>
+          <p:cNvCxnSpPr>
+            <a:cxnSpLocks/>
+          </p:cNvCxnSpPr>
+          <p:nvPr/>
+        </p:nvCxnSpPr>
+        <p:spPr>
+          <a:xfrm flipV="1">
+            <a:off x="4100429" y="2334889"/>
+            <a:ext cx="3015214" cy="1059447"/>
+          </a:xfrm>
+          <a:prstGeom prst="straightConnector1">
+            <a:avLst/>
+          </a:prstGeom>
+          <a:ln>
+            <a:tailEnd type="triangle"/>
+          </a:ln>
+        </p:spPr>
+        <p:style>
+          <a:lnRef idx="2">
+            <a:schemeClr val="accent1"/>
+          </a:lnRef>
+          <a:fillRef idx="0">
+            <a:schemeClr val="accent1"/>
+          </a:fillRef>
+          <a:effectRef idx="1">
+            <a:schemeClr val="accent1"/>
+          </a:effectRef>
+          <a:fontRef idx="minor">
+            <a:schemeClr val="tx1"/>
+          </a:fontRef>
+        </p:style>
+      </p:cxnSp>
+      <p:cxnSp>
+        <p:nvCxnSpPr>
+          <p:cNvPr id="21" name="Straight Arrow Connector 20">
+            <a:extLst>
+              <a:ext uri="{FF2B5EF4-FFF2-40B4-BE49-F238E27FC236}">
+                <a16:creationId xmlns:a16="http://schemas.microsoft.com/office/drawing/2014/main" id="{D322CCC1-3A62-3CAB-0F01-B92A4479AA41}"/>
+              </a:ext>
+            </a:extLst>
+          </p:cNvPr>
+          <p:cNvCxnSpPr>
+            <a:cxnSpLocks/>
+          </p:cNvCxnSpPr>
+          <p:nvPr/>
+        </p:nvCxnSpPr>
+        <p:spPr>
+          <a:xfrm flipV="1">
+            <a:off x="6949380" y="2446362"/>
+            <a:ext cx="776128" cy="847823"/>
+          </a:xfrm>
+          <a:prstGeom prst="straightConnector1">
+            <a:avLst/>
+          </a:prstGeom>
+          <a:ln>
+            <a:tailEnd type="triangle"/>
+          </a:ln>
+        </p:spPr>
+        <p:style>
+          <a:lnRef idx="2">
+            <a:schemeClr val="accent1"/>
+          </a:lnRef>
+          <a:fillRef idx="0">
+            <a:schemeClr val="accent1"/>
+          </a:fillRef>
+          <a:effectRef idx="1">
+            <a:schemeClr val="accent1"/>
+          </a:effectRef>
+          <a:fontRef idx="minor">
+            <a:schemeClr val="tx1"/>
+          </a:fontRef>
+        </p:style>
+      </p:cxnSp>
+      <p:cxnSp>
+        <p:nvCxnSpPr>
+          <p:cNvPr id="23" name="Straight Arrow Connector 22">
+            <a:extLst>
+              <a:ext uri="{FF2B5EF4-FFF2-40B4-BE49-F238E27FC236}">
+                <a16:creationId xmlns:a16="http://schemas.microsoft.com/office/drawing/2014/main" id="{A6624BC7-13F7-083B-BA5B-03D36D4E530A}"/>
+              </a:ext>
+            </a:extLst>
+          </p:cNvPr>
+          <p:cNvCxnSpPr>
+            <a:cxnSpLocks/>
+          </p:cNvCxnSpPr>
+          <p:nvPr/>
+        </p:nvCxnSpPr>
+        <p:spPr>
+          <a:xfrm flipH="1" flipV="1">
+            <a:off x="8416119" y="2411424"/>
+            <a:ext cx="458995" cy="882761"/>
+          </a:xfrm>
+          <a:prstGeom prst="straightConnector1">
+            <a:avLst/>
+          </a:prstGeom>
+          <a:ln>
+            <a:tailEnd type="triangle"/>
+          </a:ln>
+        </p:spPr>
+        <p:style>
+          <a:lnRef idx="2">
+            <a:schemeClr val="accent1"/>
+          </a:lnRef>
+          <a:fillRef idx="0">
+            <a:schemeClr val="accent1"/>
+          </a:fillRef>
+          <a:effectRef idx="1">
+            <a:schemeClr val="accent1"/>
+          </a:effectRef>
+          <a:fontRef idx="minor">
+            <a:schemeClr val="tx1"/>
+          </a:fontRef>
+        </p:style>
+      </p:cxnSp>
     </p:spTree>
     <p:extLst>
       <p:ext uri="{BB962C8B-B14F-4D97-AF65-F5344CB8AC3E}">
-        <p14:creationId xmlns:p14="http://schemas.microsoft.com/office/powerpoint/2010/main" val="437464929"/>
+        <p14:creationId xmlns:p14="http://schemas.microsoft.com/office/powerpoint/2010/main" val="1135460734"/>
       </p:ext>
     </p:extLst>
   </p:cSld>

--- a/Singapore Tourism Board Analysis.pptx
+++ b/Singapore Tourism Board Analysis.pptx
@@ -4648,7 +4648,7 @@
           <a:p>
             <a:r>
               <a:rPr lang="en-US" dirty="0"/>
-              <a:t>One area with significant potential to enhance tourist satisfaction and increase spending is </a:t>
+              <a:t>One area with strong potential to boost tourist satisfaction and spending is </a:t>
             </a:r>
             <a:r>
               <a:rPr lang="en-US" b="1" dirty="0"/>
@@ -4656,13 +4656,16 @@
             </a:r>
             <a:r>
               <a:rPr lang="en-US" dirty="0"/>
-              <a:t>—specifically, how easily visitors can travel from their accommodation to key shopping and lifestyle destinations.</a:t>
-            </a:r>
+              <a:t>—how easily visitors can get from their hotels to major shopping and lifestyle zones.</a:t>
+            </a:r>
+          </a:p>
+          <a:p>
+            <a:endParaRPr lang="en-US" dirty="0"/>
           </a:p>
           <a:p>
             <a:r>
               <a:rPr lang="en-US" dirty="0"/>
-              <a:t>Prominent hotels such as </a:t>
+              <a:t>Hotels like </a:t>
             </a:r>
             <a:r>
               <a:rPr lang="en-US" b="1" dirty="0"/>
@@ -4670,21 +4673,24 @@
             </a:r>
             <a:r>
               <a:rPr lang="en-US" dirty="0"/>
-              <a:t> consistently attract high tourist traffic due to their central locations and brand appeal. These hotels are situated near major retail and entertainment zones, making it crucial to provide </a:t>
+              <a:t> are high-traffic accommodations near retail precincts. Ensuring </a:t>
             </a:r>
             <a:r>
               <a:rPr lang="en-US" b="1" dirty="0"/>
-              <a:t>seamless, intuitive transport links</a:t>
+              <a:t>clear and convenient access</a:t>
             </a:r>
             <a:r>
               <a:rPr lang="en-US" dirty="0"/>
-              <a:t>, whether via well-connected pedestrian pathways, nearby MRT stations, or shuttle services.</a:t>
-            </a:r>
+              <a:t>, whether through nearby MRT stations, walkways, or shuttle services, is key to improving flow.</a:t>
+            </a:r>
+          </a:p>
+          <a:p>
+            <a:endParaRPr lang="en-US" dirty="0"/>
           </a:p>
           <a:p>
             <a:r>
               <a:rPr lang="en-US" dirty="0"/>
-              <a:t>In addition, we must proactively address a common pain point faced by international visitors: </a:t>
+              <a:t>To further support visitors—especially those facing </a:t>
             </a:r>
             <a:r>
               <a:rPr lang="en-US" b="1" dirty="0"/>
@@ -4692,67 +4698,29 @@
             </a:r>
             <a:r>
               <a:rPr lang="en-US" dirty="0"/>
-              <a:t>. Tourists often require assistance with navigation, directions, and recommendations. To meet this need, we recommend the deployment of </a:t>
+              <a:t>—we recommend deploying </a:t>
             </a:r>
             <a:r>
               <a:rPr lang="en-US" b="1" dirty="0"/>
-              <a:t>trained, multilingual guest support staff</a:t>
+              <a:t>multilingual guest assistance staff</a:t>
             </a:r>
             <a:r>
               <a:rPr lang="en-US" dirty="0"/>
-              <a:t> at strategic points around high-traffic hotels and shopping areas. These frontline personnel will not only facilitate smoother wayfinding but also create a more welcoming and informed environment—encouraging longer stays and greater engagement with local businesses.</a:t>
+              <a:t> around these hotels and malls to offer real-time guidance.</a:t>
             </a:r>
           </a:p>
           <a:p>
             <a:r>
               <a:rPr lang="en-US" dirty="0"/>
-              <a:t>This initiative can be further enhanced through </a:t>
+              <a:t>Finally, partnering with </a:t>
             </a:r>
             <a:r>
               <a:rPr lang="en-US" b="1" dirty="0"/>
-              <a:t>digital concierge services</a:t>
+              <a:t>retailers and hotels</a:t>
             </a:r>
             <a:r>
               <a:rPr lang="en-US" dirty="0"/>
-              <a:t>, clearly marked multilingual maps, and collaborative efforts between hotels, retailers, and local attractions. Together, these measures will increase both mobility and </a:t>
-            </a:r>
-            <a:r>
-              <a:rPr lang="en-US" b="1" dirty="0"/>
-              <a:t>visitor confidence</a:t>
-            </a:r>
-            <a:r>
-              <a:rPr lang="en-US" dirty="0"/>
-              <a:t> in navigating the city.</a:t>
-            </a:r>
-          </a:p>
-          <a:p>
-            <a:r>
-              <a:rPr lang="en-US" dirty="0"/>
-              <a:t>To further elevate the on-ground experience, we also propose strengthening Singapore’s </a:t>
-            </a:r>
-            <a:r>
-              <a:rPr lang="en-US" b="1" dirty="0"/>
-              <a:t>wayfinding and visitor support infrastructure</a:t>
-            </a:r>
-            <a:r>
-              <a:rPr lang="en-US" dirty="0"/>
-              <a:t>. This includes enhancing the usability of STB’s tourism website and mobile platforms by offering </a:t>
-            </a:r>
-            <a:r>
-              <a:rPr lang="en-US" b="1" dirty="0"/>
-              <a:t>clear, multilingual transport information and recommended itineraries</a:t>
-            </a:r>
-            <a:r>
-              <a:rPr lang="en-US" dirty="0"/>
-              <a:t>. At key tourist zones, the presence of </a:t>
-            </a:r>
-            <a:r>
-              <a:rPr lang="en-US" b="1" dirty="0"/>
-              <a:t>well-positioned ushers and visible multilingual signage</a:t>
-            </a:r>
-            <a:r>
-              <a:rPr lang="en-US" dirty="0"/>
-              <a:t> will reduce friction, streamline movement, and allow tourists to spend more time experiencing Singapore—rather than figuring out how to get around it.</a:t>
+              <a:t> to provide digital concierge tools, maps, and signage will make navigation easier and allowing tourists to spend more time experiencing Singapore—rather than figuring out how to get around it.</a:t>
             </a:r>
           </a:p>
           <a:p>
@@ -4888,6 +4856,9 @@
             </a:r>
           </a:p>
           <a:p>
+            <a:endParaRPr lang="en-US" dirty="0"/>
+          </a:p>
+          <a:p>
             <a:r>
               <a:rPr lang="en-US" dirty="0"/>
               <a:t>To do this, we recommend launching a </a:t>
@@ -4902,9 +4873,12 @@
             </a:r>
           </a:p>
           <a:p>
+            <a:endParaRPr lang="en-US" dirty="0"/>
+          </a:p>
+          <a:p>
             <a:r>
               <a:rPr lang="en-US" dirty="0"/>
-              <a:t>Next, we should collaborate with </a:t>
+              <a:t>Should collaborate with </a:t>
             </a:r>
             <a:r>
               <a:rPr lang="en-US" b="1" dirty="0"/>
@@ -8918,14 +8892,14 @@
             <p:ph idx="1"/>
             <p:extLst>
               <p:ext uri="{D42A27DB-BD31-4B8C-83A1-F6EECF244321}">
-                <p14:modId xmlns:p14="http://schemas.microsoft.com/office/powerpoint/2010/main" val="209284254"/>
+                <p14:modId xmlns:p14="http://schemas.microsoft.com/office/powerpoint/2010/main" val="549409262"/>
               </p:ext>
             </p:extLst>
           </p:nvPr>
         </p:nvGraphicFramePr>
         <p:xfrm>
           <a:off x="838200" y="1825625"/>
-          <a:ext cx="10515597" cy="4028440"/>
+          <a:ext cx="10515597" cy="4302760"/>
         </p:xfrm>
         <a:graphic>
           <a:graphicData uri="http://schemas.openxmlformats.org/drawingml/2006/table">
@@ -9019,7 +8993,11 @@
                     <a:lstStyle/>
                     <a:p>
                       <a:r>
-                        <a:rPr lang="en-SG" dirty="0"/>
+                        <a:rPr lang="en-SG" b="1" dirty="0">
+                          <a:solidFill>
+                            <a:schemeClr val="tx1"/>
+                          </a:solidFill>
+                        </a:rPr>
                         <a:t>62% short stays</a:t>
                       </a:r>
                     </a:p>
@@ -9038,7 +9016,11 @@
                     <a:lstStyle/>
                     <a:p>
                       <a:r>
-                        <a:rPr lang="en-SG" dirty="0"/>
+                        <a:rPr lang="en-SG" b="1" dirty="0">
+                          <a:solidFill>
+                            <a:schemeClr val="tx1"/>
+                          </a:solidFill>
+                        </a:rPr>
                         <a:t>55% short stays</a:t>
                       </a:r>
                     </a:p>
@@ -9077,7 +9059,7 @@
                     <a:lstStyle/>
                     <a:p>
                       <a:r>
-                        <a:rPr lang="en-SG" dirty="0"/>
+                        <a:rPr lang="en-SG" b="1" dirty="0"/>
                         <a:t>52% Came with family</a:t>
                       </a:r>
                     </a:p>
@@ -9102,7 +9084,7 @@
                     <a:lstStyle/>
                     <a:p>
                       <a:r>
-                        <a:rPr lang="en-SG" dirty="0"/>
+                        <a:rPr lang="en-SG" b="1" dirty="0"/>
                         <a:t>48% Came with family</a:t>
                       </a:r>
                     </a:p>
@@ -9147,7 +9129,7 @@
                     <a:lstStyle/>
                     <a:p>
                       <a:r>
-                        <a:rPr lang="en-SG" dirty="0"/>
+                        <a:rPr lang="en-SG" b="1" dirty="0"/>
                         <a:t>63% working professionals</a:t>
                       </a:r>
                     </a:p>
@@ -9172,7 +9154,7 @@
                     <a:lstStyle/>
                     <a:p>
                       <a:r>
-                        <a:rPr lang="en-SG" dirty="0"/>
+                        <a:rPr lang="en-SG" b="1" dirty="0"/>
                         <a:t>67% working professionals</a:t>
                       </a:r>
                     </a:p>
@@ -9218,7 +9200,7 @@
                     <a:p>
                       <a:r>
                         <a:rPr lang="en-SG" dirty="0"/>
-                        <a:t>Moderate across spending across all domains, with F&amp;B ranked first in terms of spending</a:t>
+                        <a:t>Moderate across spending across all domains, with Accommodation ranked first in terms of spending followed by F&amp;B</a:t>
                       </a:r>
                     </a:p>
                   </a:txBody>
@@ -11486,7 +11468,7 @@
             <p:ph idx="1"/>
             <p:extLst>
               <p:ext uri="{D42A27DB-BD31-4B8C-83A1-F6EECF244321}">
-                <p14:modId xmlns:p14="http://schemas.microsoft.com/office/powerpoint/2010/main" val="4263362117"/>
+                <p14:modId xmlns:p14="http://schemas.microsoft.com/office/powerpoint/2010/main" val="1977966938"/>
               </p:ext>
             </p:extLst>
           </p:nvPr>
@@ -12058,7 +12040,7 @@
                     <a:p>
                       <a:r>
                         <a:rPr lang="en-SG" sz="1600" dirty="0"/>
-                        <a:t>Examples include some shopping variables, purpose of visit</a:t>
+                        <a:t>Certain shopping variables, purpose of visit etc</a:t>
                       </a:r>
                     </a:p>
                   </a:txBody>

--- a/Singapore Tourism Board Analysis.pptx
+++ b/Singapore Tourism Board Analysis.pptx
@@ -3417,6 +3417,184 @@
         <p:cNvPr id="1" name="">
           <a:extLst>
             <a:ext uri="{FF2B5EF4-FFF2-40B4-BE49-F238E27FC236}">
+              <a16:creationId xmlns:a16="http://schemas.microsoft.com/office/drawing/2014/main" id="{503A1F3E-CAFB-A403-8072-4B9C8A6009EC}"/>
+            </a:ext>
+          </a:extLst>
+        </p:cNvPr>
+        <p:cNvGrpSpPr/>
+        <p:nvPr/>
+      </p:nvGrpSpPr>
+      <p:grpSpPr>
+        <a:xfrm>
+          <a:off x="0" y="0"/>
+          <a:ext cx="0" cy="0"/>
+          <a:chOff x="0" y="0"/>
+          <a:chExt cx="0" cy="0"/>
+        </a:xfrm>
+      </p:grpSpPr>
+      <p:sp>
+        <p:nvSpPr>
+          <p:cNvPr id="2" name="Slide Image Placeholder 1">
+            <a:extLst>
+              <a:ext uri="{FF2B5EF4-FFF2-40B4-BE49-F238E27FC236}">
+                <a16:creationId xmlns:a16="http://schemas.microsoft.com/office/drawing/2014/main" id="{162898C9-C350-B1E2-3EEF-927580CAC7FD}"/>
+              </a:ext>
+            </a:extLst>
+          </p:cNvPr>
+          <p:cNvSpPr>
+            <a:spLocks noGrp="1" noRot="1" noChangeAspect="1"/>
+          </p:cNvSpPr>
+          <p:nvPr>
+            <p:ph type="sldImg"/>
+          </p:nvPr>
+        </p:nvSpPr>
+        <p:spPr/>
+      </p:sp>
+      <p:sp>
+        <p:nvSpPr>
+          <p:cNvPr id="3" name="Notes Placeholder 2">
+            <a:extLst>
+              <a:ext uri="{FF2B5EF4-FFF2-40B4-BE49-F238E27FC236}">
+                <a16:creationId xmlns:a16="http://schemas.microsoft.com/office/drawing/2014/main" id="{CADBA544-063C-2D9F-F76B-0652FBA053BB}"/>
+              </a:ext>
+            </a:extLst>
+          </p:cNvPr>
+          <p:cNvSpPr>
+            <a:spLocks noGrp="1"/>
+          </p:cNvSpPr>
+          <p:nvPr>
+            <p:ph type="body" idx="1"/>
+          </p:nvPr>
+        </p:nvSpPr>
+        <p:spPr/>
+        <p:txBody>
+          <a:bodyPr/>
+          <a:lstStyle/>
+          <a:p>
+            <a:r>
+              <a:rPr lang="en-US" dirty="0"/>
+              <a:t>Our clustering analysis shows that </a:t>
+            </a:r>
+            <a:r>
+              <a:rPr lang="en-US" b="1" dirty="0"/>
+              <a:t>accommodation consistently represents the largest proportion of tourist spending</a:t>
+            </a:r>
+            <a:r>
+              <a:rPr lang="en-US" dirty="0"/>
+              <a:t>, regardless of segment, while </a:t>
+            </a:r>
+            <a:r>
+              <a:rPr lang="en-US" b="1" dirty="0"/>
+              <a:t>F&amp;B, transport, and shopping</a:t>
+            </a:r>
+            <a:r>
+              <a:rPr lang="en-US" dirty="0"/>
+              <a:t> also account for significant shares. This tells us that rather than reinventing the wheel, we should </a:t>
+            </a:r>
+            <a:r>
+              <a:rPr lang="en-US" b="1" dirty="0"/>
+              <a:t>fortify and enhance these core tourism pillars</a:t>
+            </a:r>
+            <a:r>
+              <a:rPr lang="en-US" dirty="0"/>
+              <a:t>.</a:t>
+            </a:r>
+          </a:p>
+          <a:p>
+            <a:endParaRPr lang="en-US" dirty="0"/>
+          </a:p>
+          <a:p>
+            <a:r>
+              <a:rPr lang="en-US" dirty="0"/>
+              <a:t>To do this, we recommend launching a </a:t>
+            </a:r>
+            <a:r>
+              <a:rPr lang="en-US" b="1" dirty="0"/>
+              <a:t>‘48-Hour Singapore Experience’ package</a:t>
+            </a:r>
+            <a:r>
+              <a:rPr lang="en-US" dirty="0"/>
+              <a:t> – a curated itinerary that includes attraction access, dining vouchers, and shopping incentives. This is ideal for short-stay visitors, who we found have the highest per-day spend.</a:t>
+            </a:r>
+          </a:p>
+          <a:p>
+            <a:endParaRPr lang="en-US" dirty="0"/>
+          </a:p>
+          <a:p>
+            <a:r>
+              <a:rPr lang="en-US" dirty="0"/>
+              <a:t>Should collaborate with </a:t>
+            </a:r>
+            <a:r>
+              <a:rPr lang="en-US" b="1" dirty="0"/>
+              <a:t>travel platforms/agencies </a:t>
+            </a:r>
+            <a:r>
+              <a:rPr lang="en-US" dirty="0"/>
+              <a:t>in key markets to develop </a:t>
+            </a:r>
+            <a:r>
+              <a:rPr lang="en-US" b="1" dirty="0"/>
+              <a:t>bundled offers</a:t>
+            </a:r>
+            <a:r>
+              <a:rPr lang="en-US" dirty="0"/>
+              <a:t> – think flight + hotel + experience in one click. </a:t>
+            </a:r>
+            <a:endParaRPr lang="en-SG" dirty="0"/>
+          </a:p>
+        </p:txBody>
+      </p:sp>
+      <p:sp>
+        <p:nvSpPr>
+          <p:cNvPr id="4" name="Slide Number Placeholder 3">
+            <a:extLst>
+              <a:ext uri="{FF2B5EF4-FFF2-40B4-BE49-F238E27FC236}">
+                <a16:creationId xmlns:a16="http://schemas.microsoft.com/office/drawing/2014/main" id="{84D243F6-E594-8475-C764-416A897F69B0}"/>
+              </a:ext>
+            </a:extLst>
+          </p:cNvPr>
+          <p:cNvSpPr>
+            <a:spLocks noGrp="1"/>
+          </p:cNvSpPr>
+          <p:nvPr>
+            <p:ph type="sldNum" sz="quarter" idx="5"/>
+          </p:nvPr>
+        </p:nvSpPr>
+        <p:spPr/>
+        <p:txBody>
+          <a:bodyPr/>
+          <a:lstStyle/>
+          <a:p>
+            <a:fld id="{F5C9F1E5-F96A-49D6-AF66-350A43C84F64}" type="slidenum">
+              <a:rPr lang="en-SG" smtClean="0"/>
+              <a:t>20</a:t>
+            </a:fld>
+            <a:endParaRPr lang="en-SG"/>
+          </a:p>
+        </p:txBody>
+      </p:sp>
+    </p:spTree>
+    <p:extLst>
+      <p:ext uri="{BB962C8B-B14F-4D97-AF65-F5344CB8AC3E}">
+        <p14:creationId xmlns:p14="http://schemas.microsoft.com/office/powerpoint/2010/main" val="232677130"/>
+      </p:ext>
+    </p:extLst>
+  </p:cSld>
+  <p:clrMapOvr>
+    <a:masterClrMapping/>
+  </p:clrMapOvr>
+</p:notes>
+</file>
+
+<file path=ppt/notesSlides/notesSlide11.xml><?xml version="1.0" encoding="utf-8"?>
+<p:notes xmlns:a="http://schemas.openxmlformats.org/drawingml/2006/main" xmlns:r="http://schemas.openxmlformats.org/officeDocument/2006/relationships" xmlns:p="http://schemas.openxmlformats.org/presentationml/2006/main">
+  <p:cSld>
+    <p:spTree>
+      <p:nvGrpSpPr>
+        <p:cNvPr id="1" name="">
+          <a:extLst>
+            <a:ext uri="{FF2B5EF4-FFF2-40B4-BE49-F238E27FC236}">
               <a16:creationId xmlns:a16="http://schemas.microsoft.com/office/drawing/2014/main" id="{5F27991A-F7EF-B4B1-8B6E-703EA09B0A63}"/>
             </a:ext>
           </a:extLst>
@@ -4158,6 +4336,90 @@
           <a:bodyPr/>
           <a:lstStyle/>
           <a:p>
+            <a:endParaRPr lang="en-SG"/>
+          </a:p>
+        </p:txBody>
+      </p:sp>
+      <p:sp>
+        <p:nvSpPr>
+          <p:cNvPr id="4" name="Slide Number Placeholder 3"/>
+          <p:cNvSpPr>
+            <a:spLocks noGrp="1"/>
+          </p:cNvSpPr>
+          <p:nvPr>
+            <p:ph type="sldNum" sz="quarter" idx="5"/>
+          </p:nvPr>
+        </p:nvSpPr>
+        <p:spPr/>
+        <p:txBody>
+          <a:bodyPr/>
+          <a:lstStyle/>
+          <a:p>
+            <a:fld id="{F5C9F1E5-F96A-49D6-AF66-350A43C84F64}" type="slidenum">
+              <a:rPr lang="en-SG" smtClean="0"/>
+              <a:t>6</a:t>
+            </a:fld>
+            <a:endParaRPr lang="en-SG"/>
+          </a:p>
+        </p:txBody>
+      </p:sp>
+    </p:spTree>
+    <p:extLst>
+      <p:ext uri="{BB962C8B-B14F-4D97-AF65-F5344CB8AC3E}">
+        <p14:creationId xmlns:p14="http://schemas.microsoft.com/office/powerpoint/2010/main" val="4265003242"/>
+      </p:ext>
+    </p:extLst>
+  </p:cSld>
+  <p:clrMapOvr>
+    <a:masterClrMapping/>
+  </p:clrMapOvr>
+</p:notes>
+</file>
+
+<file path=ppt/notesSlides/notesSlide6.xml><?xml version="1.0" encoding="utf-8"?>
+<p:notes xmlns:a="http://schemas.openxmlformats.org/drawingml/2006/main" xmlns:r="http://schemas.openxmlformats.org/officeDocument/2006/relationships" xmlns:p="http://schemas.openxmlformats.org/presentationml/2006/main">
+  <p:cSld>
+    <p:spTree>
+      <p:nvGrpSpPr>
+        <p:cNvPr id="1" name=""/>
+        <p:cNvGrpSpPr/>
+        <p:nvPr/>
+      </p:nvGrpSpPr>
+      <p:grpSpPr>
+        <a:xfrm>
+          <a:off x="0" y="0"/>
+          <a:ext cx="0" cy="0"/>
+          <a:chOff x="0" y="0"/>
+          <a:chExt cx="0" cy="0"/>
+        </a:xfrm>
+      </p:grpSpPr>
+      <p:sp>
+        <p:nvSpPr>
+          <p:cNvPr id="2" name="Slide Image Placeholder 1"/>
+          <p:cNvSpPr>
+            <a:spLocks noGrp="1" noRot="1" noChangeAspect="1"/>
+          </p:cNvSpPr>
+          <p:nvPr>
+            <p:ph type="sldImg"/>
+          </p:nvPr>
+        </p:nvSpPr>
+        <p:spPr/>
+      </p:sp>
+      <p:sp>
+        <p:nvSpPr>
+          <p:cNvPr id="3" name="Notes Placeholder 2"/>
+          <p:cNvSpPr>
+            <a:spLocks noGrp="1"/>
+          </p:cNvSpPr>
+          <p:nvPr>
+            <p:ph type="body" idx="1"/>
+          </p:nvPr>
+        </p:nvSpPr>
+        <p:spPr/>
+        <p:txBody>
+          <a:bodyPr/>
+          <a:lstStyle/>
+          <a:p>
             <a:pPr marL="0" marR="0" lvl="0" indent="0" algn="l" defTabSz="914400" rtl="0" eaLnBrk="1" fontAlgn="auto" latinLnBrk="0" hangingPunct="1">
               <a:lnSpc>
                 <a:spcPct val="100000"/>
@@ -4391,129 +4653,6 @@
 </p:notes>
 </file>
 
-<file path=ppt/notesSlides/notesSlide6.xml><?xml version="1.0" encoding="utf-8"?>
-<p:notes xmlns:a="http://schemas.openxmlformats.org/drawingml/2006/main" xmlns:r="http://schemas.openxmlformats.org/officeDocument/2006/relationships" xmlns:p="http://schemas.openxmlformats.org/presentationml/2006/main">
-  <p:cSld>
-    <p:spTree>
-      <p:nvGrpSpPr>
-        <p:cNvPr id="1" name=""/>
-        <p:cNvGrpSpPr/>
-        <p:nvPr/>
-      </p:nvGrpSpPr>
-      <p:grpSpPr>
-        <a:xfrm>
-          <a:off x="0" y="0"/>
-          <a:ext cx="0" cy="0"/>
-          <a:chOff x="0" y="0"/>
-          <a:chExt cx="0" cy="0"/>
-        </a:xfrm>
-      </p:grpSpPr>
-      <p:sp>
-        <p:nvSpPr>
-          <p:cNvPr id="2" name="Slide Image Placeholder 1"/>
-          <p:cNvSpPr>
-            <a:spLocks noGrp="1" noRot="1" noChangeAspect="1"/>
-          </p:cNvSpPr>
-          <p:nvPr>
-            <p:ph type="sldImg"/>
-          </p:nvPr>
-        </p:nvSpPr>
-        <p:spPr/>
-      </p:sp>
-      <p:sp>
-        <p:nvSpPr>
-          <p:cNvPr id="3" name="Notes Placeholder 2"/>
-          <p:cNvSpPr>
-            <a:spLocks noGrp="1"/>
-          </p:cNvSpPr>
-          <p:nvPr>
-            <p:ph type="body" idx="1"/>
-          </p:nvPr>
-        </p:nvSpPr>
-        <p:spPr/>
-        <p:txBody>
-          <a:bodyPr/>
-          <a:lstStyle/>
-          <a:p>
-            <a:r>
-              <a:rPr lang="en-US" dirty="0"/>
-              <a:t>I select a baseline model and a </a:t>
-            </a:r>
-            <a:r>
-              <a:rPr lang="en-US" dirty="0" err="1"/>
-              <a:t>Xgboost</a:t>
-            </a:r>
-            <a:r>
-              <a:rPr lang="en-US" dirty="0"/>
-              <a:t> model for analysis (the reason why I select </a:t>
-            </a:r>
-            <a:r>
-              <a:rPr lang="en-US" dirty="0" err="1"/>
-              <a:t>Xgboost</a:t>
-            </a:r>
-            <a:r>
-              <a:rPr lang="en-US" dirty="0"/>
-              <a:t> model is because it is better at handling imbalance classes)</a:t>
-            </a:r>
-          </a:p>
-          <a:p>
-            <a:endParaRPr lang="en-US" dirty="0"/>
-          </a:p>
-          <a:p>
-            <a:r>
-              <a:rPr lang="en-US" dirty="0"/>
-              <a:t>For e.g. in the factory.csv I used </a:t>
-            </a:r>
-            <a:r>
-              <a:rPr lang="en-US" dirty="0" err="1"/>
-              <a:t>Xgboost</a:t>
-            </a:r>
-            <a:r>
-              <a:rPr lang="en-US" dirty="0"/>
-              <a:t> to handle the imbalance classes</a:t>
-            </a:r>
-          </a:p>
-          <a:p>
-            <a:endParaRPr lang="en-SG" dirty="0"/>
-          </a:p>
-        </p:txBody>
-      </p:sp>
-      <p:sp>
-        <p:nvSpPr>
-          <p:cNvPr id="4" name="Slide Number Placeholder 3"/>
-          <p:cNvSpPr>
-            <a:spLocks noGrp="1"/>
-          </p:cNvSpPr>
-          <p:nvPr>
-            <p:ph type="sldNum" sz="quarter" idx="5"/>
-          </p:nvPr>
-        </p:nvSpPr>
-        <p:spPr/>
-        <p:txBody>
-          <a:bodyPr/>
-          <a:lstStyle/>
-          <a:p>
-            <a:fld id="{3B251C97-8571-4601-A1E7-26E4D256EF4A}" type="slidenum">
-              <a:rPr lang="en-SG" smtClean="0"/>
-              <a:t>9</a:t>
-            </a:fld>
-            <a:endParaRPr lang="en-SG"/>
-          </a:p>
-        </p:txBody>
-      </p:sp>
-    </p:spTree>
-    <p:extLst>
-      <p:ext uri="{BB962C8B-B14F-4D97-AF65-F5344CB8AC3E}">
-        <p14:creationId xmlns:p14="http://schemas.microsoft.com/office/powerpoint/2010/main" val="1730463335"/>
-      </p:ext>
-    </p:extLst>
-  </p:cSld>
-  <p:clrMapOvr>
-    <a:masterClrMapping/>
-  </p:clrMapOvr>
-</p:notes>
-</file>
-
 <file path=ppt/notesSlides/notesSlide7.xml><?xml version="1.0" encoding="utf-8"?>
 <p:notes xmlns:a="http://schemas.openxmlformats.org/drawingml/2006/main" xmlns:r="http://schemas.openxmlformats.org/officeDocument/2006/relationships" xmlns:p="http://schemas.openxmlformats.org/presentationml/2006/main">
   <p:cSld>
@@ -4560,8 +4699,43 @@
           <a:p>
             <a:r>
               <a:rPr lang="en-US" dirty="0"/>
-              <a:t>=== Results === Chi-square: 245.5 p-value: 0.0000 Degrees of freedom: 27 Cramer's V: 0.153 </a:t>
-            </a:r>
+              <a:t>I select a baseline model and a </a:t>
+            </a:r>
+            <a:r>
+              <a:rPr lang="en-US" dirty="0" err="1"/>
+              <a:t>Xgboost</a:t>
+            </a:r>
+            <a:r>
+              <a:rPr lang="en-US" dirty="0"/>
+              <a:t> model for analysis (the reason why I select </a:t>
+            </a:r>
+            <a:r>
+              <a:rPr lang="en-US" dirty="0" err="1"/>
+              <a:t>Xgboost</a:t>
+            </a:r>
+            <a:r>
+              <a:rPr lang="en-US" dirty="0"/>
+              <a:t> model is because it is better at handling imbalance classes)</a:t>
+            </a:r>
+          </a:p>
+          <a:p>
+            <a:endParaRPr lang="en-US" dirty="0"/>
+          </a:p>
+          <a:p>
+            <a:r>
+              <a:rPr lang="en-US" dirty="0"/>
+              <a:t>For e.g. in the factory.csv I used </a:t>
+            </a:r>
+            <a:r>
+              <a:rPr lang="en-US" dirty="0" err="1"/>
+              <a:t>Xgboost</a:t>
+            </a:r>
+            <a:r>
+              <a:rPr lang="en-US" dirty="0"/>
+              <a:t> to handle the imbalance classes</a:t>
+            </a:r>
+          </a:p>
+          <a:p>
             <a:endParaRPr lang="en-SG" dirty="0"/>
           </a:p>
         </p:txBody>
@@ -4581,9 +4755,9 @@
           <a:bodyPr/>
           <a:lstStyle/>
           <a:p>
-            <a:fld id="{F5C9F1E5-F96A-49D6-AF66-350A43C84F64}" type="slidenum">
+            <a:fld id="{3B251C97-8571-4601-A1E7-26E4D256EF4A}" type="slidenum">
               <a:rPr lang="en-SG" smtClean="0"/>
-              <a:t>15</a:t>
+              <a:t>9</a:t>
             </a:fld>
             <a:endParaRPr lang="en-SG"/>
           </a:p>
@@ -4592,7 +4766,7 @@
     </p:spTree>
     <p:extLst>
       <p:ext uri="{BB962C8B-B14F-4D97-AF65-F5344CB8AC3E}">
-        <p14:creationId xmlns:p14="http://schemas.microsoft.com/office/powerpoint/2010/main" val="2817960340"/>
+        <p14:creationId xmlns:p14="http://schemas.microsoft.com/office/powerpoint/2010/main" val="1730463335"/>
       </p:ext>
     </p:extLst>
   </p:cSld>
@@ -4648,82 +4822,8 @@
           <a:p>
             <a:r>
               <a:rPr lang="en-US" dirty="0"/>
-              <a:t>One area with strong potential to boost tourist satisfaction and spending is </a:t>
-            </a:r>
-            <a:r>
-              <a:rPr lang="en-US" b="1" dirty="0"/>
-              <a:t>last-mile connectivity</a:t>
-            </a:r>
-            <a:r>
-              <a:rPr lang="en-US" dirty="0"/>
-              <a:t>—how easily visitors can get from their hotels to major shopping and lifestyle zones.</a:t>
-            </a:r>
-          </a:p>
-          <a:p>
-            <a:endParaRPr lang="en-US" dirty="0"/>
-          </a:p>
-          <a:p>
-            <a:r>
-              <a:rPr lang="en-US" dirty="0"/>
-              <a:t>Hotels like </a:t>
-            </a:r>
-            <a:r>
-              <a:rPr lang="en-US" b="1" dirty="0"/>
-              <a:t>Marina Bay Sands, Bencoolen, and Carlton Hotel</a:t>
-            </a:r>
-            <a:r>
-              <a:rPr lang="en-US" dirty="0"/>
-              <a:t> are high-traffic accommodations near retail precincts. Ensuring </a:t>
-            </a:r>
-            <a:r>
-              <a:rPr lang="en-US" b="1" dirty="0"/>
-              <a:t>clear and convenient access</a:t>
-            </a:r>
-            <a:r>
-              <a:rPr lang="en-US" dirty="0"/>
-              <a:t>, whether through nearby MRT stations, walkways, or shuttle services, is key to improving flow.</a:t>
-            </a:r>
-          </a:p>
-          <a:p>
-            <a:endParaRPr lang="en-US" dirty="0"/>
-          </a:p>
-          <a:p>
-            <a:r>
-              <a:rPr lang="en-US" dirty="0"/>
-              <a:t>To further support visitors—especially those facing </a:t>
-            </a:r>
-            <a:r>
-              <a:rPr lang="en-US" b="1" dirty="0"/>
-              <a:t>language barriers</a:t>
-            </a:r>
-            <a:r>
-              <a:rPr lang="en-US" dirty="0"/>
-              <a:t>—we recommend deploying </a:t>
-            </a:r>
-            <a:r>
-              <a:rPr lang="en-US" b="1" dirty="0"/>
-              <a:t>multilingual guest assistance staff</a:t>
-            </a:r>
-            <a:r>
-              <a:rPr lang="en-US" dirty="0"/>
-              <a:t> around these hotels and malls to offer real-time guidance.</a:t>
-            </a:r>
-          </a:p>
-          <a:p>
-            <a:r>
-              <a:rPr lang="en-US" dirty="0"/>
-              <a:t>Finally, partnering with </a:t>
-            </a:r>
-            <a:r>
-              <a:rPr lang="en-US" b="1" dirty="0"/>
-              <a:t>retailers and hotels</a:t>
-            </a:r>
-            <a:r>
-              <a:rPr lang="en-US" dirty="0"/>
-              <a:t> to provide digital concierge tools, maps, and signage will make navigation easier and allowing tourists to spend more time experiencing Singapore—rather than figuring out how to get around it.</a:t>
-            </a:r>
-          </a:p>
-          <a:p>
+              <a:t>=== Results === Chi-square: 245.5 p-value: 0.0000 Degrees of freedom: 27 Cramer's V: 0.153 </a:t>
+            </a:r>
             <a:endParaRPr lang="en-SG" dirty="0"/>
           </a:p>
         </p:txBody>
@@ -4745,7 +4845,7 @@
           <a:p>
             <a:fld id="{F5C9F1E5-F96A-49D6-AF66-350A43C84F64}" type="slidenum">
               <a:rPr lang="en-SG" smtClean="0"/>
-              <a:t>19</a:t>
+              <a:t>15</a:t>
             </a:fld>
             <a:endParaRPr lang="en-SG"/>
           </a:p>
@@ -4754,7 +4854,7 @@
     </p:spTree>
     <p:extLst>
       <p:ext uri="{BB962C8B-B14F-4D97-AF65-F5344CB8AC3E}">
-        <p14:creationId xmlns:p14="http://schemas.microsoft.com/office/powerpoint/2010/main" val="2422122400"/>
+        <p14:creationId xmlns:p14="http://schemas.microsoft.com/office/powerpoint/2010/main" val="2817960340"/>
       </p:ext>
     </p:extLst>
   </p:cSld>
@@ -4769,13 +4869,7 @@
   <p:cSld>
     <p:spTree>
       <p:nvGrpSpPr>
-        <p:cNvPr id="1" name="">
-          <a:extLst>
-            <a:ext uri="{FF2B5EF4-FFF2-40B4-BE49-F238E27FC236}">
-              <a16:creationId xmlns:a16="http://schemas.microsoft.com/office/drawing/2014/main" id="{503A1F3E-CAFB-A403-8072-4B9C8A6009EC}"/>
-            </a:ext>
-          </a:extLst>
-        </p:cNvPr>
+        <p:cNvPr id="1" name=""/>
         <p:cNvGrpSpPr/>
         <p:nvPr/>
       </p:nvGrpSpPr>
@@ -4789,13 +4883,7 @@
       </p:grpSpPr>
       <p:sp>
         <p:nvSpPr>
-          <p:cNvPr id="2" name="Slide Image Placeholder 1">
-            <a:extLst>
-              <a:ext uri="{FF2B5EF4-FFF2-40B4-BE49-F238E27FC236}">
-                <a16:creationId xmlns:a16="http://schemas.microsoft.com/office/drawing/2014/main" id="{162898C9-C350-B1E2-3EEF-927580CAC7FD}"/>
-              </a:ext>
-            </a:extLst>
-          </p:cNvPr>
+          <p:cNvPr id="2" name="Slide Image Placeholder 1"/>
           <p:cNvSpPr>
             <a:spLocks noGrp="1" noRot="1" noChangeAspect="1"/>
           </p:cNvSpPr>
@@ -4807,13 +4895,7 @@
       </p:sp>
       <p:sp>
         <p:nvSpPr>
-          <p:cNvPr id="3" name="Notes Placeholder 2">
-            <a:extLst>
-              <a:ext uri="{FF2B5EF4-FFF2-40B4-BE49-F238E27FC236}">
-                <a16:creationId xmlns:a16="http://schemas.microsoft.com/office/drawing/2014/main" id="{CADBA544-063C-2D9F-F76B-0652FBA053BB}"/>
-              </a:ext>
-            </a:extLst>
-          </p:cNvPr>
+          <p:cNvPr id="3" name="Notes Placeholder 2"/>
           <p:cNvSpPr>
             <a:spLocks noGrp="1"/>
           </p:cNvSpPr>
@@ -4828,31 +4910,40 @@
           <a:p>
             <a:r>
               <a:rPr lang="en-US" dirty="0"/>
-              <a:t>Our clustering analysis shows that </a:t>
+              <a:t>One area with strong potential to boost tourist satisfaction and spending is </a:t>
             </a:r>
             <a:r>
               <a:rPr lang="en-US" b="1" dirty="0"/>
-              <a:t>accommodation consistently represents the largest proportion of tourist spending</a:t>
+              <a:t>last-mile connectivity</a:t>
             </a:r>
             <a:r>
               <a:rPr lang="en-US" dirty="0"/>
-              <a:t>, regardless of segment, while </a:t>
+              <a:t>—how easily visitors can get from their hotels to major shopping and lifestyle zones.</a:t>
+            </a:r>
+          </a:p>
+          <a:p>
+            <a:endParaRPr lang="en-US" dirty="0"/>
+          </a:p>
+          <a:p>
+            <a:r>
+              <a:rPr lang="en-US" dirty="0"/>
+              <a:t>Hotels like </a:t>
             </a:r>
             <a:r>
               <a:rPr lang="en-US" b="1" dirty="0"/>
-              <a:t>F&amp;B, transport, and shopping</a:t>
+              <a:t>Marina Bay Sands, Bencoolen, and Carlton Hotel</a:t>
             </a:r>
             <a:r>
               <a:rPr lang="en-US" dirty="0"/>
-              <a:t> also account for significant shares. This tells us that rather than reinventing the wheel, we should </a:t>
+              <a:t> are high-traffic accommodations near retail precincts. Ensuring </a:t>
             </a:r>
             <a:r>
               <a:rPr lang="en-US" b="1" dirty="0"/>
-              <a:t>fortify and enhance these core tourism pillars</a:t>
+              <a:t>clear and convenient access</a:t>
             </a:r>
             <a:r>
               <a:rPr lang="en-US" dirty="0"/>
-              <a:t>.</a:t>
+              <a:t>, whether through nearby MRT stations, walkways, or shuttle services, is key to improving flow.</a:t>
             </a:r>
           </a:p>
           <a:p>
@@ -4861,54 +4952,47 @@
           <a:p>
             <a:r>
               <a:rPr lang="en-US" dirty="0"/>
-              <a:t>To do this, we recommend launching a </a:t>
+              <a:t>To further support visitors—especially those facing </a:t>
             </a:r>
             <a:r>
               <a:rPr lang="en-US" b="1" dirty="0"/>
-              <a:t>‘48-Hour Singapore Experience’ package</a:t>
+              <a:t>language barriers</a:t>
             </a:r>
             <a:r>
               <a:rPr lang="en-US" dirty="0"/>
-              <a:t> – a curated itinerary that includes attraction access, dining vouchers, and shopping incentives. This is ideal for short-stay visitors, who we found have the highest per-day spend.</a:t>
-            </a:r>
-          </a:p>
-          <a:p>
-            <a:endParaRPr lang="en-US" dirty="0"/>
-          </a:p>
-          <a:p>
+              <a:t>—we recommend deploying </a:t>
+            </a:r>
+            <a:r>
+              <a:rPr lang="en-US" b="1" dirty="0"/>
+              <a:t>multilingual guest assistance staff</a:t>
+            </a:r>
             <a:r>
               <a:rPr lang="en-US" dirty="0"/>
-              <a:t>Should collaborate with </a:t>
+              <a:t> around these hotels and malls to offer real-time guidance.</a:t>
+            </a:r>
+          </a:p>
+          <a:p>
+            <a:r>
+              <a:rPr lang="en-US" dirty="0"/>
+              <a:t>Finally, partnering with </a:t>
             </a:r>
             <a:r>
               <a:rPr lang="en-US" b="1" dirty="0"/>
-              <a:t>travel platforms/agencies </a:t>
+              <a:t>retailers and hotels</a:t>
             </a:r>
             <a:r>
               <a:rPr lang="en-US" dirty="0"/>
-              <a:t>in key markets to develop </a:t>
-            </a:r>
-            <a:r>
-              <a:rPr lang="en-US" b="1" dirty="0"/>
-              <a:t>bundled offers</a:t>
-            </a:r>
-            <a:r>
-              <a:rPr lang="en-US" dirty="0"/>
-              <a:t> – think flight + hotel + experience in one click. </a:t>
-            </a:r>
+              <a:t> to provide digital concierge tools, maps, and signage will make navigation easier and allowing tourists to spend more time experiencing Singapore—rather than figuring out how to get around it.</a:t>
+            </a:r>
+          </a:p>
+          <a:p>
             <a:endParaRPr lang="en-SG" dirty="0"/>
           </a:p>
         </p:txBody>
       </p:sp>
       <p:sp>
         <p:nvSpPr>
-          <p:cNvPr id="4" name="Slide Number Placeholder 3">
-            <a:extLst>
-              <a:ext uri="{FF2B5EF4-FFF2-40B4-BE49-F238E27FC236}">
-                <a16:creationId xmlns:a16="http://schemas.microsoft.com/office/drawing/2014/main" id="{84D243F6-E594-8475-C764-416A897F69B0}"/>
-              </a:ext>
-            </a:extLst>
-          </p:cNvPr>
+          <p:cNvPr id="4" name="Slide Number Placeholder 3"/>
           <p:cNvSpPr>
             <a:spLocks noGrp="1"/>
           </p:cNvSpPr>
@@ -4923,7 +5007,7 @@
           <a:p>
             <a:fld id="{F5C9F1E5-F96A-49D6-AF66-350A43C84F64}" type="slidenum">
               <a:rPr lang="en-SG" smtClean="0"/>
-              <a:t>20</a:t>
+              <a:t>19</a:t>
             </a:fld>
             <a:endParaRPr lang="en-SG"/>
           </a:p>
@@ -4932,7 +5016,7 @@
     </p:spTree>
     <p:extLst>
       <p:ext uri="{BB962C8B-B14F-4D97-AF65-F5344CB8AC3E}">
-        <p14:creationId xmlns:p14="http://schemas.microsoft.com/office/powerpoint/2010/main" val="232677130"/>
+        <p14:creationId xmlns:p14="http://schemas.microsoft.com/office/powerpoint/2010/main" val="2422122400"/>
       </p:ext>
     </p:extLst>
   </p:cSld>
@@ -8221,7 +8305,12 @@
             <p:ph type="subTitle" idx="1"/>
           </p:nvPr>
         </p:nvSpPr>
-        <p:spPr/>
+        <p:spPr>
+          <a:xfrm>
+            <a:off x="1524000" y="3726216"/>
+            <a:ext cx="9144000" cy="1655762"/>
+          </a:xfrm>
+        </p:spPr>
         <p:txBody>
           <a:bodyPr/>
           <a:lstStyle/>
@@ -8892,7 +8981,7 @@
             <p:ph idx="1"/>
             <p:extLst>
               <p:ext uri="{D42A27DB-BD31-4B8C-83A1-F6EECF244321}">
-                <p14:modId xmlns:p14="http://schemas.microsoft.com/office/powerpoint/2010/main" val="549409262"/>
+                <p14:modId xmlns:p14="http://schemas.microsoft.com/office/powerpoint/2010/main" val="1757785369"/>
               </p:ext>
             </p:extLst>
           </p:nvPr>
@@ -9117,7 +9206,7 @@
                     <a:p>
                       <a:r>
                         <a:rPr lang="en-SG" dirty="0"/>
-                        <a:t>Main  Occupations</a:t>
+                        <a:t>Main Occupations</a:t>
                       </a:r>
                     </a:p>
                   </a:txBody>
@@ -9187,7 +9276,7 @@
                     <a:p>
                       <a:r>
                         <a:rPr lang="en-SG" dirty="0"/>
-                        <a:t>Spending profile</a:t>
+                        <a:t>Spending Profile</a:t>
                       </a:r>
                     </a:p>
                   </a:txBody>
@@ -10100,7 +10189,7 @@
           <a:p>
             <a:r>
               <a:rPr lang="en-SG" dirty="0"/>
-              <a:t>Spending behaviour by martial status</a:t>
+              <a:t>Spending behaviour by Marital status</a:t>
             </a:r>
           </a:p>
         </p:txBody>
@@ -10653,7 +10742,7 @@
             <a:pPr lvl="1"/>
             <a:r>
               <a:rPr lang="en-SG" dirty="0"/>
-              <a:t>Martial Status</a:t>
+              <a:t>Marital status</a:t>
             </a:r>
           </a:p>
           <a:p>
@@ -11058,7 +11147,7 @@
           <a:p>
             <a:r>
               <a:rPr lang="en-SG" dirty="0"/>
-              <a:t>Understand Singapore’s tourist spending behaviours and preferences</a:t>
+              <a:t>Understand Singapore’s tourist spending behaviours and preferences.</a:t>
             </a:r>
           </a:p>
           <a:p>
@@ -11071,7 +11160,7 @@
           <a:p>
             <a:r>
               <a:rPr lang="en-US" dirty="0"/>
-              <a:t>How many different segment of visitors can be identified from the survey data</a:t>
+              <a:t>How many different segment of visitors can be identified from the survey data?</a:t>
             </a:r>
             <a:endParaRPr lang="en-SG" dirty="0"/>
           </a:p>
@@ -11292,9 +11381,11 @@
               <a:rPr lang="en-US" b="1" dirty="0"/>
               <a:t> Step 3: </a:t>
             </a:r>
+          </a:p>
+          <a:p>
             <a:r>
               <a:rPr lang="en-US" dirty="0"/>
-              <a:t>Impute/remove missing values and transforming of variables</a:t>
+              <a:t>Impute/ remove missing values and transforming of variables</a:t>
             </a:r>
             <a:endParaRPr lang="en-SG" dirty="0"/>
           </a:p>
@@ -11315,7 +11406,7 @@
         <p:spPr>
           <a:xfrm>
             <a:off x="7119013" y="4321097"/>
-            <a:ext cx="2059105" cy="923330"/>
+            <a:ext cx="2059105" cy="1200329"/>
           </a:xfrm>
           <a:prstGeom prst="rect">
             <a:avLst/>
@@ -11335,11 +11426,13 @@
           <a:p>
             <a:r>
               <a:rPr lang="en-US" b="1" dirty="0"/>
-              <a:t> </a:t>
-            </a:r>
+              <a:t> Step 4: </a:t>
+            </a:r>
+          </a:p>
+          <a:p>
             <a:r>
               <a:rPr lang="en-US" dirty="0"/>
-              <a:t>Step 4: Select various features to cluster the data</a:t>
+              <a:t>Select various features to cluster the data</a:t>
             </a:r>
             <a:endParaRPr lang="en-SG" dirty="0"/>
           </a:p>
@@ -11386,9 +11479,19 @@
               <a:rPr lang="en-US" b="1" dirty="0"/>
               <a:t>Step 5: </a:t>
             </a:r>
+          </a:p>
+          <a:p>
             <a:r>
               <a:rPr lang="en-US" dirty="0"/>
-              <a:t>Briefly summaries and provide insights</a:t>
+              <a:t>Briefly </a:t>
+            </a:r>
+            <a:r>
+              <a:rPr lang="en-US" dirty="0" err="1"/>
+              <a:t>summarise</a:t>
+            </a:r>
+            <a:r>
+              <a:rPr lang="en-US" dirty="0"/>
+              <a:t> and provide insights</a:t>
             </a:r>
             <a:endParaRPr lang="en-SG" dirty="0"/>
           </a:p>
